--- a/outputs/singapore.pptx
+++ b/outputs/singapore.pptx
@@ -1,15 +1,16 @@
 
 <file path=ppt/presentation.xml><?xml version="1.0" encoding="utf-8"?>
-<p:presentation xmlns:a="http://schemas.openxmlformats.org/drawingml/2006/main" xmlns:r="http://schemas.openxmlformats.org/officeDocument/2006/relationships" xmlns:p="http://schemas.openxmlformats.org/presentationml/2006/main" saveSubsetFonts="1" autoCompressPictures="0">
+<p:presentation xmlns:a="http://schemas.openxmlformats.org/drawingml/2006/main" xmlns:r="http://schemas.openxmlformats.org/officeDocument/2006/relationships" xmlns:p="http://schemas.openxmlformats.org/presentationml/2006/main" autoCompressPictures="0">
   <p:sldMasterIdLst>
-    <p:sldMasterId id="2147483648" r:id="rId1"/>
+    <p:sldMasterId id="2147483791" r:id="rId1"/>
   </p:sldMasterIdLst>
   <p:sldIdLst>
-    <p:sldId id="256" r:id="rId7"/>
-    <p:sldId id="257" r:id="rId8"/>
-    <p:sldId id="258" r:id="rId9"/>
+    <p:sldId id="256" r:id="rId6"/>
+    <p:sldId id="257" r:id="rId7"/>
+    <p:sldId id="258" r:id="rId8"/>
+    <p:sldId id="259" r:id="rId9"/>
   </p:sldIdLst>
-  <p:sldSz cx="9144000" cy="6858000" type="screen4x3"/>
+  <p:sldSz cx="12192000" cy="6858000"/>
   <p:notesSz cx="6858000" cy="9144000"/>
   <p:defaultTextStyle>
     <a:defPPr>
@@ -106,6 +107,11 @@
       </a:defRPr>
     </a:lvl9pPr>
   </p:defaultTextStyle>
+  <p:extLst>
+    <p:ext uri="{EFAFB233-063F-42B5-8137-9DF3F51BA10A}">
+      <p15:sldGuideLst xmlns:p15="http://schemas.microsoft.com/office/powerpoint/2012/main"/>
+    </p:ext>
+  </p:extLst>
 </p:presentation>
 </file>
 
@@ -138,19 +144,25 @@
         </p:nvSpPr>
         <p:spPr>
           <a:xfrm>
-            <a:off x="685800" y="2130425"/>
-            <a:ext cx="7772400" cy="1470025"/>
+            <a:off x="1370693" y="1769540"/>
+            <a:ext cx="9440034" cy="1828801"/>
           </a:xfrm>
         </p:spPr>
         <p:txBody>
-          <a:bodyPr/>
-          <a:lstStyle/>
-          <a:p>
-            <a:r>
-              <a:rPr lang="en-US" smtClean="0"/>
+          <a:bodyPr anchor="b">
+            <a:normAutofit/>
+          </a:bodyPr>
+          <a:lstStyle>
+            <a:lvl1pPr algn="ctr">
+              <a:defRPr sz="5400"/>
+            </a:lvl1pPr>
+          </a:lstStyle>
+          <a:p>
+            <a:r>
+              <a:rPr lang="en-US"/>
               <a:t>Click to edit Master title style</a:t>
             </a:r>
-            <a:endParaRPr lang="en-US"/>
+            <a:endParaRPr lang="en-US" dirty="0"/>
           </a:p>
         </p:txBody>
       </p:sp>
@@ -166,20 +178,18 @@
         </p:nvSpPr>
         <p:spPr>
           <a:xfrm>
-            <a:off x="1371600" y="3886200"/>
-            <a:ext cx="6400800" cy="1752600"/>
+            <a:off x="1370693" y="3598339"/>
+            <a:ext cx="9440034" cy="1049867"/>
           </a:xfrm>
         </p:spPr>
         <p:txBody>
-          <a:bodyPr/>
+          <a:bodyPr anchor="t"/>
           <a:lstStyle>
             <a:lvl1pPr marL="0" indent="0" algn="ctr">
               <a:buNone/>
               <a:defRPr>
                 <a:solidFill>
-                  <a:schemeClr val="tx1">
-                    <a:tint val="75000"/>
-                  </a:schemeClr>
+                  <a:schemeClr val="tx1"/>
                 </a:solidFill>
               </a:defRPr>
             </a:lvl1pPr>
@@ -266,21 +276,45 @@
           </a:lstStyle>
           <a:p>
             <a:r>
+              <a:rPr lang="en-US"/>
+              <a:t>Click to edit Master subtitle style</a:t>
+            </a:r>
+            <a:endParaRPr lang="en-US" dirty="0"/>
+          </a:p>
+        </p:txBody>
+      </p:sp>
+      <p:sp>
+        <p:nvSpPr>
+          <p:cNvPr id="4" name="Date Placeholder 3"/>
+          <p:cNvSpPr>
+            <a:spLocks noGrp="1"/>
+          </p:cNvSpPr>
+          <p:nvPr>
+            <p:ph type="dt" sz="half" idx="10"/>
+          </p:nvPr>
+        </p:nvSpPr>
+        <p:spPr/>
+        <p:txBody>
+          <a:bodyPr/>
+          <a:lstStyle/>
+          <a:p>
+            <a:fld id="{B61BEF0D-F0BB-DE4B-95CE-6DB70DBA9567}" type="datetimeFigureOut">
               <a:rPr lang="en-US" smtClean="0"/>
-              <a:t>Click to edit Master subtitle style</a:t>
-            </a:r>
-            <a:endParaRPr lang="en-US"/>
-          </a:p>
-        </p:txBody>
-      </p:sp>
-      <p:sp>
-        <p:nvSpPr>
-          <p:cNvPr id="4" name="Date Placeholder 3"/>
-          <p:cNvSpPr>
-            <a:spLocks noGrp="1"/>
-          </p:cNvSpPr>
-          <p:nvPr>
-            <p:ph type="dt" sz="half" idx="10"/>
+              <a:pPr/>
+              <a:t>11/8/2023</a:t>
+            </a:fld>
+            <a:endParaRPr lang="en-US" dirty="0"/>
+          </a:p>
+        </p:txBody>
+      </p:sp>
+      <p:sp>
+        <p:nvSpPr>
+          <p:cNvPr id="5" name="Footer Placeholder 4"/>
+          <p:cNvSpPr>
+            <a:spLocks noGrp="1"/>
+          </p:cNvSpPr>
+          <p:nvPr>
+            <p:ph type="ftr" sz="quarter" idx="11"/>
           </p:nvPr>
         </p:nvSpPr>
         <p:spPr/>
@@ -288,60 +322,38 @@
           <a:bodyPr/>
           <a:lstStyle/>
           <a:p>
-            <a:fld id="{5BCAD085-E8A6-8845-BD4E-CB4CCA059FC4}" type="datetimeFigureOut">
+            <a:endParaRPr lang="en-US" dirty="0"/>
+          </a:p>
+        </p:txBody>
+      </p:sp>
+      <p:sp>
+        <p:nvSpPr>
+          <p:cNvPr id="6" name="Slide Number Placeholder 5"/>
+          <p:cNvSpPr>
+            <a:spLocks noGrp="1"/>
+          </p:cNvSpPr>
+          <p:nvPr>
+            <p:ph type="sldNum" sz="quarter" idx="12"/>
+          </p:nvPr>
+        </p:nvSpPr>
+        <p:spPr/>
+        <p:txBody>
+          <a:bodyPr/>
+          <a:lstStyle/>
+          <a:p>
+            <a:fld id="{D57F1E4F-1CFF-5643-939E-217C01CDF565}" type="slidenum">
               <a:rPr lang="en-US" smtClean="0"/>
-              <a:t>1/27/13</a:t>
-            </a:fld>
-            <a:endParaRPr lang="en-US"/>
-          </a:p>
-        </p:txBody>
-      </p:sp>
-      <p:sp>
-        <p:nvSpPr>
-          <p:cNvPr id="5" name="Footer Placeholder 4"/>
-          <p:cNvSpPr>
-            <a:spLocks noGrp="1"/>
-          </p:cNvSpPr>
-          <p:nvPr>
-            <p:ph type="ftr" sz="quarter" idx="11"/>
-          </p:nvPr>
-        </p:nvSpPr>
-        <p:spPr/>
-        <p:txBody>
-          <a:bodyPr/>
-          <a:lstStyle/>
-          <a:p>
-            <a:endParaRPr lang="en-US"/>
-          </a:p>
-        </p:txBody>
-      </p:sp>
-      <p:sp>
-        <p:nvSpPr>
-          <p:cNvPr id="6" name="Slide Number Placeholder 5"/>
-          <p:cNvSpPr>
-            <a:spLocks noGrp="1"/>
-          </p:cNvSpPr>
-          <p:nvPr>
-            <p:ph type="sldNum" sz="quarter" idx="12"/>
-          </p:nvPr>
-        </p:nvSpPr>
-        <p:spPr/>
-        <p:txBody>
-          <a:bodyPr/>
-          <a:lstStyle/>
-          <a:p>
-            <a:fld id="{C1FF6DA9-008F-8B48-92A6-B652298478BF}" type="slidenum">
-              <a:rPr lang="en-US" smtClean="0"/>
+              <a:pPr/>
               <a:t>‹#›</a:t>
             </a:fld>
-            <a:endParaRPr lang="en-US"/>
+            <a:endParaRPr lang="en-US" dirty="0"/>
           </a:p>
         </p:txBody>
       </p:sp>
     </p:spTree>
     <p:extLst>
       <p:ext uri="{BB962C8B-B14F-4D97-AF65-F5344CB8AC3E}">
-        <p14:creationId xmlns:p14="http://schemas.microsoft.com/office/powerpoint/2010/main" val="3168075583"/>
+        <p14:creationId xmlns:p14="http://schemas.microsoft.com/office/powerpoint/2010/main" val="2147112148"/>
       </p:ext>
     </p:extLst>
   </p:cSld>
@@ -352,6 +364,2594 @@
 </file>
 
 <file path=ppt/slideLayouts/slideLayout10.xml><?xml version="1.0" encoding="utf-8"?>
+<p:sldLayout xmlns:a="http://schemas.openxmlformats.org/drawingml/2006/main" xmlns:r="http://schemas.openxmlformats.org/officeDocument/2006/relationships" xmlns:p="http://schemas.openxmlformats.org/presentationml/2006/main" preserve="1">
+  <p:cSld name="Panoramic Picture with Caption">
+    <p:spTree>
+      <p:nvGrpSpPr>
+        <p:cNvPr id="1" name=""/>
+        <p:cNvGrpSpPr/>
+        <p:nvPr/>
+      </p:nvGrpSpPr>
+      <p:grpSpPr>
+        <a:xfrm>
+          <a:off x="0" y="0"/>
+          <a:ext cx="0" cy="0"/>
+          <a:chOff x="0" y="0"/>
+          <a:chExt cx="0" cy="0"/>
+        </a:xfrm>
+      </p:grpSpPr>
+      <p:pic>
+        <p:nvPicPr>
+          <p:cNvPr id="16" name="Picture 15" descr="Slate-V2-HD-panoPhotoInset.png"/>
+          <p:cNvPicPr>
+            <a:picLocks noChangeAspect="1"/>
+          </p:cNvPicPr>
+          <p:nvPr/>
+        </p:nvPicPr>
+        <p:blipFill>
+          <a:blip r:embed="rId2">
+            <a:extLst>
+              <a:ext uri="{28A0092B-C50C-407E-A947-70E740481C1C}">
+                <a14:useLocalDpi xmlns:a14="http://schemas.microsoft.com/office/drawing/2010/main" val="0"/>
+              </a:ext>
+            </a:extLst>
+          </a:blip>
+          <a:stretch>
+            <a:fillRect/>
+          </a:stretch>
+        </p:blipFill>
+        <p:spPr>
+          <a:xfrm>
+            <a:off x="1013883" y="547807"/>
+            <a:ext cx="10141799" cy="3816806"/>
+          </a:xfrm>
+          <a:prstGeom prst="rect">
+            <a:avLst/>
+          </a:prstGeom>
+        </p:spPr>
+      </p:pic>
+      <p:sp>
+        <p:nvSpPr>
+          <p:cNvPr id="2" name="Title 1"/>
+          <p:cNvSpPr>
+            <a:spLocks noGrp="1"/>
+          </p:cNvSpPr>
+          <p:nvPr>
+            <p:ph type="title"/>
+          </p:nvPr>
+        </p:nvSpPr>
+        <p:spPr>
+          <a:xfrm>
+            <a:off x="913806" y="4565255"/>
+            <a:ext cx="10355326" cy="543472"/>
+          </a:xfrm>
+        </p:spPr>
+        <p:txBody>
+          <a:bodyPr anchor="b">
+            <a:normAutofit/>
+          </a:bodyPr>
+          <a:lstStyle>
+            <a:lvl1pPr algn="ctr">
+              <a:defRPr sz="2800"/>
+            </a:lvl1pPr>
+          </a:lstStyle>
+          <a:p>
+            <a:r>
+              <a:rPr lang="en-US"/>
+              <a:t>Click to edit Master title style</a:t>
+            </a:r>
+            <a:endParaRPr lang="en-US" dirty="0"/>
+          </a:p>
+        </p:txBody>
+      </p:sp>
+      <p:sp>
+        <p:nvSpPr>
+          <p:cNvPr id="3" name="Picture Placeholder 2"/>
+          <p:cNvSpPr>
+            <a:spLocks noGrp="1" noChangeAspect="1"/>
+          </p:cNvSpPr>
+          <p:nvPr>
+            <p:ph type="pic" idx="1"/>
+          </p:nvPr>
+        </p:nvSpPr>
+        <p:spPr>
+          <a:xfrm>
+            <a:off x="1169349" y="695009"/>
+            <a:ext cx="9845346" cy="3525671"/>
+          </a:xfrm>
+          <a:effectLst>
+            <a:outerShdw blurRad="38100" dist="25400" dir="4440000">
+              <a:srgbClr val="000000">
+                <a:alpha val="36000"/>
+              </a:srgbClr>
+            </a:outerShdw>
+          </a:effectLst>
+        </p:spPr>
+        <p:txBody>
+          <a:bodyPr anchor="t">
+            <a:normAutofit/>
+          </a:bodyPr>
+          <a:lstStyle>
+            <a:lvl1pPr marL="0" indent="0" algn="ctr">
+              <a:buNone/>
+              <a:defRPr sz="2000"/>
+            </a:lvl1pPr>
+            <a:lvl2pPr marL="457200" indent="0">
+              <a:buNone/>
+              <a:defRPr sz="2000"/>
+            </a:lvl2pPr>
+            <a:lvl3pPr marL="914400" indent="0">
+              <a:buNone/>
+              <a:defRPr sz="2000"/>
+            </a:lvl3pPr>
+            <a:lvl4pPr marL="1371600" indent="0">
+              <a:buNone/>
+              <a:defRPr sz="2000"/>
+            </a:lvl4pPr>
+            <a:lvl5pPr marL="1828800" indent="0">
+              <a:buNone/>
+              <a:defRPr sz="2000"/>
+            </a:lvl5pPr>
+            <a:lvl6pPr marL="2286000" indent="0">
+              <a:buNone/>
+              <a:defRPr sz="2000"/>
+            </a:lvl6pPr>
+            <a:lvl7pPr marL="2743200" indent="0">
+              <a:buNone/>
+              <a:defRPr sz="2000"/>
+            </a:lvl7pPr>
+            <a:lvl8pPr marL="3200400" indent="0">
+              <a:buNone/>
+              <a:defRPr sz="2000"/>
+            </a:lvl8pPr>
+            <a:lvl9pPr marL="3657600" indent="0">
+              <a:buNone/>
+              <a:defRPr sz="2000"/>
+            </a:lvl9pPr>
+          </a:lstStyle>
+          <a:p>
+            <a:r>
+              <a:rPr lang="en-US"/>
+              <a:t>Click icon to add picture</a:t>
+            </a:r>
+            <a:endParaRPr lang="en-US" dirty="0"/>
+          </a:p>
+        </p:txBody>
+      </p:sp>
+      <p:sp>
+        <p:nvSpPr>
+          <p:cNvPr id="4" name="Text Placeholder 3"/>
+          <p:cNvSpPr>
+            <a:spLocks noGrp="1"/>
+          </p:cNvSpPr>
+          <p:nvPr>
+            <p:ph type="body" sz="half" idx="2"/>
+          </p:nvPr>
+        </p:nvSpPr>
+        <p:spPr>
+          <a:xfrm>
+            <a:off x="913795" y="5108728"/>
+            <a:ext cx="10353762" cy="682472"/>
+          </a:xfrm>
+        </p:spPr>
+        <p:txBody>
+          <a:bodyPr anchor="t"/>
+          <a:lstStyle>
+            <a:lvl1pPr marL="0" indent="0" algn="ctr">
+              <a:buNone/>
+              <a:defRPr sz="1600"/>
+            </a:lvl1pPr>
+            <a:lvl2pPr marL="457200" indent="0">
+              <a:buNone/>
+              <a:defRPr sz="1400"/>
+            </a:lvl2pPr>
+            <a:lvl3pPr marL="914400" indent="0">
+              <a:buNone/>
+              <a:defRPr sz="1200"/>
+            </a:lvl3pPr>
+            <a:lvl4pPr marL="1371600" indent="0">
+              <a:buNone/>
+              <a:defRPr sz="1000"/>
+            </a:lvl4pPr>
+            <a:lvl5pPr marL="1828800" indent="0">
+              <a:buNone/>
+              <a:defRPr sz="1000"/>
+            </a:lvl5pPr>
+            <a:lvl6pPr marL="2286000" indent="0">
+              <a:buNone/>
+              <a:defRPr sz="1000"/>
+            </a:lvl6pPr>
+            <a:lvl7pPr marL="2743200" indent="0">
+              <a:buNone/>
+              <a:defRPr sz="1000"/>
+            </a:lvl7pPr>
+            <a:lvl8pPr marL="3200400" indent="0">
+              <a:buNone/>
+              <a:defRPr sz="1000"/>
+            </a:lvl8pPr>
+            <a:lvl9pPr marL="3657600" indent="0">
+              <a:buNone/>
+              <a:defRPr sz="1000"/>
+            </a:lvl9pPr>
+          </a:lstStyle>
+          <a:p>
+            <a:pPr lvl="0"/>
+            <a:r>
+              <a:rPr lang="en-US"/>
+              <a:t>Edit Master text styles</a:t>
+            </a:r>
+          </a:p>
+        </p:txBody>
+      </p:sp>
+      <p:sp>
+        <p:nvSpPr>
+          <p:cNvPr id="5" name="Date Placeholder 4"/>
+          <p:cNvSpPr>
+            <a:spLocks noGrp="1"/>
+          </p:cNvSpPr>
+          <p:nvPr>
+            <p:ph type="dt" sz="half" idx="10"/>
+          </p:nvPr>
+        </p:nvSpPr>
+        <p:spPr/>
+        <p:txBody>
+          <a:bodyPr/>
+          <a:lstStyle/>
+          <a:p>
+            <a:fld id="{B61BEF0D-F0BB-DE4B-95CE-6DB70DBA9567}" type="datetimeFigureOut">
+              <a:rPr lang="en-US" smtClean="0"/>
+              <a:pPr/>
+              <a:t>11/8/2023</a:t>
+            </a:fld>
+            <a:endParaRPr lang="en-US" dirty="0"/>
+          </a:p>
+        </p:txBody>
+      </p:sp>
+      <p:sp>
+        <p:nvSpPr>
+          <p:cNvPr id="6" name="Footer Placeholder 5"/>
+          <p:cNvSpPr>
+            <a:spLocks noGrp="1"/>
+          </p:cNvSpPr>
+          <p:nvPr>
+            <p:ph type="ftr" sz="quarter" idx="11"/>
+          </p:nvPr>
+        </p:nvSpPr>
+        <p:spPr/>
+        <p:txBody>
+          <a:bodyPr/>
+          <a:lstStyle/>
+          <a:p>
+            <a:endParaRPr lang="en-US" dirty="0"/>
+          </a:p>
+        </p:txBody>
+      </p:sp>
+      <p:sp>
+        <p:nvSpPr>
+          <p:cNvPr id="7" name="Slide Number Placeholder 6"/>
+          <p:cNvSpPr>
+            <a:spLocks noGrp="1"/>
+          </p:cNvSpPr>
+          <p:nvPr>
+            <p:ph type="sldNum" sz="quarter" idx="12"/>
+          </p:nvPr>
+        </p:nvSpPr>
+        <p:spPr/>
+        <p:txBody>
+          <a:bodyPr/>
+          <a:lstStyle/>
+          <a:p>
+            <a:fld id="{D57F1E4F-1CFF-5643-939E-217C01CDF565}" type="slidenum">
+              <a:rPr lang="en-US" smtClean="0"/>
+              <a:pPr/>
+              <a:t>‹#›</a:t>
+            </a:fld>
+            <a:endParaRPr lang="en-US" dirty="0"/>
+          </a:p>
+        </p:txBody>
+      </p:sp>
+    </p:spTree>
+    <p:extLst>
+      <p:ext uri="{BB962C8B-B14F-4D97-AF65-F5344CB8AC3E}">
+        <p14:creationId xmlns:p14="http://schemas.microsoft.com/office/powerpoint/2010/main" val="2905439183"/>
+      </p:ext>
+    </p:extLst>
+  </p:cSld>
+  <p:clrMapOvr>
+    <a:masterClrMapping/>
+  </p:clrMapOvr>
+</p:sldLayout>
+</file>
+
+<file path=ppt/slideLayouts/slideLayout11.xml><?xml version="1.0" encoding="utf-8"?>
+<p:sldLayout xmlns:a="http://schemas.openxmlformats.org/drawingml/2006/main" xmlns:r="http://schemas.openxmlformats.org/officeDocument/2006/relationships" xmlns:p="http://schemas.openxmlformats.org/presentationml/2006/main" preserve="1">
+  <p:cSld name="Title and Caption">
+    <p:spTree>
+      <p:nvGrpSpPr>
+        <p:cNvPr id="1" name=""/>
+        <p:cNvGrpSpPr/>
+        <p:nvPr/>
+      </p:nvGrpSpPr>
+      <p:grpSpPr>
+        <a:xfrm>
+          <a:off x="0" y="0"/>
+          <a:ext cx="0" cy="0"/>
+          <a:chOff x="0" y="0"/>
+          <a:chExt cx="0" cy="0"/>
+        </a:xfrm>
+      </p:grpSpPr>
+      <p:sp>
+        <p:nvSpPr>
+          <p:cNvPr id="2" name="Title 1"/>
+          <p:cNvSpPr>
+            <a:spLocks noGrp="1"/>
+          </p:cNvSpPr>
+          <p:nvPr>
+            <p:ph type="title"/>
+          </p:nvPr>
+        </p:nvSpPr>
+        <p:spPr>
+          <a:xfrm>
+            <a:off x="913795" y="608437"/>
+            <a:ext cx="10353762" cy="3534344"/>
+          </a:xfrm>
+        </p:spPr>
+        <p:txBody>
+          <a:bodyPr anchor="ctr"/>
+          <a:lstStyle>
+            <a:lvl1pPr>
+              <a:defRPr sz="3200"/>
+            </a:lvl1pPr>
+          </a:lstStyle>
+          <a:p>
+            <a:r>
+              <a:rPr lang="en-US"/>
+              <a:t>Click to edit Master title style</a:t>
+            </a:r>
+            <a:endParaRPr lang="en-US" dirty="0"/>
+          </a:p>
+        </p:txBody>
+      </p:sp>
+      <p:sp>
+        <p:nvSpPr>
+          <p:cNvPr id="4" name="Text Placeholder 3"/>
+          <p:cNvSpPr>
+            <a:spLocks noGrp="1"/>
+          </p:cNvSpPr>
+          <p:nvPr>
+            <p:ph type="body" sz="half" idx="2"/>
+          </p:nvPr>
+        </p:nvSpPr>
+        <p:spPr>
+          <a:xfrm>
+            <a:off x="913794" y="4295180"/>
+            <a:ext cx="10353763" cy="1501826"/>
+          </a:xfrm>
+        </p:spPr>
+        <p:txBody>
+          <a:bodyPr anchor="ctr"/>
+          <a:lstStyle>
+            <a:lvl1pPr marL="0" indent="0" algn="ctr">
+              <a:buNone/>
+              <a:defRPr sz="1600"/>
+            </a:lvl1pPr>
+            <a:lvl2pPr marL="457200" indent="0">
+              <a:buNone/>
+              <a:defRPr sz="1400"/>
+            </a:lvl2pPr>
+            <a:lvl3pPr marL="914400" indent="0">
+              <a:buNone/>
+              <a:defRPr sz="1200"/>
+            </a:lvl3pPr>
+            <a:lvl4pPr marL="1371600" indent="0">
+              <a:buNone/>
+              <a:defRPr sz="1000"/>
+            </a:lvl4pPr>
+            <a:lvl5pPr marL="1828800" indent="0">
+              <a:buNone/>
+              <a:defRPr sz="1000"/>
+            </a:lvl5pPr>
+            <a:lvl6pPr marL="2286000" indent="0">
+              <a:buNone/>
+              <a:defRPr sz="1000"/>
+            </a:lvl6pPr>
+            <a:lvl7pPr marL="2743200" indent="0">
+              <a:buNone/>
+              <a:defRPr sz="1000"/>
+            </a:lvl7pPr>
+            <a:lvl8pPr marL="3200400" indent="0">
+              <a:buNone/>
+              <a:defRPr sz="1000"/>
+            </a:lvl8pPr>
+            <a:lvl9pPr marL="3657600" indent="0">
+              <a:buNone/>
+              <a:defRPr sz="1000"/>
+            </a:lvl9pPr>
+          </a:lstStyle>
+          <a:p>
+            <a:pPr lvl="0"/>
+            <a:r>
+              <a:rPr lang="en-US"/>
+              <a:t>Edit Master text styles</a:t>
+            </a:r>
+          </a:p>
+        </p:txBody>
+      </p:sp>
+      <p:sp>
+        <p:nvSpPr>
+          <p:cNvPr id="5" name="Date Placeholder 4"/>
+          <p:cNvSpPr>
+            <a:spLocks noGrp="1"/>
+          </p:cNvSpPr>
+          <p:nvPr>
+            <p:ph type="dt" sz="half" idx="10"/>
+          </p:nvPr>
+        </p:nvSpPr>
+        <p:spPr/>
+        <p:txBody>
+          <a:bodyPr/>
+          <a:lstStyle/>
+          <a:p>
+            <a:fld id="{B61BEF0D-F0BB-DE4B-95CE-6DB70DBA9567}" type="datetimeFigureOut">
+              <a:rPr lang="en-US" smtClean="0"/>
+              <a:pPr/>
+              <a:t>11/8/2023</a:t>
+            </a:fld>
+            <a:endParaRPr lang="en-US" dirty="0"/>
+          </a:p>
+        </p:txBody>
+      </p:sp>
+      <p:sp>
+        <p:nvSpPr>
+          <p:cNvPr id="6" name="Footer Placeholder 5"/>
+          <p:cNvSpPr>
+            <a:spLocks noGrp="1"/>
+          </p:cNvSpPr>
+          <p:nvPr>
+            <p:ph type="ftr" sz="quarter" idx="11"/>
+          </p:nvPr>
+        </p:nvSpPr>
+        <p:spPr/>
+        <p:txBody>
+          <a:bodyPr/>
+          <a:lstStyle/>
+          <a:p>
+            <a:endParaRPr lang="en-US" dirty="0"/>
+          </a:p>
+        </p:txBody>
+      </p:sp>
+      <p:sp>
+        <p:nvSpPr>
+          <p:cNvPr id="7" name="Slide Number Placeholder 6"/>
+          <p:cNvSpPr>
+            <a:spLocks noGrp="1"/>
+          </p:cNvSpPr>
+          <p:nvPr>
+            <p:ph type="sldNum" sz="quarter" idx="12"/>
+          </p:nvPr>
+        </p:nvSpPr>
+        <p:spPr/>
+        <p:txBody>
+          <a:bodyPr/>
+          <a:lstStyle/>
+          <a:p>
+            <a:fld id="{D57F1E4F-1CFF-5643-939E-217C01CDF565}" type="slidenum">
+              <a:rPr lang="en-US" smtClean="0"/>
+              <a:pPr/>
+              <a:t>‹#›</a:t>
+            </a:fld>
+            <a:endParaRPr lang="en-US" dirty="0"/>
+          </a:p>
+        </p:txBody>
+      </p:sp>
+    </p:spTree>
+    <p:extLst>
+      <p:ext uri="{BB962C8B-B14F-4D97-AF65-F5344CB8AC3E}">
+        <p14:creationId xmlns:p14="http://schemas.microsoft.com/office/powerpoint/2010/main" val="419599885"/>
+      </p:ext>
+    </p:extLst>
+  </p:cSld>
+  <p:clrMapOvr>
+    <a:masterClrMapping/>
+  </p:clrMapOvr>
+</p:sldLayout>
+</file>
+
+<file path=ppt/slideLayouts/slideLayout12.xml><?xml version="1.0" encoding="utf-8"?>
+<p:sldLayout xmlns:a="http://schemas.openxmlformats.org/drawingml/2006/main" xmlns:r="http://schemas.openxmlformats.org/officeDocument/2006/relationships" xmlns:p="http://schemas.openxmlformats.org/presentationml/2006/main" preserve="1">
+  <p:cSld name="Quote with Caption">
+    <p:spTree>
+      <p:nvGrpSpPr>
+        <p:cNvPr id="1" name=""/>
+        <p:cNvGrpSpPr/>
+        <p:nvPr/>
+      </p:nvGrpSpPr>
+      <p:grpSpPr>
+        <a:xfrm>
+          <a:off x="0" y="0"/>
+          <a:ext cx="0" cy="0"/>
+          <a:chOff x="0" y="0"/>
+          <a:chExt cx="0" cy="0"/>
+        </a:xfrm>
+      </p:grpSpPr>
+      <p:sp>
+        <p:nvSpPr>
+          <p:cNvPr id="2" name="Title 1"/>
+          <p:cNvSpPr>
+            <a:spLocks noGrp="1"/>
+          </p:cNvSpPr>
+          <p:nvPr>
+            <p:ph type="title"/>
+          </p:nvPr>
+        </p:nvSpPr>
+        <p:spPr>
+          <a:xfrm>
+            <a:off x="1446212" y="609600"/>
+            <a:ext cx="9302752" cy="2992904"/>
+          </a:xfrm>
+        </p:spPr>
+        <p:txBody>
+          <a:bodyPr anchor="ctr"/>
+          <a:lstStyle>
+            <a:lvl1pPr>
+              <a:defRPr sz="3200"/>
+            </a:lvl1pPr>
+          </a:lstStyle>
+          <a:p>
+            <a:r>
+              <a:rPr lang="en-US"/>
+              <a:t>Click to edit Master title style</a:t>
+            </a:r>
+            <a:endParaRPr lang="en-US" dirty="0"/>
+          </a:p>
+        </p:txBody>
+      </p:sp>
+      <p:sp>
+        <p:nvSpPr>
+          <p:cNvPr id="12" name="Text Placeholder 3"/>
+          <p:cNvSpPr>
+            <a:spLocks noGrp="1"/>
+          </p:cNvSpPr>
+          <p:nvPr>
+            <p:ph type="body" sz="half" idx="13"/>
+          </p:nvPr>
+        </p:nvSpPr>
+        <p:spPr>
+          <a:xfrm>
+            <a:off x="1720644" y="3610032"/>
+            <a:ext cx="8752299" cy="532749"/>
+          </a:xfrm>
+        </p:spPr>
+        <p:txBody>
+          <a:bodyPr anchor="t">
+            <a:normAutofit/>
+          </a:bodyPr>
+          <a:lstStyle>
+            <a:lvl1pPr marL="0" indent="0" algn="r">
+              <a:buNone/>
+              <a:defRPr sz="1400"/>
+            </a:lvl1pPr>
+            <a:lvl2pPr marL="457200" indent="0">
+              <a:buNone/>
+              <a:defRPr sz="1400"/>
+            </a:lvl2pPr>
+            <a:lvl3pPr marL="914400" indent="0">
+              <a:buNone/>
+              <a:defRPr sz="1200"/>
+            </a:lvl3pPr>
+            <a:lvl4pPr marL="1371600" indent="0">
+              <a:buNone/>
+              <a:defRPr sz="1000"/>
+            </a:lvl4pPr>
+            <a:lvl5pPr marL="1828800" indent="0">
+              <a:buNone/>
+              <a:defRPr sz="1000"/>
+            </a:lvl5pPr>
+            <a:lvl6pPr marL="2286000" indent="0">
+              <a:buNone/>
+              <a:defRPr sz="1000"/>
+            </a:lvl6pPr>
+            <a:lvl7pPr marL="2743200" indent="0">
+              <a:buNone/>
+              <a:defRPr sz="1000"/>
+            </a:lvl7pPr>
+            <a:lvl8pPr marL="3200400" indent="0">
+              <a:buNone/>
+              <a:defRPr sz="1000"/>
+            </a:lvl8pPr>
+            <a:lvl9pPr marL="3657600" indent="0">
+              <a:buNone/>
+              <a:defRPr sz="1000"/>
+            </a:lvl9pPr>
+          </a:lstStyle>
+          <a:p>
+            <a:pPr lvl="0"/>
+            <a:r>
+              <a:rPr lang="en-US"/>
+              <a:t>Edit Master text styles</a:t>
+            </a:r>
+          </a:p>
+        </p:txBody>
+      </p:sp>
+      <p:sp>
+        <p:nvSpPr>
+          <p:cNvPr id="4" name="Text Placeholder 3"/>
+          <p:cNvSpPr>
+            <a:spLocks noGrp="1"/>
+          </p:cNvSpPr>
+          <p:nvPr>
+            <p:ph type="body" sz="half" idx="2"/>
+          </p:nvPr>
+        </p:nvSpPr>
+        <p:spPr>
+          <a:xfrm>
+            <a:off x="913794" y="4304353"/>
+            <a:ext cx="10353763" cy="1489496"/>
+          </a:xfrm>
+        </p:spPr>
+        <p:txBody>
+          <a:bodyPr anchor="ctr">
+            <a:normAutofit/>
+          </a:bodyPr>
+          <a:lstStyle>
+            <a:lvl1pPr marL="0" indent="0" algn="ctr">
+              <a:buNone/>
+              <a:defRPr sz="1600"/>
+            </a:lvl1pPr>
+            <a:lvl2pPr marL="457200" indent="0">
+              <a:buNone/>
+              <a:defRPr sz="1400"/>
+            </a:lvl2pPr>
+            <a:lvl3pPr marL="914400" indent="0">
+              <a:buNone/>
+              <a:defRPr sz="1200"/>
+            </a:lvl3pPr>
+            <a:lvl4pPr marL="1371600" indent="0">
+              <a:buNone/>
+              <a:defRPr sz="1000"/>
+            </a:lvl4pPr>
+            <a:lvl5pPr marL="1828800" indent="0">
+              <a:buNone/>
+              <a:defRPr sz="1000"/>
+            </a:lvl5pPr>
+            <a:lvl6pPr marL="2286000" indent="0">
+              <a:buNone/>
+              <a:defRPr sz="1000"/>
+            </a:lvl6pPr>
+            <a:lvl7pPr marL="2743200" indent="0">
+              <a:buNone/>
+              <a:defRPr sz="1000"/>
+            </a:lvl7pPr>
+            <a:lvl8pPr marL="3200400" indent="0">
+              <a:buNone/>
+              <a:defRPr sz="1000"/>
+            </a:lvl8pPr>
+            <a:lvl9pPr marL="3657600" indent="0">
+              <a:buNone/>
+              <a:defRPr sz="1000"/>
+            </a:lvl9pPr>
+          </a:lstStyle>
+          <a:p>
+            <a:pPr lvl="0"/>
+            <a:r>
+              <a:rPr lang="en-US"/>
+              <a:t>Edit Master text styles</a:t>
+            </a:r>
+          </a:p>
+        </p:txBody>
+      </p:sp>
+      <p:sp>
+        <p:nvSpPr>
+          <p:cNvPr id="5" name="Date Placeholder 4"/>
+          <p:cNvSpPr>
+            <a:spLocks noGrp="1"/>
+          </p:cNvSpPr>
+          <p:nvPr>
+            <p:ph type="dt" sz="half" idx="10"/>
+          </p:nvPr>
+        </p:nvSpPr>
+        <p:spPr/>
+        <p:txBody>
+          <a:bodyPr/>
+          <a:lstStyle/>
+          <a:p>
+            <a:fld id="{B61BEF0D-F0BB-DE4B-95CE-6DB70DBA9567}" type="datetimeFigureOut">
+              <a:rPr lang="en-US" smtClean="0"/>
+              <a:pPr/>
+              <a:t>11/8/2023</a:t>
+            </a:fld>
+            <a:endParaRPr lang="en-US" dirty="0"/>
+          </a:p>
+        </p:txBody>
+      </p:sp>
+      <p:sp>
+        <p:nvSpPr>
+          <p:cNvPr id="6" name="Footer Placeholder 5"/>
+          <p:cNvSpPr>
+            <a:spLocks noGrp="1"/>
+          </p:cNvSpPr>
+          <p:nvPr>
+            <p:ph type="ftr" sz="quarter" idx="11"/>
+          </p:nvPr>
+        </p:nvSpPr>
+        <p:spPr/>
+        <p:txBody>
+          <a:bodyPr/>
+          <a:lstStyle/>
+          <a:p>
+            <a:endParaRPr lang="en-US" dirty="0"/>
+          </a:p>
+        </p:txBody>
+      </p:sp>
+      <p:sp>
+        <p:nvSpPr>
+          <p:cNvPr id="7" name="Slide Number Placeholder 6"/>
+          <p:cNvSpPr>
+            <a:spLocks noGrp="1"/>
+          </p:cNvSpPr>
+          <p:nvPr>
+            <p:ph type="sldNum" sz="quarter" idx="12"/>
+          </p:nvPr>
+        </p:nvSpPr>
+        <p:spPr/>
+        <p:txBody>
+          <a:bodyPr/>
+          <a:lstStyle/>
+          <a:p>
+            <a:fld id="{D57F1E4F-1CFF-5643-939E-217C01CDF565}" type="slidenum">
+              <a:rPr lang="en-US" smtClean="0"/>
+              <a:pPr/>
+              <a:t>‹#›</a:t>
+            </a:fld>
+            <a:endParaRPr lang="en-US" dirty="0"/>
+          </a:p>
+        </p:txBody>
+      </p:sp>
+      <p:sp>
+        <p:nvSpPr>
+          <p:cNvPr id="11" name="TextBox 10"/>
+          <p:cNvSpPr txBox="1"/>
+          <p:nvPr/>
+        </p:nvSpPr>
+        <p:spPr>
+          <a:xfrm>
+            <a:off x="990600" y="884796"/>
+            <a:ext cx="609600" cy="584776"/>
+          </a:xfrm>
+          <a:prstGeom prst="rect">
+            <a:avLst/>
+          </a:prstGeom>
+        </p:spPr>
+        <p:txBody>
+          <a:bodyPr vert="horz" lIns="91440" tIns="45720" rIns="91440" bIns="45720" rtlCol="0" anchor="ctr">
+            <a:noAutofit/>
+          </a:bodyPr>
+          <a:lstStyle>
+            <a:lvl1pPr>
+              <a:spcBef>
+                <a:spcPct val="0"/>
+              </a:spcBef>
+              <a:buNone/>
+              <a:defRPr sz="3200" b="0" cap="all">
+                <a:ln w="3175" cmpd="sng">
+                  <a:noFill/>
+                </a:ln>
+                <a:effectLst>
+                  <a:glow rad="38100">
+                    <a:schemeClr val="bg1">
+                      <a:lumMod val="65000"/>
+                      <a:lumOff val="35000"/>
+                      <a:alpha val="40000"/>
+                    </a:schemeClr>
+                  </a:glow>
+                  <a:outerShdw blurRad="28575" dist="38100" dir="14040000" algn="tl" rotWithShape="0">
+                    <a:srgbClr val="000000">
+                      <a:alpha val="25000"/>
+                    </a:srgbClr>
+                  </a:outerShdw>
+                </a:effectLst>
+              </a:defRPr>
+            </a:lvl1pPr>
+            <a:lvl2pPr>
+              <a:defRPr>
+                <a:solidFill>
+                  <a:schemeClr val="tx2"/>
+                </a:solidFill>
+              </a:defRPr>
+            </a:lvl2pPr>
+            <a:lvl3pPr>
+              <a:defRPr>
+                <a:solidFill>
+                  <a:schemeClr val="tx2"/>
+                </a:solidFill>
+              </a:defRPr>
+            </a:lvl3pPr>
+            <a:lvl4pPr>
+              <a:defRPr>
+                <a:solidFill>
+                  <a:schemeClr val="tx2"/>
+                </a:solidFill>
+              </a:defRPr>
+            </a:lvl4pPr>
+            <a:lvl5pPr>
+              <a:defRPr>
+                <a:solidFill>
+                  <a:schemeClr val="tx2"/>
+                </a:solidFill>
+              </a:defRPr>
+            </a:lvl5pPr>
+            <a:lvl6pPr>
+              <a:defRPr>
+                <a:solidFill>
+                  <a:schemeClr val="tx2"/>
+                </a:solidFill>
+              </a:defRPr>
+            </a:lvl6pPr>
+            <a:lvl7pPr>
+              <a:defRPr>
+                <a:solidFill>
+                  <a:schemeClr val="tx2"/>
+                </a:solidFill>
+              </a:defRPr>
+            </a:lvl7pPr>
+            <a:lvl8pPr>
+              <a:defRPr>
+                <a:solidFill>
+                  <a:schemeClr val="tx2"/>
+                </a:solidFill>
+              </a:defRPr>
+            </a:lvl8pPr>
+            <a:lvl9pPr>
+              <a:defRPr>
+                <a:solidFill>
+                  <a:schemeClr val="tx2"/>
+                </a:solidFill>
+              </a:defRPr>
+            </a:lvl9pPr>
+          </a:lstStyle>
+          <a:p>
+            <a:pPr lvl="0"/>
+            <a:r>
+              <a:rPr lang="en-US" sz="8000" dirty="0">
+                <a:solidFill>
+                  <a:schemeClr val="tx1"/>
+                </a:solidFill>
+                <a:effectLst/>
+              </a:rPr>
+              <a:t>“</a:t>
+            </a:r>
+          </a:p>
+        </p:txBody>
+      </p:sp>
+      <p:sp>
+        <p:nvSpPr>
+          <p:cNvPr id="13" name="TextBox 12"/>
+          <p:cNvSpPr txBox="1"/>
+          <p:nvPr/>
+        </p:nvSpPr>
+        <p:spPr>
+          <a:xfrm>
+            <a:off x="10504716" y="2928258"/>
+            <a:ext cx="609600" cy="584776"/>
+          </a:xfrm>
+          <a:prstGeom prst="rect">
+            <a:avLst/>
+          </a:prstGeom>
+        </p:spPr>
+        <p:txBody>
+          <a:bodyPr vert="horz" lIns="91440" tIns="45720" rIns="91440" bIns="45720" rtlCol="0" anchor="ctr">
+            <a:noAutofit/>
+          </a:bodyPr>
+          <a:lstStyle>
+            <a:lvl1pPr>
+              <a:spcBef>
+                <a:spcPct val="0"/>
+              </a:spcBef>
+              <a:buNone/>
+              <a:defRPr sz="3200" b="0" cap="all">
+                <a:ln w="3175" cmpd="sng">
+                  <a:noFill/>
+                </a:ln>
+                <a:effectLst>
+                  <a:glow rad="38100">
+                    <a:schemeClr val="bg1">
+                      <a:lumMod val="65000"/>
+                      <a:lumOff val="35000"/>
+                      <a:alpha val="40000"/>
+                    </a:schemeClr>
+                  </a:glow>
+                  <a:outerShdw blurRad="28575" dist="38100" dir="14040000" algn="tl" rotWithShape="0">
+                    <a:srgbClr val="000000">
+                      <a:alpha val="25000"/>
+                    </a:srgbClr>
+                  </a:outerShdw>
+                </a:effectLst>
+              </a:defRPr>
+            </a:lvl1pPr>
+            <a:lvl2pPr>
+              <a:defRPr>
+                <a:solidFill>
+                  <a:schemeClr val="tx2"/>
+                </a:solidFill>
+              </a:defRPr>
+            </a:lvl2pPr>
+            <a:lvl3pPr>
+              <a:defRPr>
+                <a:solidFill>
+                  <a:schemeClr val="tx2"/>
+                </a:solidFill>
+              </a:defRPr>
+            </a:lvl3pPr>
+            <a:lvl4pPr>
+              <a:defRPr>
+                <a:solidFill>
+                  <a:schemeClr val="tx2"/>
+                </a:solidFill>
+              </a:defRPr>
+            </a:lvl4pPr>
+            <a:lvl5pPr>
+              <a:defRPr>
+                <a:solidFill>
+                  <a:schemeClr val="tx2"/>
+                </a:solidFill>
+              </a:defRPr>
+            </a:lvl5pPr>
+            <a:lvl6pPr>
+              <a:defRPr>
+                <a:solidFill>
+                  <a:schemeClr val="tx2"/>
+                </a:solidFill>
+              </a:defRPr>
+            </a:lvl6pPr>
+            <a:lvl7pPr>
+              <a:defRPr>
+                <a:solidFill>
+                  <a:schemeClr val="tx2"/>
+                </a:solidFill>
+              </a:defRPr>
+            </a:lvl7pPr>
+            <a:lvl8pPr>
+              <a:defRPr>
+                <a:solidFill>
+                  <a:schemeClr val="tx2"/>
+                </a:solidFill>
+              </a:defRPr>
+            </a:lvl8pPr>
+            <a:lvl9pPr>
+              <a:defRPr>
+                <a:solidFill>
+                  <a:schemeClr val="tx2"/>
+                </a:solidFill>
+              </a:defRPr>
+            </a:lvl9pPr>
+          </a:lstStyle>
+          <a:p>
+            <a:pPr lvl="0" algn="r"/>
+            <a:r>
+              <a:rPr lang="en-US" sz="8000" dirty="0">
+                <a:solidFill>
+                  <a:schemeClr val="tx1"/>
+                </a:solidFill>
+                <a:effectLst/>
+              </a:rPr>
+              <a:t>”</a:t>
+            </a:r>
+          </a:p>
+        </p:txBody>
+      </p:sp>
+    </p:spTree>
+    <p:extLst>
+      <p:ext uri="{BB962C8B-B14F-4D97-AF65-F5344CB8AC3E}">
+        <p14:creationId xmlns:p14="http://schemas.microsoft.com/office/powerpoint/2010/main" val="489947795"/>
+      </p:ext>
+    </p:extLst>
+  </p:cSld>
+  <p:clrMapOvr>
+    <a:masterClrMapping/>
+  </p:clrMapOvr>
+</p:sldLayout>
+</file>
+
+<file path=ppt/slideLayouts/slideLayout13.xml><?xml version="1.0" encoding="utf-8"?>
+<p:sldLayout xmlns:a="http://schemas.openxmlformats.org/drawingml/2006/main" xmlns:r="http://schemas.openxmlformats.org/officeDocument/2006/relationships" xmlns:p="http://schemas.openxmlformats.org/presentationml/2006/main" preserve="1">
+  <p:cSld name="Name Card">
+    <p:spTree>
+      <p:nvGrpSpPr>
+        <p:cNvPr id="1" name=""/>
+        <p:cNvGrpSpPr/>
+        <p:nvPr/>
+      </p:nvGrpSpPr>
+      <p:grpSpPr>
+        <a:xfrm>
+          <a:off x="0" y="0"/>
+          <a:ext cx="0" cy="0"/>
+          <a:chOff x="0" y="0"/>
+          <a:chExt cx="0" cy="0"/>
+        </a:xfrm>
+      </p:grpSpPr>
+      <p:sp>
+        <p:nvSpPr>
+          <p:cNvPr id="2" name="Title 1"/>
+          <p:cNvSpPr>
+            <a:spLocks noGrp="1"/>
+          </p:cNvSpPr>
+          <p:nvPr>
+            <p:ph type="title"/>
+          </p:nvPr>
+        </p:nvSpPr>
+        <p:spPr>
+          <a:xfrm>
+            <a:off x="913794" y="2126942"/>
+            <a:ext cx="10353763" cy="2511835"/>
+          </a:xfrm>
+        </p:spPr>
+        <p:txBody>
+          <a:bodyPr anchor="b"/>
+          <a:lstStyle>
+            <a:lvl1pPr>
+              <a:defRPr sz="3200"/>
+            </a:lvl1pPr>
+          </a:lstStyle>
+          <a:p>
+            <a:r>
+              <a:rPr lang="en-US"/>
+              <a:t>Click to edit Master title style</a:t>
+            </a:r>
+            <a:endParaRPr lang="en-US" dirty="0"/>
+          </a:p>
+        </p:txBody>
+      </p:sp>
+      <p:sp>
+        <p:nvSpPr>
+          <p:cNvPr id="4" name="Text Placeholder 3"/>
+          <p:cNvSpPr>
+            <a:spLocks noGrp="1"/>
+          </p:cNvSpPr>
+          <p:nvPr>
+            <p:ph type="body" sz="half" idx="2"/>
+          </p:nvPr>
+        </p:nvSpPr>
+        <p:spPr>
+          <a:xfrm>
+            <a:off x="913784" y="4650556"/>
+            <a:ext cx="10352199" cy="1140644"/>
+          </a:xfrm>
+        </p:spPr>
+        <p:txBody>
+          <a:bodyPr anchor="t"/>
+          <a:lstStyle>
+            <a:lvl1pPr marL="0" indent="0" algn="ctr">
+              <a:buNone/>
+              <a:defRPr sz="1600"/>
+            </a:lvl1pPr>
+            <a:lvl2pPr marL="457200" indent="0">
+              <a:buNone/>
+              <a:defRPr sz="1400"/>
+            </a:lvl2pPr>
+            <a:lvl3pPr marL="914400" indent="0">
+              <a:buNone/>
+              <a:defRPr sz="1200"/>
+            </a:lvl3pPr>
+            <a:lvl4pPr marL="1371600" indent="0">
+              <a:buNone/>
+              <a:defRPr sz="1000"/>
+            </a:lvl4pPr>
+            <a:lvl5pPr marL="1828800" indent="0">
+              <a:buNone/>
+              <a:defRPr sz="1000"/>
+            </a:lvl5pPr>
+            <a:lvl6pPr marL="2286000" indent="0">
+              <a:buNone/>
+              <a:defRPr sz="1000"/>
+            </a:lvl6pPr>
+            <a:lvl7pPr marL="2743200" indent="0">
+              <a:buNone/>
+              <a:defRPr sz="1000"/>
+            </a:lvl7pPr>
+            <a:lvl8pPr marL="3200400" indent="0">
+              <a:buNone/>
+              <a:defRPr sz="1000"/>
+            </a:lvl8pPr>
+            <a:lvl9pPr marL="3657600" indent="0">
+              <a:buNone/>
+              <a:defRPr sz="1000"/>
+            </a:lvl9pPr>
+          </a:lstStyle>
+          <a:p>
+            <a:pPr lvl="0"/>
+            <a:r>
+              <a:rPr lang="en-US"/>
+              <a:t>Edit Master text styles</a:t>
+            </a:r>
+          </a:p>
+        </p:txBody>
+      </p:sp>
+      <p:sp>
+        <p:nvSpPr>
+          <p:cNvPr id="5" name="Date Placeholder 4"/>
+          <p:cNvSpPr>
+            <a:spLocks noGrp="1"/>
+          </p:cNvSpPr>
+          <p:nvPr>
+            <p:ph type="dt" sz="half" idx="10"/>
+          </p:nvPr>
+        </p:nvSpPr>
+        <p:spPr/>
+        <p:txBody>
+          <a:bodyPr/>
+          <a:lstStyle/>
+          <a:p>
+            <a:fld id="{B61BEF0D-F0BB-DE4B-95CE-6DB70DBA9567}" type="datetimeFigureOut">
+              <a:rPr lang="en-US" smtClean="0"/>
+              <a:pPr/>
+              <a:t>11/8/2023</a:t>
+            </a:fld>
+            <a:endParaRPr lang="en-US" dirty="0"/>
+          </a:p>
+        </p:txBody>
+      </p:sp>
+      <p:sp>
+        <p:nvSpPr>
+          <p:cNvPr id="6" name="Footer Placeholder 5"/>
+          <p:cNvSpPr>
+            <a:spLocks noGrp="1"/>
+          </p:cNvSpPr>
+          <p:nvPr>
+            <p:ph type="ftr" sz="quarter" idx="11"/>
+          </p:nvPr>
+        </p:nvSpPr>
+        <p:spPr/>
+        <p:txBody>
+          <a:bodyPr/>
+          <a:lstStyle/>
+          <a:p>
+            <a:endParaRPr lang="en-US" dirty="0"/>
+          </a:p>
+        </p:txBody>
+      </p:sp>
+      <p:sp>
+        <p:nvSpPr>
+          <p:cNvPr id="7" name="Slide Number Placeholder 6"/>
+          <p:cNvSpPr>
+            <a:spLocks noGrp="1"/>
+          </p:cNvSpPr>
+          <p:nvPr>
+            <p:ph type="sldNum" sz="quarter" idx="12"/>
+          </p:nvPr>
+        </p:nvSpPr>
+        <p:spPr/>
+        <p:txBody>
+          <a:bodyPr/>
+          <a:lstStyle/>
+          <a:p>
+            <a:fld id="{D57F1E4F-1CFF-5643-939E-217C01CDF565}" type="slidenum">
+              <a:rPr lang="en-US" smtClean="0"/>
+              <a:pPr/>
+              <a:t>‹#›</a:t>
+            </a:fld>
+            <a:endParaRPr lang="en-US" dirty="0"/>
+          </a:p>
+        </p:txBody>
+      </p:sp>
+    </p:spTree>
+    <p:extLst>
+      <p:ext uri="{BB962C8B-B14F-4D97-AF65-F5344CB8AC3E}">
+        <p14:creationId xmlns:p14="http://schemas.microsoft.com/office/powerpoint/2010/main" val="1048192379"/>
+      </p:ext>
+    </p:extLst>
+  </p:cSld>
+  <p:clrMapOvr>
+    <a:masterClrMapping/>
+  </p:clrMapOvr>
+</p:sldLayout>
+</file>
+
+<file path=ppt/slideLayouts/slideLayout14.xml><?xml version="1.0" encoding="utf-8"?>
+<p:sldLayout xmlns:a="http://schemas.openxmlformats.org/drawingml/2006/main" xmlns:r="http://schemas.openxmlformats.org/officeDocument/2006/relationships" xmlns:p="http://schemas.openxmlformats.org/presentationml/2006/main" preserve="1">
+  <p:cSld name="3 Column">
+    <p:spTree>
+      <p:nvGrpSpPr>
+        <p:cNvPr id="1" name=""/>
+        <p:cNvGrpSpPr/>
+        <p:nvPr/>
+      </p:nvGrpSpPr>
+      <p:grpSpPr>
+        <a:xfrm>
+          <a:off x="0" y="0"/>
+          <a:ext cx="0" cy="0"/>
+          <a:chOff x="0" y="0"/>
+          <a:chExt cx="0" cy="0"/>
+        </a:xfrm>
+      </p:grpSpPr>
+      <p:sp>
+        <p:nvSpPr>
+          <p:cNvPr id="15" name="Title 1"/>
+          <p:cNvSpPr>
+            <a:spLocks noGrp="1"/>
+          </p:cNvSpPr>
+          <p:nvPr>
+            <p:ph type="title"/>
+          </p:nvPr>
+        </p:nvSpPr>
+        <p:spPr>
+          <a:xfrm>
+            <a:off x="913795" y="609600"/>
+            <a:ext cx="10353762" cy="970450"/>
+          </a:xfrm>
+        </p:spPr>
+        <p:txBody>
+          <a:bodyPr/>
+          <a:lstStyle/>
+          <a:p>
+            <a:r>
+              <a:rPr lang="en-US"/>
+              <a:t>Click to edit Master title style</a:t>
+            </a:r>
+            <a:endParaRPr lang="en-US" dirty="0"/>
+          </a:p>
+        </p:txBody>
+      </p:sp>
+      <p:sp>
+        <p:nvSpPr>
+          <p:cNvPr id="7" name="Text Placeholder 2"/>
+          <p:cNvSpPr>
+            <a:spLocks noGrp="1"/>
+          </p:cNvSpPr>
+          <p:nvPr>
+            <p:ph type="body" idx="1"/>
+          </p:nvPr>
+        </p:nvSpPr>
+        <p:spPr>
+          <a:xfrm>
+            <a:off x="913795" y="1885950"/>
+            <a:ext cx="3300984" cy="576262"/>
+          </a:xfrm>
+        </p:spPr>
+        <p:txBody>
+          <a:bodyPr anchor="b">
+            <a:noAutofit/>
+          </a:bodyPr>
+          <a:lstStyle>
+            <a:lvl1pPr marL="0" indent="0" algn="ctr">
+              <a:buNone/>
+              <a:defRPr sz="2400" b="0">
+                <a:solidFill>
+                  <a:schemeClr val="tx1"/>
+                </a:solidFill>
+              </a:defRPr>
+            </a:lvl1pPr>
+            <a:lvl2pPr marL="457200" indent="0">
+              <a:buNone/>
+              <a:defRPr sz="2000" b="1"/>
+            </a:lvl2pPr>
+            <a:lvl3pPr marL="914400" indent="0">
+              <a:buNone/>
+              <a:defRPr sz="1800" b="1"/>
+            </a:lvl3pPr>
+            <a:lvl4pPr marL="1371600" indent="0">
+              <a:buNone/>
+              <a:defRPr sz="1600" b="1"/>
+            </a:lvl4pPr>
+            <a:lvl5pPr marL="1828800" indent="0">
+              <a:buNone/>
+              <a:defRPr sz="1600" b="1"/>
+            </a:lvl5pPr>
+            <a:lvl6pPr marL="2286000" indent="0">
+              <a:buNone/>
+              <a:defRPr sz="1600" b="1"/>
+            </a:lvl6pPr>
+            <a:lvl7pPr marL="2743200" indent="0">
+              <a:buNone/>
+              <a:defRPr sz="1600" b="1"/>
+            </a:lvl7pPr>
+            <a:lvl8pPr marL="3200400" indent="0">
+              <a:buNone/>
+              <a:defRPr sz="1600" b="1"/>
+            </a:lvl8pPr>
+            <a:lvl9pPr marL="3657600" indent="0">
+              <a:buNone/>
+              <a:defRPr sz="1600" b="1"/>
+            </a:lvl9pPr>
+          </a:lstStyle>
+          <a:p>
+            <a:pPr lvl="0"/>
+            <a:r>
+              <a:rPr lang="en-US"/>
+              <a:t>Edit Master text styles</a:t>
+            </a:r>
+          </a:p>
+        </p:txBody>
+      </p:sp>
+      <p:sp>
+        <p:nvSpPr>
+          <p:cNvPr id="8" name="Text Placeholder 3"/>
+          <p:cNvSpPr>
+            <a:spLocks noGrp="1"/>
+          </p:cNvSpPr>
+          <p:nvPr>
+            <p:ph type="body" sz="half" idx="15"/>
+          </p:nvPr>
+        </p:nvSpPr>
+        <p:spPr>
+          <a:xfrm>
+            <a:off x="913795" y="2571750"/>
+            <a:ext cx="3300984" cy="3219450"/>
+          </a:xfrm>
+        </p:spPr>
+        <p:txBody>
+          <a:bodyPr anchor="t">
+            <a:normAutofit/>
+          </a:bodyPr>
+          <a:lstStyle>
+            <a:lvl1pPr marL="0" indent="0" algn="ctr">
+              <a:buNone/>
+              <a:defRPr sz="1400"/>
+            </a:lvl1pPr>
+            <a:lvl2pPr marL="457200" indent="0">
+              <a:buNone/>
+              <a:defRPr sz="1200"/>
+            </a:lvl2pPr>
+            <a:lvl3pPr marL="914400" indent="0">
+              <a:buNone/>
+              <a:defRPr sz="1000"/>
+            </a:lvl3pPr>
+            <a:lvl4pPr marL="1371600" indent="0">
+              <a:buNone/>
+              <a:defRPr sz="900"/>
+            </a:lvl4pPr>
+            <a:lvl5pPr marL="1828800" indent="0">
+              <a:buNone/>
+              <a:defRPr sz="900"/>
+            </a:lvl5pPr>
+            <a:lvl6pPr marL="2286000" indent="0">
+              <a:buNone/>
+              <a:defRPr sz="900"/>
+            </a:lvl6pPr>
+            <a:lvl7pPr marL="2743200" indent="0">
+              <a:buNone/>
+              <a:defRPr sz="900"/>
+            </a:lvl7pPr>
+            <a:lvl8pPr marL="3200400" indent="0">
+              <a:buNone/>
+              <a:defRPr sz="900"/>
+            </a:lvl8pPr>
+            <a:lvl9pPr marL="3657600" indent="0">
+              <a:buNone/>
+              <a:defRPr sz="900"/>
+            </a:lvl9pPr>
+          </a:lstStyle>
+          <a:p>
+            <a:pPr lvl="0"/>
+            <a:r>
+              <a:rPr lang="en-US"/>
+              <a:t>Edit Master text styles</a:t>
+            </a:r>
+          </a:p>
+        </p:txBody>
+      </p:sp>
+      <p:sp>
+        <p:nvSpPr>
+          <p:cNvPr id="9" name="Text Placeholder 4"/>
+          <p:cNvSpPr>
+            <a:spLocks noGrp="1"/>
+          </p:cNvSpPr>
+          <p:nvPr>
+            <p:ph type="body" sz="quarter" idx="3"/>
+          </p:nvPr>
+        </p:nvSpPr>
+        <p:spPr>
+          <a:xfrm>
+            <a:off x="4446711" y="1885950"/>
+            <a:ext cx="3300984" cy="576262"/>
+          </a:xfrm>
+        </p:spPr>
+        <p:txBody>
+          <a:bodyPr anchor="b">
+            <a:noAutofit/>
+          </a:bodyPr>
+          <a:lstStyle>
+            <a:lvl1pPr marL="0" indent="0" algn="ctr">
+              <a:buNone/>
+              <a:defRPr sz="2400" b="0">
+                <a:solidFill>
+                  <a:schemeClr val="tx1"/>
+                </a:solidFill>
+              </a:defRPr>
+            </a:lvl1pPr>
+            <a:lvl2pPr marL="457200" indent="0">
+              <a:buNone/>
+              <a:defRPr sz="2000" b="1"/>
+            </a:lvl2pPr>
+            <a:lvl3pPr marL="914400" indent="0">
+              <a:buNone/>
+              <a:defRPr sz="1800" b="1"/>
+            </a:lvl3pPr>
+            <a:lvl4pPr marL="1371600" indent="0">
+              <a:buNone/>
+              <a:defRPr sz="1600" b="1"/>
+            </a:lvl4pPr>
+            <a:lvl5pPr marL="1828800" indent="0">
+              <a:buNone/>
+              <a:defRPr sz="1600" b="1"/>
+            </a:lvl5pPr>
+            <a:lvl6pPr marL="2286000" indent="0">
+              <a:buNone/>
+              <a:defRPr sz="1600" b="1"/>
+            </a:lvl6pPr>
+            <a:lvl7pPr marL="2743200" indent="0">
+              <a:buNone/>
+              <a:defRPr sz="1600" b="1"/>
+            </a:lvl7pPr>
+            <a:lvl8pPr marL="3200400" indent="0">
+              <a:buNone/>
+              <a:defRPr sz="1600" b="1"/>
+            </a:lvl8pPr>
+            <a:lvl9pPr marL="3657600" indent="0">
+              <a:buNone/>
+              <a:defRPr sz="1600" b="1"/>
+            </a:lvl9pPr>
+          </a:lstStyle>
+          <a:p>
+            <a:pPr lvl="0"/>
+            <a:r>
+              <a:rPr lang="en-US"/>
+              <a:t>Edit Master text styles</a:t>
+            </a:r>
+          </a:p>
+        </p:txBody>
+      </p:sp>
+      <p:sp>
+        <p:nvSpPr>
+          <p:cNvPr id="10" name="Text Placeholder 3"/>
+          <p:cNvSpPr>
+            <a:spLocks noGrp="1"/>
+          </p:cNvSpPr>
+          <p:nvPr>
+            <p:ph type="body" sz="half" idx="16"/>
+          </p:nvPr>
+        </p:nvSpPr>
+        <p:spPr>
+          <a:xfrm>
+            <a:off x="4441435" y="2571750"/>
+            <a:ext cx="3300984" cy="3219450"/>
+          </a:xfrm>
+        </p:spPr>
+        <p:txBody>
+          <a:bodyPr anchor="t">
+            <a:normAutofit/>
+          </a:bodyPr>
+          <a:lstStyle>
+            <a:lvl1pPr marL="0" indent="0" algn="ctr">
+              <a:buNone/>
+              <a:defRPr sz="1400"/>
+            </a:lvl1pPr>
+            <a:lvl2pPr marL="457200" indent="0">
+              <a:buNone/>
+              <a:defRPr sz="1200"/>
+            </a:lvl2pPr>
+            <a:lvl3pPr marL="914400" indent="0">
+              <a:buNone/>
+              <a:defRPr sz="1000"/>
+            </a:lvl3pPr>
+            <a:lvl4pPr marL="1371600" indent="0">
+              <a:buNone/>
+              <a:defRPr sz="900"/>
+            </a:lvl4pPr>
+            <a:lvl5pPr marL="1828800" indent="0">
+              <a:buNone/>
+              <a:defRPr sz="900"/>
+            </a:lvl5pPr>
+            <a:lvl6pPr marL="2286000" indent="0">
+              <a:buNone/>
+              <a:defRPr sz="900"/>
+            </a:lvl6pPr>
+            <a:lvl7pPr marL="2743200" indent="0">
+              <a:buNone/>
+              <a:defRPr sz="900"/>
+            </a:lvl7pPr>
+            <a:lvl8pPr marL="3200400" indent="0">
+              <a:buNone/>
+              <a:defRPr sz="900"/>
+            </a:lvl8pPr>
+            <a:lvl9pPr marL="3657600" indent="0">
+              <a:buNone/>
+              <a:defRPr sz="900"/>
+            </a:lvl9pPr>
+          </a:lstStyle>
+          <a:p>
+            <a:pPr lvl="0"/>
+            <a:r>
+              <a:rPr lang="en-US"/>
+              <a:t>Edit Master text styles</a:t>
+            </a:r>
+          </a:p>
+        </p:txBody>
+      </p:sp>
+      <p:sp>
+        <p:nvSpPr>
+          <p:cNvPr id="11" name="Text Placeholder 4"/>
+          <p:cNvSpPr>
+            <a:spLocks noGrp="1"/>
+          </p:cNvSpPr>
+          <p:nvPr>
+            <p:ph type="body" sz="quarter" idx="13"/>
+          </p:nvPr>
+        </p:nvSpPr>
+        <p:spPr>
+          <a:xfrm>
+            <a:off x="7966572" y="1885950"/>
+            <a:ext cx="3300984" cy="576262"/>
+          </a:xfrm>
+        </p:spPr>
+        <p:txBody>
+          <a:bodyPr anchor="b">
+            <a:noAutofit/>
+          </a:bodyPr>
+          <a:lstStyle>
+            <a:lvl1pPr marL="0" indent="0" algn="ctr">
+              <a:buNone/>
+              <a:defRPr sz="2400" b="0">
+                <a:solidFill>
+                  <a:schemeClr val="tx1"/>
+                </a:solidFill>
+              </a:defRPr>
+            </a:lvl1pPr>
+            <a:lvl2pPr marL="457200" indent="0">
+              <a:buNone/>
+              <a:defRPr sz="2000" b="1"/>
+            </a:lvl2pPr>
+            <a:lvl3pPr marL="914400" indent="0">
+              <a:buNone/>
+              <a:defRPr sz="1800" b="1"/>
+            </a:lvl3pPr>
+            <a:lvl4pPr marL="1371600" indent="0">
+              <a:buNone/>
+              <a:defRPr sz="1600" b="1"/>
+            </a:lvl4pPr>
+            <a:lvl5pPr marL="1828800" indent="0">
+              <a:buNone/>
+              <a:defRPr sz="1600" b="1"/>
+            </a:lvl5pPr>
+            <a:lvl6pPr marL="2286000" indent="0">
+              <a:buNone/>
+              <a:defRPr sz="1600" b="1"/>
+            </a:lvl6pPr>
+            <a:lvl7pPr marL="2743200" indent="0">
+              <a:buNone/>
+              <a:defRPr sz="1600" b="1"/>
+            </a:lvl7pPr>
+            <a:lvl8pPr marL="3200400" indent="0">
+              <a:buNone/>
+              <a:defRPr sz="1600" b="1"/>
+            </a:lvl8pPr>
+            <a:lvl9pPr marL="3657600" indent="0">
+              <a:buNone/>
+              <a:defRPr sz="1600" b="1"/>
+            </a:lvl9pPr>
+          </a:lstStyle>
+          <a:p>
+            <a:pPr lvl="0"/>
+            <a:r>
+              <a:rPr lang="en-US"/>
+              <a:t>Edit Master text styles</a:t>
+            </a:r>
+          </a:p>
+        </p:txBody>
+      </p:sp>
+      <p:sp>
+        <p:nvSpPr>
+          <p:cNvPr id="12" name="Text Placeholder 3"/>
+          <p:cNvSpPr>
+            <a:spLocks noGrp="1"/>
+          </p:cNvSpPr>
+          <p:nvPr>
+            <p:ph type="body" sz="half" idx="17"/>
+          </p:nvPr>
+        </p:nvSpPr>
+        <p:spPr>
+          <a:xfrm>
+            <a:off x="7966572" y="2571750"/>
+            <a:ext cx="3300984" cy="3219450"/>
+          </a:xfrm>
+        </p:spPr>
+        <p:txBody>
+          <a:bodyPr anchor="t">
+            <a:normAutofit/>
+          </a:bodyPr>
+          <a:lstStyle>
+            <a:lvl1pPr marL="0" indent="0" algn="ctr">
+              <a:buNone/>
+              <a:defRPr sz="1400"/>
+            </a:lvl1pPr>
+            <a:lvl2pPr marL="457200" indent="0">
+              <a:buNone/>
+              <a:defRPr sz="1200"/>
+            </a:lvl2pPr>
+            <a:lvl3pPr marL="914400" indent="0">
+              <a:buNone/>
+              <a:defRPr sz="1000"/>
+            </a:lvl3pPr>
+            <a:lvl4pPr marL="1371600" indent="0">
+              <a:buNone/>
+              <a:defRPr sz="900"/>
+            </a:lvl4pPr>
+            <a:lvl5pPr marL="1828800" indent="0">
+              <a:buNone/>
+              <a:defRPr sz="900"/>
+            </a:lvl5pPr>
+            <a:lvl6pPr marL="2286000" indent="0">
+              <a:buNone/>
+              <a:defRPr sz="900"/>
+            </a:lvl6pPr>
+            <a:lvl7pPr marL="2743200" indent="0">
+              <a:buNone/>
+              <a:defRPr sz="900"/>
+            </a:lvl7pPr>
+            <a:lvl8pPr marL="3200400" indent="0">
+              <a:buNone/>
+              <a:defRPr sz="900"/>
+            </a:lvl8pPr>
+            <a:lvl9pPr marL="3657600" indent="0">
+              <a:buNone/>
+              <a:defRPr sz="900"/>
+            </a:lvl9pPr>
+          </a:lstStyle>
+          <a:p>
+            <a:pPr lvl="0"/>
+            <a:r>
+              <a:rPr lang="en-US"/>
+              <a:t>Edit Master text styles</a:t>
+            </a:r>
+          </a:p>
+        </p:txBody>
+      </p:sp>
+      <p:sp>
+        <p:nvSpPr>
+          <p:cNvPr id="3" name="Date Placeholder 2"/>
+          <p:cNvSpPr>
+            <a:spLocks noGrp="1"/>
+          </p:cNvSpPr>
+          <p:nvPr>
+            <p:ph type="dt" sz="half" idx="10"/>
+          </p:nvPr>
+        </p:nvSpPr>
+        <p:spPr/>
+        <p:txBody>
+          <a:bodyPr/>
+          <a:lstStyle/>
+          <a:p>
+            <a:fld id="{B61BEF0D-F0BB-DE4B-95CE-6DB70DBA9567}" type="datetimeFigureOut">
+              <a:rPr lang="en-US" smtClean="0"/>
+              <a:pPr/>
+              <a:t>11/8/2023</a:t>
+            </a:fld>
+            <a:endParaRPr lang="en-US" dirty="0"/>
+          </a:p>
+        </p:txBody>
+      </p:sp>
+      <p:sp>
+        <p:nvSpPr>
+          <p:cNvPr id="4" name="Footer Placeholder 3"/>
+          <p:cNvSpPr>
+            <a:spLocks noGrp="1"/>
+          </p:cNvSpPr>
+          <p:nvPr>
+            <p:ph type="ftr" sz="quarter" idx="11"/>
+          </p:nvPr>
+        </p:nvSpPr>
+        <p:spPr/>
+        <p:txBody>
+          <a:bodyPr/>
+          <a:lstStyle/>
+          <a:p>
+            <a:endParaRPr lang="en-US" dirty="0"/>
+          </a:p>
+        </p:txBody>
+      </p:sp>
+      <p:sp>
+        <p:nvSpPr>
+          <p:cNvPr id="5" name="Slide Number Placeholder 4"/>
+          <p:cNvSpPr>
+            <a:spLocks noGrp="1"/>
+          </p:cNvSpPr>
+          <p:nvPr>
+            <p:ph type="sldNum" sz="quarter" idx="12"/>
+          </p:nvPr>
+        </p:nvSpPr>
+        <p:spPr/>
+        <p:txBody>
+          <a:bodyPr/>
+          <a:lstStyle/>
+          <a:p>
+            <a:fld id="{D57F1E4F-1CFF-5643-939E-217C01CDF565}" type="slidenum">
+              <a:rPr lang="en-US" smtClean="0"/>
+              <a:pPr/>
+              <a:t>‹#›</a:t>
+            </a:fld>
+            <a:endParaRPr lang="en-US" dirty="0"/>
+          </a:p>
+        </p:txBody>
+      </p:sp>
+    </p:spTree>
+    <p:extLst>
+      <p:ext uri="{BB962C8B-B14F-4D97-AF65-F5344CB8AC3E}">
+        <p14:creationId xmlns:p14="http://schemas.microsoft.com/office/powerpoint/2010/main" val="2241312989"/>
+      </p:ext>
+    </p:extLst>
+  </p:cSld>
+  <p:clrMapOvr>
+    <a:masterClrMapping/>
+  </p:clrMapOvr>
+</p:sldLayout>
+</file>
+
+<file path=ppt/slideLayouts/slideLayout15.xml><?xml version="1.0" encoding="utf-8"?>
+<p:sldLayout xmlns:a="http://schemas.openxmlformats.org/drawingml/2006/main" xmlns:r="http://schemas.openxmlformats.org/officeDocument/2006/relationships" xmlns:p="http://schemas.openxmlformats.org/presentationml/2006/main" preserve="1">
+  <p:cSld name="3 Picture Column">
+    <p:spTree>
+      <p:nvGrpSpPr>
+        <p:cNvPr id="1" name=""/>
+        <p:cNvGrpSpPr/>
+        <p:nvPr/>
+      </p:nvGrpSpPr>
+      <p:grpSpPr>
+        <a:xfrm>
+          <a:off x="0" y="0"/>
+          <a:ext cx="0" cy="0"/>
+          <a:chOff x="0" y="0"/>
+          <a:chExt cx="0" cy="0"/>
+        </a:xfrm>
+      </p:grpSpPr>
+      <p:pic>
+        <p:nvPicPr>
+          <p:cNvPr id="2" name="Picture 1" descr="Slate-V2-HD-3colPhotoInset.png"/>
+          <p:cNvPicPr>
+            <a:picLocks noChangeAspect="1"/>
+          </p:cNvPicPr>
+          <p:nvPr/>
+        </p:nvPicPr>
+        <p:blipFill>
+          <a:blip r:embed="rId2">
+            <a:extLst>
+              <a:ext uri="{28A0092B-C50C-407E-A947-70E740481C1C}">
+                <a14:useLocalDpi xmlns:a14="http://schemas.microsoft.com/office/drawing/2010/main" val="0"/>
+              </a:ext>
+            </a:extLst>
+          </a:blip>
+          <a:stretch>
+            <a:fillRect/>
+          </a:stretch>
+        </p:blipFill>
+        <p:spPr>
+          <a:xfrm>
+            <a:off x="897962" y="1818214"/>
+            <a:ext cx="3339972" cy="1847851"/>
+          </a:xfrm>
+          <a:prstGeom prst="rect">
+            <a:avLst/>
+          </a:prstGeom>
+        </p:spPr>
+      </p:pic>
+      <p:pic>
+        <p:nvPicPr>
+          <p:cNvPr id="36" name="Picture 35" descr="Slate-V2-HD-3colPhotoInset.png"/>
+          <p:cNvPicPr>
+            <a:picLocks noChangeAspect="1"/>
+          </p:cNvPicPr>
+          <p:nvPr/>
+        </p:nvPicPr>
+        <p:blipFill>
+          <a:blip r:embed="rId2">
+            <a:extLst>
+              <a:ext uri="{28A0092B-C50C-407E-A947-70E740481C1C}">
+                <a14:useLocalDpi xmlns:a14="http://schemas.microsoft.com/office/drawing/2010/main" val="0"/>
+              </a:ext>
+            </a:extLst>
+          </a:blip>
+          <a:stretch>
+            <a:fillRect/>
+          </a:stretch>
+        </p:blipFill>
+        <p:spPr>
+          <a:xfrm>
+            <a:off x="4403800" y="1818214"/>
+            <a:ext cx="3339972" cy="1847851"/>
+          </a:xfrm>
+          <a:prstGeom prst="rect">
+            <a:avLst/>
+          </a:prstGeom>
+        </p:spPr>
+      </p:pic>
+      <p:pic>
+        <p:nvPicPr>
+          <p:cNvPr id="37" name="Picture 36" descr="Slate-V2-HD-3colPhotoInset.png"/>
+          <p:cNvPicPr>
+            <a:picLocks noChangeAspect="1"/>
+          </p:cNvPicPr>
+          <p:nvPr/>
+        </p:nvPicPr>
+        <p:blipFill>
+          <a:blip r:embed="rId2">
+            <a:extLst>
+              <a:ext uri="{28A0092B-C50C-407E-A947-70E740481C1C}">
+                <a14:useLocalDpi xmlns:a14="http://schemas.microsoft.com/office/drawing/2010/main" val="0"/>
+              </a:ext>
+            </a:extLst>
+          </a:blip>
+          <a:stretch>
+            <a:fillRect/>
+          </a:stretch>
+        </p:blipFill>
+        <p:spPr>
+          <a:xfrm>
+            <a:off x="7936051" y="1818214"/>
+            <a:ext cx="3339972" cy="1847851"/>
+          </a:xfrm>
+          <a:prstGeom prst="rect">
+            <a:avLst/>
+          </a:prstGeom>
+        </p:spPr>
+      </p:pic>
+      <p:sp>
+        <p:nvSpPr>
+          <p:cNvPr id="30" name="Title 1"/>
+          <p:cNvSpPr>
+            <a:spLocks noGrp="1"/>
+          </p:cNvSpPr>
+          <p:nvPr>
+            <p:ph type="title"/>
+          </p:nvPr>
+        </p:nvSpPr>
+        <p:spPr>
+          <a:xfrm>
+            <a:off x="913794" y="609600"/>
+            <a:ext cx="10353763" cy="970450"/>
+          </a:xfrm>
+        </p:spPr>
+        <p:txBody>
+          <a:bodyPr/>
+          <a:lstStyle/>
+          <a:p>
+            <a:r>
+              <a:rPr lang="en-US"/>
+              <a:t>Click to edit Master title style</a:t>
+            </a:r>
+            <a:endParaRPr lang="en-US" dirty="0"/>
+          </a:p>
+        </p:txBody>
+      </p:sp>
+      <p:sp>
+        <p:nvSpPr>
+          <p:cNvPr id="19" name="Text Placeholder 2"/>
+          <p:cNvSpPr>
+            <a:spLocks noGrp="1"/>
+          </p:cNvSpPr>
+          <p:nvPr>
+            <p:ph type="body" idx="1"/>
+          </p:nvPr>
+        </p:nvSpPr>
+        <p:spPr>
+          <a:xfrm>
+            <a:off x="913795" y="3904106"/>
+            <a:ext cx="3300984" cy="576262"/>
+          </a:xfrm>
+        </p:spPr>
+        <p:txBody>
+          <a:bodyPr anchor="b">
+            <a:noAutofit/>
+          </a:bodyPr>
+          <a:lstStyle>
+            <a:lvl1pPr marL="0" indent="0" algn="ctr">
+              <a:buNone/>
+              <a:defRPr sz="2000" b="0">
+                <a:solidFill>
+                  <a:schemeClr val="tx1"/>
+                </a:solidFill>
+              </a:defRPr>
+            </a:lvl1pPr>
+            <a:lvl2pPr marL="457200" indent="0">
+              <a:buNone/>
+              <a:defRPr sz="2000" b="1"/>
+            </a:lvl2pPr>
+            <a:lvl3pPr marL="914400" indent="0">
+              <a:buNone/>
+              <a:defRPr sz="1800" b="1"/>
+            </a:lvl3pPr>
+            <a:lvl4pPr marL="1371600" indent="0">
+              <a:buNone/>
+              <a:defRPr sz="1600" b="1"/>
+            </a:lvl4pPr>
+            <a:lvl5pPr marL="1828800" indent="0">
+              <a:buNone/>
+              <a:defRPr sz="1600" b="1"/>
+            </a:lvl5pPr>
+            <a:lvl6pPr marL="2286000" indent="0">
+              <a:buNone/>
+              <a:defRPr sz="1600" b="1"/>
+            </a:lvl6pPr>
+            <a:lvl7pPr marL="2743200" indent="0">
+              <a:buNone/>
+              <a:defRPr sz="1600" b="1"/>
+            </a:lvl7pPr>
+            <a:lvl8pPr marL="3200400" indent="0">
+              <a:buNone/>
+              <a:defRPr sz="1600" b="1"/>
+            </a:lvl8pPr>
+            <a:lvl9pPr marL="3657600" indent="0">
+              <a:buNone/>
+              <a:defRPr sz="1600" b="1"/>
+            </a:lvl9pPr>
+          </a:lstStyle>
+          <a:p>
+            <a:pPr lvl="0"/>
+            <a:r>
+              <a:rPr lang="en-US"/>
+              <a:t>Edit Master text styles</a:t>
+            </a:r>
+          </a:p>
+        </p:txBody>
+      </p:sp>
+      <p:sp>
+        <p:nvSpPr>
+          <p:cNvPr id="20" name="Picture Placeholder 2"/>
+          <p:cNvSpPr>
+            <a:spLocks noGrp="1" noChangeAspect="1"/>
+          </p:cNvSpPr>
+          <p:nvPr>
+            <p:ph type="pic" idx="15"/>
+          </p:nvPr>
+        </p:nvSpPr>
+        <p:spPr>
+          <a:xfrm>
+            <a:off x="1018102" y="1938918"/>
+            <a:ext cx="3092368" cy="1602954"/>
+          </a:xfrm>
+          <a:prstGeom prst="roundRect">
+            <a:avLst>
+              <a:gd name="adj" fmla="val 1858"/>
+            </a:avLst>
+          </a:prstGeom>
+          <a:effectLst>
+            <a:outerShdw blurRad="38100" dist="25400" dir="4440000">
+              <a:srgbClr val="000000">
+                <a:alpha val="36000"/>
+              </a:srgbClr>
+            </a:outerShdw>
+          </a:effectLst>
+        </p:spPr>
+        <p:txBody>
+          <a:bodyPr anchor="t">
+            <a:normAutofit/>
+          </a:bodyPr>
+          <a:lstStyle>
+            <a:lvl1pPr marL="0" indent="0" algn="ctr">
+              <a:buNone/>
+              <a:defRPr sz="1600"/>
+            </a:lvl1pPr>
+            <a:lvl2pPr marL="457200" indent="0">
+              <a:buNone/>
+              <a:defRPr sz="1600"/>
+            </a:lvl2pPr>
+            <a:lvl3pPr marL="914400" indent="0">
+              <a:buNone/>
+              <a:defRPr sz="1600"/>
+            </a:lvl3pPr>
+            <a:lvl4pPr marL="1371600" indent="0">
+              <a:buNone/>
+              <a:defRPr sz="1600"/>
+            </a:lvl4pPr>
+            <a:lvl5pPr marL="1828800" indent="0">
+              <a:buNone/>
+              <a:defRPr sz="1600"/>
+            </a:lvl5pPr>
+            <a:lvl6pPr marL="2286000" indent="0">
+              <a:buNone/>
+              <a:defRPr sz="1600"/>
+            </a:lvl6pPr>
+            <a:lvl7pPr marL="2743200" indent="0">
+              <a:buNone/>
+              <a:defRPr sz="1600"/>
+            </a:lvl7pPr>
+            <a:lvl8pPr marL="3200400" indent="0">
+              <a:buNone/>
+              <a:defRPr sz="1600"/>
+            </a:lvl8pPr>
+            <a:lvl9pPr marL="3657600" indent="0">
+              <a:buNone/>
+              <a:defRPr sz="1600"/>
+            </a:lvl9pPr>
+          </a:lstStyle>
+          <a:p>
+            <a:r>
+              <a:rPr lang="en-US"/>
+              <a:t>Click icon to add picture</a:t>
+            </a:r>
+            <a:endParaRPr lang="en-US" dirty="0"/>
+          </a:p>
+        </p:txBody>
+      </p:sp>
+      <p:sp>
+        <p:nvSpPr>
+          <p:cNvPr id="21" name="Text Placeholder 3"/>
+          <p:cNvSpPr>
+            <a:spLocks noGrp="1"/>
+          </p:cNvSpPr>
+          <p:nvPr>
+            <p:ph type="body" sz="half" idx="18"/>
+          </p:nvPr>
+        </p:nvSpPr>
+        <p:spPr>
+          <a:xfrm>
+            <a:off x="913795" y="4480368"/>
+            <a:ext cx="3300984" cy="1310833"/>
+          </a:xfrm>
+        </p:spPr>
+        <p:txBody>
+          <a:bodyPr anchor="t">
+            <a:normAutofit/>
+          </a:bodyPr>
+          <a:lstStyle>
+            <a:lvl1pPr marL="0" indent="0" algn="ctr">
+              <a:buNone/>
+              <a:defRPr sz="1400"/>
+            </a:lvl1pPr>
+            <a:lvl2pPr marL="457200" indent="0">
+              <a:buNone/>
+              <a:defRPr sz="1200"/>
+            </a:lvl2pPr>
+            <a:lvl3pPr marL="914400" indent="0">
+              <a:buNone/>
+              <a:defRPr sz="1000"/>
+            </a:lvl3pPr>
+            <a:lvl4pPr marL="1371600" indent="0">
+              <a:buNone/>
+              <a:defRPr sz="900"/>
+            </a:lvl4pPr>
+            <a:lvl5pPr marL="1828800" indent="0">
+              <a:buNone/>
+              <a:defRPr sz="900"/>
+            </a:lvl5pPr>
+            <a:lvl6pPr marL="2286000" indent="0">
+              <a:buNone/>
+              <a:defRPr sz="900"/>
+            </a:lvl6pPr>
+            <a:lvl7pPr marL="2743200" indent="0">
+              <a:buNone/>
+              <a:defRPr sz="900"/>
+            </a:lvl7pPr>
+            <a:lvl8pPr marL="3200400" indent="0">
+              <a:buNone/>
+              <a:defRPr sz="900"/>
+            </a:lvl8pPr>
+            <a:lvl9pPr marL="3657600" indent="0">
+              <a:buNone/>
+              <a:defRPr sz="900"/>
+            </a:lvl9pPr>
+          </a:lstStyle>
+          <a:p>
+            <a:pPr lvl="0"/>
+            <a:r>
+              <a:rPr lang="en-US"/>
+              <a:t>Edit Master text styles</a:t>
+            </a:r>
+          </a:p>
+        </p:txBody>
+      </p:sp>
+      <p:sp>
+        <p:nvSpPr>
+          <p:cNvPr id="22" name="Text Placeholder 4"/>
+          <p:cNvSpPr>
+            <a:spLocks noGrp="1"/>
+          </p:cNvSpPr>
+          <p:nvPr>
+            <p:ph type="body" sz="quarter" idx="3"/>
+          </p:nvPr>
+        </p:nvSpPr>
+        <p:spPr>
+          <a:xfrm>
+            <a:off x="4442788" y="3904106"/>
+            <a:ext cx="3300984" cy="576262"/>
+          </a:xfrm>
+        </p:spPr>
+        <p:txBody>
+          <a:bodyPr anchor="b">
+            <a:noAutofit/>
+          </a:bodyPr>
+          <a:lstStyle>
+            <a:lvl1pPr marL="0" indent="0" algn="ctr">
+              <a:buNone/>
+              <a:defRPr sz="2000" b="0">
+                <a:solidFill>
+                  <a:schemeClr val="tx1"/>
+                </a:solidFill>
+              </a:defRPr>
+            </a:lvl1pPr>
+            <a:lvl2pPr marL="457200" indent="0">
+              <a:buNone/>
+              <a:defRPr sz="2000" b="1"/>
+            </a:lvl2pPr>
+            <a:lvl3pPr marL="914400" indent="0">
+              <a:buNone/>
+              <a:defRPr sz="1800" b="1"/>
+            </a:lvl3pPr>
+            <a:lvl4pPr marL="1371600" indent="0">
+              <a:buNone/>
+              <a:defRPr sz="1600" b="1"/>
+            </a:lvl4pPr>
+            <a:lvl5pPr marL="1828800" indent="0">
+              <a:buNone/>
+              <a:defRPr sz="1600" b="1"/>
+            </a:lvl5pPr>
+            <a:lvl6pPr marL="2286000" indent="0">
+              <a:buNone/>
+              <a:defRPr sz="1600" b="1"/>
+            </a:lvl6pPr>
+            <a:lvl7pPr marL="2743200" indent="0">
+              <a:buNone/>
+              <a:defRPr sz="1600" b="1"/>
+            </a:lvl7pPr>
+            <a:lvl8pPr marL="3200400" indent="0">
+              <a:buNone/>
+              <a:defRPr sz="1600" b="1"/>
+            </a:lvl8pPr>
+            <a:lvl9pPr marL="3657600" indent="0">
+              <a:buNone/>
+              <a:defRPr sz="1600" b="1"/>
+            </a:lvl9pPr>
+          </a:lstStyle>
+          <a:p>
+            <a:pPr lvl="0"/>
+            <a:r>
+              <a:rPr lang="en-US"/>
+              <a:t>Edit Master text styles</a:t>
+            </a:r>
+          </a:p>
+        </p:txBody>
+      </p:sp>
+      <p:sp>
+        <p:nvSpPr>
+          <p:cNvPr id="23" name="Picture Placeholder 2"/>
+          <p:cNvSpPr>
+            <a:spLocks noGrp="1" noChangeAspect="1"/>
+          </p:cNvSpPr>
+          <p:nvPr>
+            <p:ph type="pic" idx="21"/>
+          </p:nvPr>
+        </p:nvSpPr>
+        <p:spPr>
+          <a:xfrm>
+            <a:off x="4545743" y="1939094"/>
+            <a:ext cx="3092368" cy="1608164"/>
+          </a:xfrm>
+          <a:prstGeom prst="roundRect">
+            <a:avLst>
+              <a:gd name="adj" fmla="val 1858"/>
+            </a:avLst>
+          </a:prstGeom>
+          <a:effectLst>
+            <a:outerShdw blurRad="38100" dist="25400" dir="4440000">
+              <a:srgbClr val="000000">
+                <a:alpha val="36000"/>
+              </a:srgbClr>
+            </a:outerShdw>
+          </a:effectLst>
+        </p:spPr>
+        <p:txBody>
+          <a:bodyPr anchor="t">
+            <a:normAutofit/>
+          </a:bodyPr>
+          <a:lstStyle>
+            <a:lvl1pPr marL="0" indent="0" algn="ctr">
+              <a:buNone/>
+              <a:defRPr sz="1600"/>
+            </a:lvl1pPr>
+            <a:lvl2pPr marL="457200" indent="0">
+              <a:buNone/>
+              <a:defRPr sz="1600"/>
+            </a:lvl2pPr>
+            <a:lvl3pPr marL="914400" indent="0">
+              <a:buNone/>
+              <a:defRPr sz="1600"/>
+            </a:lvl3pPr>
+            <a:lvl4pPr marL="1371600" indent="0">
+              <a:buNone/>
+              <a:defRPr sz="1600"/>
+            </a:lvl4pPr>
+            <a:lvl5pPr marL="1828800" indent="0">
+              <a:buNone/>
+              <a:defRPr sz="1600"/>
+            </a:lvl5pPr>
+            <a:lvl6pPr marL="2286000" indent="0">
+              <a:buNone/>
+              <a:defRPr sz="1600"/>
+            </a:lvl6pPr>
+            <a:lvl7pPr marL="2743200" indent="0">
+              <a:buNone/>
+              <a:defRPr sz="1600"/>
+            </a:lvl7pPr>
+            <a:lvl8pPr marL="3200400" indent="0">
+              <a:buNone/>
+              <a:defRPr sz="1600"/>
+            </a:lvl8pPr>
+            <a:lvl9pPr marL="3657600" indent="0">
+              <a:buNone/>
+              <a:defRPr sz="1600"/>
+            </a:lvl9pPr>
+          </a:lstStyle>
+          <a:p>
+            <a:r>
+              <a:rPr lang="en-US"/>
+              <a:t>Click icon to add picture</a:t>
+            </a:r>
+            <a:endParaRPr lang="en-US" dirty="0"/>
+          </a:p>
+        </p:txBody>
+      </p:sp>
+      <p:sp>
+        <p:nvSpPr>
+          <p:cNvPr id="24" name="Text Placeholder 3"/>
+          <p:cNvSpPr>
+            <a:spLocks noGrp="1"/>
+          </p:cNvSpPr>
+          <p:nvPr>
+            <p:ph type="body" sz="half" idx="19"/>
+          </p:nvPr>
+        </p:nvSpPr>
+        <p:spPr>
+          <a:xfrm>
+            <a:off x="4441435" y="4480367"/>
+            <a:ext cx="3300984" cy="1310833"/>
+          </a:xfrm>
+        </p:spPr>
+        <p:txBody>
+          <a:bodyPr anchor="t">
+            <a:normAutofit/>
+          </a:bodyPr>
+          <a:lstStyle>
+            <a:lvl1pPr marL="0" indent="0" algn="ctr">
+              <a:buNone/>
+              <a:defRPr sz="1400"/>
+            </a:lvl1pPr>
+            <a:lvl2pPr marL="457200" indent="0">
+              <a:buNone/>
+              <a:defRPr sz="1200"/>
+            </a:lvl2pPr>
+            <a:lvl3pPr marL="914400" indent="0">
+              <a:buNone/>
+              <a:defRPr sz="1000"/>
+            </a:lvl3pPr>
+            <a:lvl4pPr marL="1371600" indent="0">
+              <a:buNone/>
+              <a:defRPr sz="900"/>
+            </a:lvl4pPr>
+            <a:lvl5pPr marL="1828800" indent="0">
+              <a:buNone/>
+              <a:defRPr sz="900"/>
+            </a:lvl5pPr>
+            <a:lvl6pPr marL="2286000" indent="0">
+              <a:buNone/>
+              <a:defRPr sz="900"/>
+            </a:lvl6pPr>
+            <a:lvl7pPr marL="2743200" indent="0">
+              <a:buNone/>
+              <a:defRPr sz="900"/>
+            </a:lvl7pPr>
+            <a:lvl8pPr marL="3200400" indent="0">
+              <a:buNone/>
+              <a:defRPr sz="900"/>
+            </a:lvl8pPr>
+            <a:lvl9pPr marL="3657600" indent="0">
+              <a:buNone/>
+              <a:defRPr sz="900"/>
+            </a:lvl9pPr>
+          </a:lstStyle>
+          <a:p>
+            <a:pPr lvl="0"/>
+            <a:r>
+              <a:rPr lang="en-US"/>
+              <a:t>Edit Master text styles</a:t>
+            </a:r>
+          </a:p>
+        </p:txBody>
+      </p:sp>
+      <p:sp>
+        <p:nvSpPr>
+          <p:cNvPr id="25" name="Text Placeholder 4"/>
+          <p:cNvSpPr>
+            <a:spLocks noGrp="1"/>
+          </p:cNvSpPr>
+          <p:nvPr>
+            <p:ph type="body" sz="quarter" idx="13"/>
+          </p:nvPr>
+        </p:nvSpPr>
+        <p:spPr>
+          <a:xfrm>
+            <a:off x="7966697" y="3904106"/>
+            <a:ext cx="3300984" cy="576262"/>
+          </a:xfrm>
+        </p:spPr>
+        <p:txBody>
+          <a:bodyPr anchor="b">
+            <a:noAutofit/>
+          </a:bodyPr>
+          <a:lstStyle>
+            <a:lvl1pPr marL="0" indent="0" algn="ctr">
+              <a:buNone/>
+              <a:defRPr sz="2000" b="0">
+                <a:solidFill>
+                  <a:schemeClr val="tx1"/>
+                </a:solidFill>
+              </a:defRPr>
+            </a:lvl1pPr>
+            <a:lvl2pPr marL="457200" indent="0">
+              <a:buNone/>
+              <a:defRPr sz="2000" b="1"/>
+            </a:lvl2pPr>
+            <a:lvl3pPr marL="914400" indent="0">
+              <a:buNone/>
+              <a:defRPr sz="1800" b="1"/>
+            </a:lvl3pPr>
+            <a:lvl4pPr marL="1371600" indent="0">
+              <a:buNone/>
+              <a:defRPr sz="1600" b="1"/>
+            </a:lvl4pPr>
+            <a:lvl5pPr marL="1828800" indent="0">
+              <a:buNone/>
+              <a:defRPr sz="1600" b="1"/>
+            </a:lvl5pPr>
+            <a:lvl6pPr marL="2286000" indent="0">
+              <a:buNone/>
+              <a:defRPr sz="1600" b="1"/>
+            </a:lvl6pPr>
+            <a:lvl7pPr marL="2743200" indent="0">
+              <a:buNone/>
+              <a:defRPr sz="1600" b="1"/>
+            </a:lvl7pPr>
+            <a:lvl8pPr marL="3200400" indent="0">
+              <a:buNone/>
+              <a:defRPr sz="1600" b="1"/>
+            </a:lvl8pPr>
+            <a:lvl9pPr marL="3657600" indent="0">
+              <a:buNone/>
+              <a:defRPr sz="1600" b="1"/>
+            </a:lvl9pPr>
+          </a:lstStyle>
+          <a:p>
+            <a:pPr lvl="0"/>
+            <a:r>
+              <a:rPr lang="en-US"/>
+              <a:t>Edit Master text styles</a:t>
+            </a:r>
+          </a:p>
+        </p:txBody>
+      </p:sp>
+      <p:sp>
+        <p:nvSpPr>
+          <p:cNvPr id="26" name="Picture Placeholder 2"/>
+          <p:cNvSpPr>
+            <a:spLocks noGrp="1" noChangeAspect="1"/>
+          </p:cNvSpPr>
+          <p:nvPr>
+            <p:ph type="pic" idx="22"/>
+          </p:nvPr>
+        </p:nvSpPr>
+        <p:spPr>
+          <a:xfrm>
+            <a:off x="8075698" y="1934432"/>
+            <a:ext cx="3092368" cy="1607294"/>
+          </a:xfrm>
+          <a:prstGeom prst="roundRect">
+            <a:avLst>
+              <a:gd name="adj" fmla="val 1858"/>
+            </a:avLst>
+          </a:prstGeom>
+          <a:effectLst>
+            <a:outerShdw blurRad="38100" dist="25400" dir="4440000">
+              <a:srgbClr val="000000">
+                <a:alpha val="36000"/>
+              </a:srgbClr>
+            </a:outerShdw>
+          </a:effectLst>
+        </p:spPr>
+        <p:txBody>
+          <a:bodyPr anchor="t">
+            <a:normAutofit/>
+          </a:bodyPr>
+          <a:lstStyle>
+            <a:lvl1pPr marL="0" indent="0" algn="ctr">
+              <a:buNone/>
+              <a:defRPr sz="1600"/>
+            </a:lvl1pPr>
+            <a:lvl2pPr marL="457200" indent="0">
+              <a:buNone/>
+              <a:defRPr sz="1600"/>
+            </a:lvl2pPr>
+            <a:lvl3pPr marL="914400" indent="0">
+              <a:buNone/>
+              <a:defRPr sz="1600"/>
+            </a:lvl3pPr>
+            <a:lvl4pPr marL="1371600" indent="0">
+              <a:buNone/>
+              <a:defRPr sz="1600"/>
+            </a:lvl4pPr>
+            <a:lvl5pPr marL="1828800" indent="0">
+              <a:buNone/>
+              <a:defRPr sz="1600"/>
+            </a:lvl5pPr>
+            <a:lvl6pPr marL="2286000" indent="0">
+              <a:buNone/>
+              <a:defRPr sz="1600"/>
+            </a:lvl6pPr>
+            <a:lvl7pPr marL="2743200" indent="0">
+              <a:buNone/>
+              <a:defRPr sz="1600"/>
+            </a:lvl7pPr>
+            <a:lvl8pPr marL="3200400" indent="0">
+              <a:buNone/>
+              <a:defRPr sz="1600"/>
+            </a:lvl8pPr>
+            <a:lvl9pPr marL="3657600" indent="0">
+              <a:buNone/>
+              <a:defRPr sz="1600"/>
+            </a:lvl9pPr>
+          </a:lstStyle>
+          <a:p>
+            <a:r>
+              <a:rPr lang="en-US"/>
+              <a:t>Click icon to add picture</a:t>
+            </a:r>
+            <a:endParaRPr lang="en-US" dirty="0"/>
+          </a:p>
+        </p:txBody>
+      </p:sp>
+      <p:sp>
+        <p:nvSpPr>
+          <p:cNvPr id="27" name="Text Placeholder 3"/>
+          <p:cNvSpPr>
+            <a:spLocks noGrp="1"/>
+          </p:cNvSpPr>
+          <p:nvPr>
+            <p:ph type="body" sz="half" idx="20"/>
+          </p:nvPr>
+        </p:nvSpPr>
+        <p:spPr>
+          <a:xfrm>
+            <a:off x="7966572" y="4480365"/>
+            <a:ext cx="3300984" cy="1310835"/>
+          </a:xfrm>
+        </p:spPr>
+        <p:txBody>
+          <a:bodyPr anchor="t">
+            <a:normAutofit/>
+          </a:bodyPr>
+          <a:lstStyle>
+            <a:lvl1pPr marL="0" indent="0" algn="ctr">
+              <a:buNone/>
+              <a:defRPr sz="1400"/>
+            </a:lvl1pPr>
+            <a:lvl2pPr marL="457200" indent="0">
+              <a:buNone/>
+              <a:defRPr sz="1200"/>
+            </a:lvl2pPr>
+            <a:lvl3pPr marL="914400" indent="0">
+              <a:buNone/>
+              <a:defRPr sz="1000"/>
+            </a:lvl3pPr>
+            <a:lvl4pPr marL="1371600" indent="0">
+              <a:buNone/>
+              <a:defRPr sz="900"/>
+            </a:lvl4pPr>
+            <a:lvl5pPr marL="1828800" indent="0">
+              <a:buNone/>
+              <a:defRPr sz="900"/>
+            </a:lvl5pPr>
+            <a:lvl6pPr marL="2286000" indent="0">
+              <a:buNone/>
+              <a:defRPr sz="900"/>
+            </a:lvl6pPr>
+            <a:lvl7pPr marL="2743200" indent="0">
+              <a:buNone/>
+              <a:defRPr sz="900"/>
+            </a:lvl7pPr>
+            <a:lvl8pPr marL="3200400" indent="0">
+              <a:buNone/>
+              <a:defRPr sz="900"/>
+            </a:lvl8pPr>
+            <a:lvl9pPr marL="3657600" indent="0">
+              <a:buNone/>
+              <a:defRPr sz="900"/>
+            </a:lvl9pPr>
+          </a:lstStyle>
+          <a:p>
+            <a:pPr lvl="0"/>
+            <a:r>
+              <a:rPr lang="en-US"/>
+              <a:t>Edit Master text styles</a:t>
+            </a:r>
+          </a:p>
+        </p:txBody>
+      </p:sp>
+      <p:sp>
+        <p:nvSpPr>
+          <p:cNvPr id="3" name="Date Placeholder 2"/>
+          <p:cNvSpPr>
+            <a:spLocks noGrp="1"/>
+          </p:cNvSpPr>
+          <p:nvPr>
+            <p:ph type="dt" sz="half" idx="10"/>
+          </p:nvPr>
+        </p:nvSpPr>
+        <p:spPr/>
+        <p:txBody>
+          <a:bodyPr/>
+          <a:lstStyle/>
+          <a:p>
+            <a:fld id="{B61BEF0D-F0BB-DE4B-95CE-6DB70DBA9567}" type="datetimeFigureOut">
+              <a:rPr lang="en-US" smtClean="0"/>
+              <a:pPr/>
+              <a:t>11/8/2023</a:t>
+            </a:fld>
+            <a:endParaRPr lang="en-US" dirty="0"/>
+          </a:p>
+        </p:txBody>
+      </p:sp>
+      <p:sp>
+        <p:nvSpPr>
+          <p:cNvPr id="4" name="Footer Placeholder 3"/>
+          <p:cNvSpPr>
+            <a:spLocks noGrp="1"/>
+          </p:cNvSpPr>
+          <p:nvPr>
+            <p:ph type="ftr" sz="quarter" idx="11"/>
+          </p:nvPr>
+        </p:nvSpPr>
+        <p:spPr/>
+        <p:txBody>
+          <a:bodyPr/>
+          <a:lstStyle/>
+          <a:p>
+            <a:endParaRPr lang="en-US" dirty="0"/>
+          </a:p>
+        </p:txBody>
+      </p:sp>
+      <p:sp>
+        <p:nvSpPr>
+          <p:cNvPr id="5" name="Slide Number Placeholder 4"/>
+          <p:cNvSpPr>
+            <a:spLocks noGrp="1"/>
+          </p:cNvSpPr>
+          <p:nvPr>
+            <p:ph type="sldNum" sz="quarter" idx="12"/>
+          </p:nvPr>
+        </p:nvSpPr>
+        <p:spPr/>
+        <p:txBody>
+          <a:bodyPr/>
+          <a:lstStyle/>
+          <a:p>
+            <a:fld id="{D57F1E4F-1CFF-5643-939E-217C01CDF565}" type="slidenum">
+              <a:rPr lang="en-US" smtClean="0"/>
+              <a:pPr/>
+              <a:t>‹#›</a:t>
+            </a:fld>
+            <a:endParaRPr lang="en-US" dirty="0"/>
+          </a:p>
+        </p:txBody>
+      </p:sp>
+    </p:spTree>
+    <p:extLst>
+      <p:ext uri="{BB962C8B-B14F-4D97-AF65-F5344CB8AC3E}">
+        <p14:creationId xmlns:p14="http://schemas.microsoft.com/office/powerpoint/2010/main" val="2839752773"/>
+      </p:ext>
+    </p:extLst>
+  </p:cSld>
+  <p:clrMapOvr>
+    <a:masterClrMapping/>
+  </p:clrMapOvr>
+</p:sldLayout>
+</file>
+
+<file path=ppt/slideLayouts/slideLayout16.xml><?xml version="1.0" encoding="utf-8"?>
 <p:sldLayout xmlns:a="http://schemas.openxmlformats.org/drawingml/2006/main" xmlns:r="http://schemas.openxmlformats.org/officeDocument/2006/relationships" xmlns:p="http://schemas.openxmlformats.org/presentationml/2006/main" type="vertTx" preserve="1">
   <p:cSld name="Title and Vertical Text">
     <p:spTree>
@@ -384,134 +2984,136 @@
           <a:lstStyle/>
           <a:p>
             <a:r>
+              <a:rPr lang="en-US"/>
+              <a:t>Click to edit Master title style</a:t>
+            </a:r>
+            <a:endParaRPr lang="en-US" dirty="0"/>
+          </a:p>
+        </p:txBody>
+      </p:sp>
+      <p:sp>
+        <p:nvSpPr>
+          <p:cNvPr id="3" name="Vertical Text Placeholder 2"/>
+          <p:cNvSpPr>
+            <a:spLocks noGrp="1"/>
+          </p:cNvSpPr>
+          <p:nvPr>
+            <p:ph type="body" orient="vert" idx="1"/>
+          </p:nvPr>
+        </p:nvSpPr>
+        <p:spPr/>
+        <p:txBody>
+          <a:bodyPr vert="eaVert" anchor="t"/>
+          <a:lstStyle/>
+          <a:p>
+            <a:pPr lvl="0"/>
+            <a:r>
+              <a:rPr lang="en-US"/>
+              <a:t>Edit Master text styles</a:t>
+            </a:r>
+          </a:p>
+          <a:p>
+            <a:pPr lvl="1"/>
+            <a:r>
+              <a:rPr lang="en-US"/>
+              <a:t>Second level</a:t>
+            </a:r>
+          </a:p>
+          <a:p>
+            <a:pPr lvl="2"/>
+            <a:r>
+              <a:rPr lang="en-US"/>
+              <a:t>Third level</a:t>
+            </a:r>
+          </a:p>
+          <a:p>
+            <a:pPr lvl="3"/>
+            <a:r>
+              <a:rPr lang="en-US"/>
+              <a:t>Fourth level</a:t>
+            </a:r>
+          </a:p>
+          <a:p>
+            <a:pPr lvl="4"/>
+            <a:r>
+              <a:rPr lang="en-US"/>
+              <a:t>Fifth level</a:t>
+            </a:r>
+            <a:endParaRPr lang="en-US" dirty="0"/>
+          </a:p>
+        </p:txBody>
+      </p:sp>
+      <p:sp>
+        <p:nvSpPr>
+          <p:cNvPr id="4" name="Date Placeholder 3"/>
+          <p:cNvSpPr>
+            <a:spLocks noGrp="1"/>
+          </p:cNvSpPr>
+          <p:nvPr>
+            <p:ph type="dt" sz="half" idx="10"/>
+          </p:nvPr>
+        </p:nvSpPr>
+        <p:spPr/>
+        <p:txBody>
+          <a:bodyPr/>
+          <a:lstStyle/>
+          <a:p>
+            <a:fld id="{B61BEF0D-F0BB-DE4B-95CE-6DB70DBA9567}" type="datetimeFigureOut">
               <a:rPr lang="en-US" smtClean="0"/>
-              <a:t>Click to edit Master title style</a:t>
-            </a:r>
-            <a:endParaRPr lang="en-US"/>
-          </a:p>
-        </p:txBody>
-      </p:sp>
-      <p:sp>
-        <p:nvSpPr>
-          <p:cNvPr id="3" name="Vertical Text Placeholder 2"/>
-          <p:cNvSpPr>
-            <a:spLocks noGrp="1"/>
-          </p:cNvSpPr>
-          <p:nvPr>
-            <p:ph type="body" orient="vert" idx="1"/>
+              <a:pPr/>
+              <a:t>11/8/2023</a:t>
+            </a:fld>
+            <a:endParaRPr lang="en-US" dirty="0"/>
+          </a:p>
+        </p:txBody>
+      </p:sp>
+      <p:sp>
+        <p:nvSpPr>
+          <p:cNvPr id="5" name="Footer Placeholder 4"/>
+          <p:cNvSpPr>
+            <a:spLocks noGrp="1"/>
+          </p:cNvSpPr>
+          <p:nvPr>
+            <p:ph type="ftr" sz="quarter" idx="11"/>
           </p:nvPr>
         </p:nvSpPr>
         <p:spPr/>
         <p:txBody>
-          <a:bodyPr vert="eaVert"/>
-          <a:lstStyle/>
-          <a:p>
-            <a:pPr lvl="0"/>
-            <a:r>
+          <a:bodyPr/>
+          <a:lstStyle/>
+          <a:p>
+            <a:endParaRPr lang="en-US" dirty="0"/>
+          </a:p>
+        </p:txBody>
+      </p:sp>
+      <p:sp>
+        <p:nvSpPr>
+          <p:cNvPr id="6" name="Slide Number Placeholder 5"/>
+          <p:cNvSpPr>
+            <a:spLocks noGrp="1"/>
+          </p:cNvSpPr>
+          <p:nvPr>
+            <p:ph type="sldNum" sz="quarter" idx="12"/>
+          </p:nvPr>
+        </p:nvSpPr>
+        <p:spPr/>
+        <p:txBody>
+          <a:bodyPr/>
+          <a:lstStyle/>
+          <a:p>
+            <a:fld id="{D57F1E4F-1CFF-5643-939E-217C01CDF565}" type="slidenum">
               <a:rPr lang="en-US" smtClean="0"/>
-              <a:t>Click to edit Master text styles</a:t>
-            </a:r>
-          </a:p>
-          <a:p>
-            <a:pPr lvl="1"/>
-            <a:r>
-              <a:rPr lang="en-US" smtClean="0"/>
-              <a:t>Second level</a:t>
-            </a:r>
-          </a:p>
-          <a:p>
-            <a:pPr lvl="2"/>
-            <a:r>
-              <a:rPr lang="en-US" smtClean="0"/>
-              <a:t>Third level</a:t>
-            </a:r>
-          </a:p>
-          <a:p>
-            <a:pPr lvl="3"/>
-            <a:r>
-              <a:rPr lang="en-US" smtClean="0"/>
-              <a:t>Fourth level</a:t>
-            </a:r>
-          </a:p>
-          <a:p>
-            <a:pPr lvl="4"/>
-            <a:r>
-              <a:rPr lang="en-US" smtClean="0"/>
-              <a:t>Fifth level</a:t>
-            </a:r>
-            <a:endParaRPr lang="en-US"/>
-          </a:p>
-        </p:txBody>
-      </p:sp>
-      <p:sp>
-        <p:nvSpPr>
-          <p:cNvPr id="4" name="Date Placeholder 3"/>
-          <p:cNvSpPr>
-            <a:spLocks noGrp="1"/>
-          </p:cNvSpPr>
-          <p:nvPr>
-            <p:ph type="dt" sz="half" idx="10"/>
-          </p:nvPr>
-        </p:nvSpPr>
-        <p:spPr/>
-        <p:txBody>
-          <a:bodyPr/>
-          <a:lstStyle/>
-          <a:p>
-            <a:fld id="{5BCAD085-E8A6-8845-BD4E-CB4CCA059FC4}" type="datetimeFigureOut">
-              <a:rPr lang="en-US" smtClean="0"/>
-              <a:t>1/27/13</a:t>
-            </a:fld>
-            <a:endParaRPr lang="en-US"/>
-          </a:p>
-        </p:txBody>
-      </p:sp>
-      <p:sp>
-        <p:nvSpPr>
-          <p:cNvPr id="5" name="Footer Placeholder 4"/>
-          <p:cNvSpPr>
-            <a:spLocks noGrp="1"/>
-          </p:cNvSpPr>
-          <p:nvPr>
-            <p:ph type="ftr" sz="quarter" idx="11"/>
-          </p:nvPr>
-        </p:nvSpPr>
-        <p:spPr/>
-        <p:txBody>
-          <a:bodyPr/>
-          <a:lstStyle/>
-          <a:p>
-            <a:endParaRPr lang="en-US"/>
-          </a:p>
-        </p:txBody>
-      </p:sp>
-      <p:sp>
-        <p:nvSpPr>
-          <p:cNvPr id="6" name="Slide Number Placeholder 5"/>
-          <p:cNvSpPr>
-            <a:spLocks noGrp="1"/>
-          </p:cNvSpPr>
-          <p:nvPr>
-            <p:ph type="sldNum" sz="quarter" idx="12"/>
-          </p:nvPr>
-        </p:nvSpPr>
-        <p:spPr/>
-        <p:txBody>
-          <a:bodyPr/>
-          <a:lstStyle/>
-          <a:p>
-            <a:fld id="{C1FF6DA9-008F-8B48-92A6-B652298478BF}" type="slidenum">
-              <a:rPr lang="en-US" smtClean="0"/>
+              <a:pPr/>
               <a:t>‹#›</a:t>
             </a:fld>
-            <a:endParaRPr lang="en-US"/>
+            <a:endParaRPr lang="en-US" dirty="0"/>
           </a:p>
         </p:txBody>
       </p:sp>
     </p:spTree>
     <p:extLst>
       <p:ext uri="{BB962C8B-B14F-4D97-AF65-F5344CB8AC3E}">
-        <p14:creationId xmlns:p14="http://schemas.microsoft.com/office/powerpoint/2010/main" val="2910927964"/>
+        <p14:creationId xmlns:p14="http://schemas.microsoft.com/office/powerpoint/2010/main" val="2891222082"/>
       </p:ext>
     </p:extLst>
   </p:cSld>
@@ -521,7 +3123,7 @@
 </p:sldLayout>
 </file>
 
-<file path=ppt/slideLayouts/slideLayout11.xml><?xml version="1.0" encoding="utf-8"?>
+<file path=ppt/slideLayouts/slideLayout17.xml><?xml version="1.0" encoding="utf-8"?>
 <p:sldLayout xmlns:a="http://schemas.openxmlformats.org/drawingml/2006/main" xmlns:r="http://schemas.openxmlformats.org/officeDocument/2006/relationships" xmlns:p="http://schemas.openxmlformats.org/presentationml/2006/main" type="vertTitleAndTx" preserve="1">
   <p:cSld name="Vertical Title and Text">
     <p:spTree>
@@ -550,19 +3152,23 @@
         </p:nvSpPr>
         <p:spPr>
           <a:xfrm>
-            <a:off x="6629400" y="274638"/>
-            <a:ext cx="2057400" cy="5851525"/>
+            <a:off x="8983068" y="609599"/>
+            <a:ext cx="2284487" cy="5181601"/>
           </a:xfrm>
         </p:spPr>
         <p:txBody>
           <a:bodyPr vert="eaVert"/>
-          <a:lstStyle/>
-          <a:p>
-            <a:r>
-              <a:rPr lang="en-US" smtClean="0"/>
+          <a:lstStyle>
+            <a:lvl1pPr algn="l">
+              <a:defRPr/>
+            </a:lvl1pPr>
+          </a:lstStyle>
+          <a:p>
+            <a:r>
+              <a:rPr lang="en-US"/>
               <a:t>Click to edit Master title style</a:t>
             </a:r>
-            <a:endParaRPr lang="en-US"/>
+            <a:endParaRPr lang="en-US" dirty="0"/>
           </a:p>
         </p:txBody>
       </p:sp>
@@ -578,120 +3184,122 @@
         </p:nvSpPr>
         <p:spPr>
           <a:xfrm>
-            <a:off x="457200" y="274638"/>
-            <a:ext cx="6019800" cy="5851525"/>
+            <a:off x="913796" y="609599"/>
+            <a:ext cx="7916872" cy="5181601"/>
           </a:xfrm>
         </p:spPr>
         <p:txBody>
-          <a:bodyPr vert="eaVert"/>
+          <a:bodyPr vert="eaVert" anchor="t"/>
           <a:lstStyle/>
           <a:p>
             <a:pPr lvl="0"/>
             <a:r>
+              <a:rPr lang="en-US"/>
+              <a:t>Edit Master text styles</a:t>
+            </a:r>
+          </a:p>
+          <a:p>
+            <a:pPr lvl="1"/>
+            <a:r>
+              <a:rPr lang="en-US"/>
+              <a:t>Second level</a:t>
+            </a:r>
+          </a:p>
+          <a:p>
+            <a:pPr lvl="2"/>
+            <a:r>
+              <a:rPr lang="en-US"/>
+              <a:t>Third level</a:t>
+            </a:r>
+          </a:p>
+          <a:p>
+            <a:pPr lvl="3"/>
+            <a:r>
+              <a:rPr lang="en-US"/>
+              <a:t>Fourth level</a:t>
+            </a:r>
+          </a:p>
+          <a:p>
+            <a:pPr lvl="4"/>
+            <a:r>
+              <a:rPr lang="en-US"/>
+              <a:t>Fifth level</a:t>
+            </a:r>
+            <a:endParaRPr lang="en-US" dirty="0"/>
+          </a:p>
+        </p:txBody>
+      </p:sp>
+      <p:sp>
+        <p:nvSpPr>
+          <p:cNvPr id="4" name="Date Placeholder 3"/>
+          <p:cNvSpPr>
+            <a:spLocks noGrp="1"/>
+          </p:cNvSpPr>
+          <p:nvPr>
+            <p:ph type="dt" sz="half" idx="10"/>
+          </p:nvPr>
+        </p:nvSpPr>
+        <p:spPr/>
+        <p:txBody>
+          <a:bodyPr/>
+          <a:lstStyle/>
+          <a:p>
+            <a:fld id="{B61BEF0D-F0BB-DE4B-95CE-6DB70DBA9567}" type="datetimeFigureOut">
               <a:rPr lang="en-US" smtClean="0"/>
-              <a:t>Click to edit Master text styles</a:t>
-            </a:r>
-          </a:p>
-          <a:p>
-            <a:pPr lvl="1"/>
-            <a:r>
+              <a:pPr/>
+              <a:t>11/8/2023</a:t>
+            </a:fld>
+            <a:endParaRPr lang="en-US" dirty="0"/>
+          </a:p>
+        </p:txBody>
+      </p:sp>
+      <p:sp>
+        <p:nvSpPr>
+          <p:cNvPr id="5" name="Footer Placeholder 4"/>
+          <p:cNvSpPr>
+            <a:spLocks noGrp="1"/>
+          </p:cNvSpPr>
+          <p:nvPr>
+            <p:ph type="ftr" sz="quarter" idx="11"/>
+          </p:nvPr>
+        </p:nvSpPr>
+        <p:spPr/>
+        <p:txBody>
+          <a:bodyPr/>
+          <a:lstStyle/>
+          <a:p>
+            <a:endParaRPr lang="en-US" dirty="0"/>
+          </a:p>
+        </p:txBody>
+      </p:sp>
+      <p:sp>
+        <p:nvSpPr>
+          <p:cNvPr id="6" name="Slide Number Placeholder 5"/>
+          <p:cNvSpPr>
+            <a:spLocks noGrp="1"/>
+          </p:cNvSpPr>
+          <p:nvPr>
+            <p:ph type="sldNum" sz="quarter" idx="12"/>
+          </p:nvPr>
+        </p:nvSpPr>
+        <p:spPr/>
+        <p:txBody>
+          <a:bodyPr/>
+          <a:lstStyle/>
+          <a:p>
+            <a:fld id="{D57F1E4F-1CFF-5643-939E-217C01CDF565}" type="slidenum">
               <a:rPr lang="en-US" smtClean="0"/>
-              <a:t>Second level</a:t>
-            </a:r>
-          </a:p>
-          <a:p>
-            <a:pPr lvl="2"/>
-            <a:r>
-              <a:rPr lang="en-US" smtClean="0"/>
-              <a:t>Third level</a:t>
-            </a:r>
-          </a:p>
-          <a:p>
-            <a:pPr lvl="3"/>
-            <a:r>
-              <a:rPr lang="en-US" smtClean="0"/>
-              <a:t>Fourth level</a:t>
-            </a:r>
-          </a:p>
-          <a:p>
-            <a:pPr lvl="4"/>
-            <a:r>
-              <a:rPr lang="en-US" smtClean="0"/>
-              <a:t>Fifth level</a:t>
-            </a:r>
-            <a:endParaRPr lang="en-US"/>
-          </a:p>
-        </p:txBody>
-      </p:sp>
-      <p:sp>
-        <p:nvSpPr>
-          <p:cNvPr id="4" name="Date Placeholder 3"/>
-          <p:cNvSpPr>
-            <a:spLocks noGrp="1"/>
-          </p:cNvSpPr>
-          <p:nvPr>
-            <p:ph type="dt" sz="half" idx="10"/>
-          </p:nvPr>
-        </p:nvSpPr>
-        <p:spPr/>
-        <p:txBody>
-          <a:bodyPr/>
-          <a:lstStyle/>
-          <a:p>
-            <a:fld id="{5BCAD085-E8A6-8845-BD4E-CB4CCA059FC4}" type="datetimeFigureOut">
-              <a:rPr lang="en-US" smtClean="0"/>
-              <a:t>1/27/13</a:t>
-            </a:fld>
-            <a:endParaRPr lang="en-US"/>
-          </a:p>
-        </p:txBody>
-      </p:sp>
-      <p:sp>
-        <p:nvSpPr>
-          <p:cNvPr id="5" name="Footer Placeholder 4"/>
-          <p:cNvSpPr>
-            <a:spLocks noGrp="1"/>
-          </p:cNvSpPr>
-          <p:nvPr>
-            <p:ph type="ftr" sz="quarter" idx="11"/>
-          </p:nvPr>
-        </p:nvSpPr>
-        <p:spPr/>
-        <p:txBody>
-          <a:bodyPr/>
-          <a:lstStyle/>
-          <a:p>
-            <a:endParaRPr lang="en-US"/>
-          </a:p>
-        </p:txBody>
-      </p:sp>
-      <p:sp>
-        <p:nvSpPr>
-          <p:cNvPr id="6" name="Slide Number Placeholder 5"/>
-          <p:cNvSpPr>
-            <a:spLocks noGrp="1"/>
-          </p:cNvSpPr>
-          <p:nvPr>
-            <p:ph type="sldNum" sz="quarter" idx="12"/>
-          </p:nvPr>
-        </p:nvSpPr>
-        <p:spPr/>
-        <p:txBody>
-          <a:bodyPr/>
-          <a:lstStyle/>
-          <a:p>
-            <a:fld id="{C1FF6DA9-008F-8B48-92A6-B652298478BF}" type="slidenum">
-              <a:rPr lang="en-US" smtClean="0"/>
+              <a:pPr/>
               <a:t>‹#›</a:t>
             </a:fld>
-            <a:endParaRPr lang="en-US"/>
+            <a:endParaRPr lang="en-US" dirty="0"/>
           </a:p>
         </p:txBody>
       </p:sp>
     </p:spTree>
     <p:extLst>
       <p:ext uri="{BB962C8B-B14F-4D97-AF65-F5344CB8AC3E}">
-        <p14:creationId xmlns:p14="http://schemas.microsoft.com/office/powerpoint/2010/main" val="3612223792"/>
+        <p14:creationId xmlns:p14="http://schemas.microsoft.com/office/powerpoint/2010/main" val="3448062959"/>
       </p:ext>
     </p:extLst>
   </p:cSld>
@@ -734,21 +3342,97 @@
           <a:lstStyle/>
           <a:p>
             <a:r>
+              <a:rPr lang="en-US"/>
+              <a:t>Click to edit Master title style</a:t>
+            </a:r>
+            <a:endParaRPr lang="en-US" dirty="0"/>
+          </a:p>
+        </p:txBody>
+      </p:sp>
+      <p:sp>
+        <p:nvSpPr>
+          <p:cNvPr id="3" name="Content Placeholder 2"/>
+          <p:cNvSpPr>
+            <a:spLocks noGrp="1"/>
+          </p:cNvSpPr>
+          <p:nvPr>
+            <p:ph idx="1"/>
+          </p:nvPr>
+        </p:nvSpPr>
+        <p:spPr/>
+        <p:txBody>
+          <a:bodyPr/>
+          <a:lstStyle/>
+          <a:p>
+            <a:pPr lvl="0"/>
+            <a:r>
+              <a:rPr lang="en-US"/>
+              <a:t>Edit Master text styles</a:t>
+            </a:r>
+          </a:p>
+          <a:p>
+            <a:pPr lvl="1"/>
+            <a:r>
+              <a:rPr lang="en-US"/>
+              <a:t>Second level</a:t>
+            </a:r>
+          </a:p>
+          <a:p>
+            <a:pPr lvl="2"/>
+            <a:r>
+              <a:rPr lang="en-US"/>
+              <a:t>Third level</a:t>
+            </a:r>
+          </a:p>
+          <a:p>
+            <a:pPr lvl="3"/>
+            <a:r>
+              <a:rPr lang="en-US"/>
+              <a:t>Fourth level</a:t>
+            </a:r>
+          </a:p>
+          <a:p>
+            <a:pPr lvl="4"/>
+            <a:r>
+              <a:rPr lang="en-US"/>
+              <a:t>Fifth level</a:t>
+            </a:r>
+            <a:endParaRPr lang="en-US" dirty="0"/>
+          </a:p>
+        </p:txBody>
+      </p:sp>
+      <p:sp>
+        <p:nvSpPr>
+          <p:cNvPr id="4" name="Date Placeholder 3"/>
+          <p:cNvSpPr>
+            <a:spLocks noGrp="1"/>
+          </p:cNvSpPr>
+          <p:nvPr>
+            <p:ph type="dt" sz="half" idx="10"/>
+          </p:nvPr>
+        </p:nvSpPr>
+        <p:spPr/>
+        <p:txBody>
+          <a:bodyPr/>
+          <a:lstStyle/>
+          <a:p>
+            <a:fld id="{B61BEF0D-F0BB-DE4B-95CE-6DB70DBA9567}" type="datetimeFigureOut">
               <a:rPr lang="en-US" smtClean="0"/>
-              <a:t>Click to edit Master title style</a:t>
-            </a:r>
-            <a:endParaRPr lang="en-US"/>
-          </a:p>
-        </p:txBody>
-      </p:sp>
-      <p:sp>
-        <p:nvSpPr>
-          <p:cNvPr id="3" name="Content Placeholder 2"/>
-          <p:cNvSpPr>
-            <a:spLocks noGrp="1"/>
-          </p:cNvSpPr>
-          <p:nvPr>
-            <p:ph idx="1"/>
+              <a:pPr/>
+              <a:t>11/8/2023</a:t>
+            </a:fld>
+            <a:endParaRPr lang="en-US" dirty="0"/>
+          </a:p>
+        </p:txBody>
+      </p:sp>
+      <p:sp>
+        <p:nvSpPr>
+          <p:cNvPr id="5" name="Footer Placeholder 4"/>
+          <p:cNvSpPr>
+            <a:spLocks noGrp="1"/>
+          </p:cNvSpPr>
+          <p:nvPr>
+            <p:ph type="ftr" sz="quarter" idx="11"/>
           </p:nvPr>
         </p:nvSpPr>
         <p:spPr/>
@@ -756,112 +3440,38 @@
           <a:bodyPr/>
           <a:lstStyle/>
           <a:p>
-            <a:pPr lvl="0"/>
-            <a:r>
+            <a:endParaRPr lang="en-US" dirty="0"/>
+          </a:p>
+        </p:txBody>
+      </p:sp>
+      <p:sp>
+        <p:nvSpPr>
+          <p:cNvPr id="6" name="Slide Number Placeholder 5"/>
+          <p:cNvSpPr>
+            <a:spLocks noGrp="1"/>
+          </p:cNvSpPr>
+          <p:nvPr>
+            <p:ph type="sldNum" sz="quarter" idx="12"/>
+          </p:nvPr>
+        </p:nvSpPr>
+        <p:spPr/>
+        <p:txBody>
+          <a:bodyPr/>
+          <a:lstStyle/>
+          <a:p>
+            <a:fld id="{D57F1E4F-1CFF-5643-939E-217C01CDF565}" type="slidenum">
               <a:rPr lang="en-US" smtClean="0"/>
-              <a:t>Click to edit Master text styles</a:t>
-            </a:r>
-          </a:p>
-          <a:p>
-            <a:pPr lvl="1"/>
-            <a:r>
-              <a:rPr lang="en-US" smtClean="0"/>
-              <a:t>Second level</a:t>
-            </a:r>
-          </a:p>
-          <a:p>
-            <a:pPr lvl="2"/>
-            <a:r>
-              <a:rPr lang="en-US" smtClean="0"/>
-              <a:t>Third level</a:t>
-            </a:r>
-          </a:p>
-          <a:p>
-            <a:pPr lvl="3"/>
-            <a:r>
-              <a:rPr lang="en-US" smtClean="0"/>
-              <a:t>Fourth level</a:t>
-            </a:r>
-          </a:p>
-          <a:p>
-            <a:pPr lvl="4"/>
-            <a:r>
-              <a:rPr lang="en-US" smtClean="0"/>
-              <a:t>Fifth level</a:t>
-            </a:r>
-            <a:endParaRPr lang="en-US"/>
-          </a:p>
-        </p:txBody>
-      </p:sp>
-      <p:sp>
-        <p:nvSpPr>
-          <p:cNvPr id="4" name="Date Placeholder 3"/>
-          <p:cNvSpPr>
-            <a:spLocks noGrp="1"/>
-          </p:cNvSpPr>
-          <p:nvPr>
-            <p:ph type="dt" sz="half" idx="10"/>
-          </p:nvPr>
-        </p:nvSpPr>
-        <p:spPr/>
-        <p:txBody>
-          <a:bodyPr/>
-          <a:lstStyle/>
-          <a:p>
-            <a:fld id="{5BCAD085-E8A6-8845-BD4E-CB4CCA059FC4}" type="datetimeFigureOut">
-              <a:rPr lang="en-US" smtClean="0"/>
-              <a:t>1/27/13</a:t>
-            </a:fld>
-            <a:endParaRPr lang="en-US"/>
-          </a:p>
-        </p:txBody>
-      </p:sp>
-      <p:sp>
-        <p:nvSpPr>
-          <p:cNvPr id="5" name="Footer Placeholder 4"/>
-          <p:cNvSpPr>
-            <a:spLocks noGrp="1"/>
-          </p:cNvSpPr>
-          <p:nvPr>
-            <p:ph type="ftr" sz="quarter" idx="11"/>
-          </p:nvPr>
-        </p:nvSpPr>
-        <p:spPr/>
-        <p:txBody>
-          <a:bodyPr/>
-          <a:lstStyle/>
-          <a:p>
-            <a:endParaRPr lang="en-US"/>
-          </a:p>
-        </p:txBody>
-      </p:sp>
-      <p:sp>
-        <p:nvSpPr>
-          <p:cNvPr id="6" name="Slide Number Placeholder 5"/>
-          <p:cNvSpPr>
-            <a:spLocks noGrp="1"/>
-          </p:cNvSpPr>
-          <p:nvPr>
-            <p:ph type="sldNum" sz="quarter" idx="12"/>
-          </p:nvPr>
-        </p:nvSpPr>
-        <p:spPr/>
-        <p:txBody>
-          <a:bodyPr/>
-          <a:lstStyle/>
-          <a:p>
-            <a:fld id="{C1FF6DA9-008F-8B48-92A6-B652298478BF}" type="slidenum">
-              <a:rPr lang="en-US" smtClean="0"/>
+              <a:pPr/>
               <a:t>‹#›</a:t>
             </a:fld>
-            <a:endParaRPr lang="en-US"/>
+            <a:endParaRPr lang="en-US" dirty="0"/>
           </a:p>
         </p:txBody>
       </p:sp>
     </p:spTree>
     <p:extLst>
       <p:ext uri="{BB962C8B-B14F-4D97-AF65-F5344CB8AC3E}">
-        <p14:creationId xmlns:p14="http://schemas.microsoft.com/office/powerpoint/2010/main" val="2614314258"/>
+        <p14:creationId xmlns:p14="http://schemas.microsoft.com/office/powerpoint/2010/main" val="3927835492"/>
       </p:ext>
     </p:extLst>
   </p:cSld>
@@ -900,52 +3510,50 @@
         </p:nvSpPr>
         <p:spPr>
           <a:xfrm>
-            <a:off x="722313" y="4406900"/>
-            <a:ext cx="7772400" cy="1362075"/>
+            <a:off x="1295401" y="1761067"/>
+            <a:ext cx="9590550" cy="1828813"/>
           </a:xfrm>
         </p:spPr>
         <p:txBody>
+          <a:bodyPr anchor="b"/>
+          <a:lstStyle>
+            <a:lvl1pPr algn="ctr">
+              <a:defRPr sz="4000" b="0" cap="none"/>
+            </a:lvl1pPr>
+          </a:lstStyle>
+          <a:p>
+            <a:r>
+              <a:rPr lang="en-US"/>
+              <a:t>Click to edit Master title style</a:t>
+            </a:r>
+            <a:endParaRPr lang="en-US" dirty="0"/>
+          </a:p>
+        </p:txBody>
+      </p:sp>
+      <p:sp>
+        <p:nvSpPr>
+          <p:cNvPr id="3" name="Text Placeholder 2"/>
+          <p:cNvSpPr>
+            <a:spLocks noGrp="1"/>
+          </p:cNvSpPr>
+          <p:nvPr>
+            <p:ph type="body" idx="1"/>
+          </p:nvPr>
+        </p:nvSpPr>
+        <p:spPr>
+          <a:xfrm>
+            <a:off x="1295401" y="3589879"/>
+            <a:ext cx="9590550" cy="1507054"/>
+          </a:xfrm>
+        </p:spPr>
+        <p:txBody>
           <a:bodyPr anchor="t"/>
           <a:lstStyle>
-            <a:lvl1pPr algn="l">
-              <a:defRPr sz="4000" b="1" cap="all"/>
-            </a:lvl1pPr>
-          </a:lstStyle>
-          <a:p>
-            <a:r>
-              <a:rPr lang="en-US" smtClean="0"/>
-              <a:t>Click to edit Master title style</a:t>
-            </a:r>
-            <a:endParaRPr lang="en-US"/>
-          </a:p>
-        </p:txBody>
-      </p:sp>
-      <p:sp>
-        <p:nvSpPr>
-          <p:cNvPr id="3" name="Text Placeholder 2"/>
-          <p:cNvSpPr>
-            <a:spLocks noGrp="1"/>
-          </p:cNvSpPr>
-          <p:nvPr>
-            <p:ph type="body" idx="1"/>
-          </p:nvPr>
-        </p:nvSpPr>
-        <p:spPr>
-          <a:xfrm>
-            <a:off x="722313" y="2906713"/>
-            <a:ext cx="7772400" cy="1500187"/>
-          </a:xfrm>
-        </p:spPr>
-        <p:txBody>
-          <a:bodyPr anchor="b"/>
-          <a:lstStyle>
-            <a:lvl1pPr marL="0" indent="0">
+            <a:lvl1pPr marL="0" indent="0" algn="ctr">
               <a:buNone/>
               <a:defRPr sz="2000">
                 <a:solidFill>
-                  <a:schemeClr val="tx1">
-                    <a:tint val="75000"/>
-                  </a:schemeClr>
+                  <a:schemeClr val="tx1"/>
                 </a:solidFill>
               </a:defRPr>
             </a:lvl1pPr>
@@ -1033,20 +3641,44 @@
           <a:p>
             <a:pPr lvl="0"/>
             <a:r>
+              <a:rPr lang="en-US"/>
+              <a:t>Edit Master text styles</a:t>
+            </a:r>
+          </a:p>
+        </p:txBody>
+      </p:sp>
+      <p:sp>
+        <p:nvSpPr>
+          <p:cNvPr id="4" name="Date Placeholder 3"/>
+          <p:cNvSpPr>
+            <a:spLocks noGrp="1"/>
+          </p:cNvSpPr>
+          <p:nvPr>
+            <p:ph type="dt" sz="half" idx="10"/>
+          </p:nvPr>
+        </p:nvSpPr>
+        <p:spPr/>
+        <p:txBody>
+          <a:bodyPr/>
+          <a:lstStyle/>
+          <a:p>
+            <a:fld id="{B61BEF0D-F0BB-DE4B-95CE-6DB70DBA9567}" type="datetimeFigureOut">
               <a:rPr lang="en-US" smtClean="0"/>
-              <a:t>Click to edit Master text styles</a:t>
-            </a:r>
-          </a:p>
-        </p:txBody>
-      </p:sp>
-      <p:sp>
-        <p:nvSpPr>
-          <p:cNvPr id="4" name="Date Placeholder 3"/>
-          <p:cNvSpPr>
-            <a:spLocks noGrp="1"/>
-          </p:cNvSpPr>
-          <p:nvPr>
-            <p:ph type="dt" sz="half" idx="10"/>
+              <a:pPr/>
+              <a:t>11/8/2023</a:t>
+            </a:fld>
+            <a:endParaRPr lang="en-US" dirty="0"/>
+          </a:p>
+        </p:txBody>
+      </p:sp>
+      <p:sp>
+        <p:nvSpPr>
+          <p:cNvPr id="5" name="Footer Placeholder 4"/>
+          <p:cNvSpPr>
+            <a:spLocks noGrp="1"/>
+          </p:cNvSpPr>
+          <p:nvPr>
+            <p:ph type="ftr" sz="quarter" idx="11"/>
           </p:nvPr>
         </p:nvSpPr>
         <p:spPr/>
@@ -1054,60 +3686,38 @@
           <a:bodyPr/>
           <a:lstStyle/>
           <a:p>
-            <a:fld id="{5BCAD085-E8A6-8845-BD4E-CB4CCA059FC4}" type="datetimeFigureOut">
+            <a:endParaRPr lang="en-US" dirty="0"/>
+          </a:p>
+        </p:txBody>
+      </p:sp>
+      <p:sp>
+        <p:nvSpPr>
+          <p:cNvPr id="6" name="Slide Number Placeholder 5"/>
+          <p:cNvSpPr>
+            <a:spLocks noGrp="1"/>
+          </p:cNvSpPr>
+          <p:nvPr>
+            <p:ph type="sldNum" sz="quarter" idx="12"/>
+          </p:nvPr>
+        </p:nvSpPr>
+        <p:spPr/>
+        <p:txBody>
+          <a:bodyPr/>
+          <a:lstStyle/>
+          <a:p>
+            <a:fld id="{D57F1E4F-1CFF-5643-939E-217C01CDF565}" type="slidenum">
               <a:rPr lang="en-US" smtClean="0"/>
-              <a:t>1/27/13</a:t>
-            </a:fld>
-            <a:endParaRPr lang="en-US"/>
-          </a:p>
-        </p:txBody>
-      </p:sp>
-      <p:sp>
-        <p:nvSpPr>
-          <p:cNvPr id="5" name="Footer Placeholder 4"/>
-          <p:cNvSpPr>
-            <a:spLocks noGrp="1"/>
-          </p:cNvSpPr>
-          <p:nvPr>
-            <p:ph type="ftr" sz="quarter" idx="11"/>
-          </p:nvPr>
-        </p:nvSpPr>
-        <p:spPr/>
-        <p:txBody>
-          <a:bodyPr/>
-          <a:lstStyle/>
-          <a:p>
-            <a:endParaRPr lang="en-US"/>
-          </a:p>
-        </p:txBody>
-      </p:sp>
-      <p:sp>
-        <p:nvSpPr>
-          <p:cNvPr id="6" name="Slide Number Placeholder 5"/>
-          <p:cNvSpPr>
-            <a:spLocks noGrp="1"/>
-          </p:cNvSpPr>
-          <p:nvPr>
-            <p:ph type="sldNum" sz="quarter" idx="12"/>
-          </p:nvPr>
-        </p:nvSpPr>
-        <p:spPr/>
-        <p:txBody>
-          <a:bodyPr/>
-          <a:lstStyle/>
-          <a:p>
-            <a:fld id="{C1FF6DA9-008F-8B48-92A6-B652298478BF}" type="slidenum">
-              <a:rPr lang="en-US" smtClean="0"/>
+              <a:pPr/>
               <a:t>‹#›</a:t>
             </a:fld>
-            <a:endParaRPr lang="en-US"/>
+            <a:endParaRPr lang="en-US" dirty="0"/>
           </a:p>
         </p:txBody>
       </p:sp>
     </p:spTree>
     <p:extLst>
       <p:ext uri="{BB962C8B-B14F-4D97-AF65-F5344CB8AC3E}">
-        <p14:creationId xmlns:p14="http://schemas.microsoft.com/office/powerpoint/2010/main" val="960648375"/>
+        <p14:creationId xmlns:p14="http://schemas.microsoft.com/office/powerpoint/2010/main" val="3969335226"/>
       </p:ext>
     </p:extLst>
   </p:cSld>
@@ -1150,10 +3760,10 @@
           <a:lstStyle/>
           <a:p>
             <a:r>
-              <a:rPr lang="en-US" smtClean="0"/>
+              <a:rPr lang="en-US"/>
               <a:t>Click to edit Master title style</a:t>
             </a:r>
-            <a:endParaRPr lang="en-US"/>
+            <a:endParaRPr lang="en-US" dirty="0"/>
           </a:p>
         </p:txBody>
       </p:sp>
@@ -1169,76 +3779,50 @@
         </p:nvSpPr>
         <p:spPr>
           <a:xfrm>
-            <a:off x="457200" y="1600200"/>
-            <a:ext cx="4038600" cy="4525963"/>
+            <a:off x="913795" y="1732449"/>
+            <a:ext cx="5060497" cy="4058750"/>
           </a:xfrm>
         </p:spPr>
         <p:txBody>
-          <a:bodyPr/>
-          <a:lstStyle>
-            <a:lvl1pPr>
-              <a:defRPr sz="2800"/>
-            </a:lvl1pPr>
-            <a:lvl2pPr>
-              <a:defRPr sz="2400"/>
-            </a:lvl2pPr>
-            <a:lvl3pPr>
-              <a:defRPr sz="2000"/>
-            </a:lvl3pPr>
-            <a:lvl4pPr>
-              <a:defRPr sz="1800"/>
-            </a:lvl4pPr>
-            <a:lvl5pPr>
-              <a:defRPr sz="1800"/>
-            </a:lvl5pPr>
-            <a:lvl6pPr>
-              <a:defRPr sz="1800"/>
-            </a:lvl6pPr>
-            <a:lvl7pPr>
-              <a:defRPr sz="1800"/>
-            </a:lvl7pPr>
-            <a:lvl8pPr>
-              <a:defRPr sz="1800"/>
-            </a:lvl8pPr>
-            <a:lvl9pPr>
-              <a:defRPr sz="1800"/>
-            </a:lvl9pPr>
-          </a:lstStyle>
+          <a:bodyPr anchor="t">
+            <a:normAutofit/>
+          </a:bodyPr>
+          <a:lstStyle/>
           <a:p>
             <a:pPr lvl="0"/>
             <a:r>
-              <a:rPr lang="en-US" smtClean="0"/>
-              <a:t>Click to edit Master text styles</a:t>
+              <a:rPr lang="en-US"/>
+              <a:t>Edit Master text styles</a:t>
             </a:r>
           </a:p>
           <a:p>
             <a:pPr lvl="1"/>
             <a:r>
-              <a:rPr lang="en-US" smtClean="0"/>
+              <a:rPr lang="en-US"/>
               <a:t>Second level</a:t>
             </a:r>
           </a:p>
           <a:p>
             <a:pPr lvl="2"/>
             <a:r>
-              <a:rPr lang="en-US" smtClean="0"/>
+              <a:rPr lang="en-US"/>
               <a:t>Third level</a:t>
             </a:r>
           </a:p>
           <a:p>
             <a:pPr lvl="3"/>
             <a:r>
-              <a:rPr lang="en-US" smtClean="0"/>
+              <a:rPr lang="en-US"/>
               <a:t>Fourth level</a:t>
             </a:r>
           </a:p>
           <a:p>
             <a:pPr lvl="4"/>
             <a:r>
-              <a:rPr lang="en-US" smtClean="0"/>
+              <a:rPr lang="en-US"/>
               <a:t>Fifth level</a:t>
             </a:r>
-            <a:endParaRPr lang="en-US"/>
+            <a:endParaRPr lang="en-US" dirty="0"/>
           </a:p>
         </p:txBody>
       </p:sp>
@@ -1254,148 +3838,124 @@
         </p:nvSpPr>
         <p:spPr>
           <a:xfrm>
-            <a:off x="4648200" y="1600200"/>
-            <a:ext cx="4038600" cy="4525963"/>
+            <a:off x="6202892" y="1732449"/>
+            <a:ext cx="5064665" cy="4058751"/>
           </a:xfrm>
         </p:spPr>
         <p:txBody>
+          <a:bodyPr anchor="t">
+            <a:normAutofit/>
+          </a:bodyPr>
+          <a:lstStyle/>
+          <a:p>
+            <a:pPr lvl="0"/>
+            <a:r>
+              <a:rPr lang="en-US"/>
+              <a:t>Edit Master text styles</a:t>
+            </a:r>
+          </a:p>
+          <a:p>
+            <a:pPr lvl="1"/>
+            <a:r>
+              <a:rPr lang="en-US"/>
+              <a:t>Second level</a:t>
+            </a:r>
+          </a:p>
+          <a:p>
+            <a:pPr lvl="2"/>
+            <a:r>
+              <a:rPr lang="en-US"/>
+              <a:t>Third level</a:t>
+            </a:r>
+          </a:p>
+          <a:p>
+            <a:pPr lvl="3"/>
+            <a:r>
+              <a:rPr lang="en-US"/>
+              <a:t>Fourth level</a:t>
+            </a:r>
+          </a:p>
+          <a:p>
+            <a:pPr lvl="4"/>
+            <a:r>
+              <a:rPr lang="en-US"/>
+              <a:t>Fifth level</a:t>
+            </a:r>
+            <a:endParaRPr lang="en-US" dirty="0"/>
+          </a:p>
+        </p:txBody>
+      </p:sp>
+      <p:sp>
+        <p:nvSpPr>
+          <p:cNvPr id="5" name="Date Placeholder 4"/>
+          <p:cNvSpPr>
+            <a:spLocks noGrp="1"/>
+          </p:cNvSpPr>
+          <p:nvPr>
+            <p:ph type="dt" sz="half" idx="10"/>
+          </p:nvPr>
+        </p:nvSpPr>
+        <p:spPr/>
+        <p:txBody>
           <a:bodyPr/>
-          <a:lstStyle>
-            <a:lvl1pPr>
-              <a:defRPr sz="2800"/>
-            </a:lvl1pPr>
-            <a:lvl2pPr>
-              <a:defRPr sz="2400"/>
-            </a:lvl2pPr>
-            <a:lvl3pPr>
-              <a:defRPr sz="2000"/>
-            </a:lvl3pPr>
-            <a:lvl4pPr>
-              <a:defRPr sz="1800"/>
-            </a:lvl4pPr>
-            <a:lvl5pPr>
-              <a:defRPr sz="1800"/>
-            </a:lvl5pPr>
-            <a:lvl6pPr>
-              <a:defRPr sz="1800"/>
-            </a:lvl6pPr>
-            <a:lvl7pPr>
-              <a:defRPr sz="1800"/>
-            </a:lvl7pPr>
-            <a:lvl8pPr>
-              <a:defRPr sz="1800"/>
-            </a:lvl8pPr>
-            <a:lvl9pPr>
-              <a:defRPr sz="1800"/>
-            </a:lvl9pPr>
-          </a:lstStyle>
-          <a:p>
-            <a:pPr lvl="0"/>
-            <a:r>
+          <a:lstStyle/>
+          <a:p>
+            <a:fld id="{B61BEF0D-F0BB-DE4B-95CE-6DB70DBA9567}" type="datetimeFigureOut">
               <a:rPr lang="en-US" smtClean="0"/>
-              <a:t>Click to edit Master text styles</a:t>
-            </a:r>
-          </a:p>
-          <a:p>
-            <a:pPr lvl="1"/>
-            <a:r>
+              <a:pPr/>
+              <a:t>11/8/2023</a:t>
+            </a:fld>
+            <a:endParaRPr lang="en-US" dirty="0"/>
+          </a:p>
+        </p:txBody>
+      </p:sp>
+      <p:sp>
+        <p:nvSpPr>
+          <p:cNvPr id="6" name="Footer Placeholder 5"/>
+          <p:cNvSpPr>
+            <a:spLocks noGrp="1"/>
+          </p:cNvSpPr>
+          <p:nvPr>
+            <p:ph type="ftr" sz="quarter" idx="11"/>
+          </p:nvPr>
+        </p:nvSpPr>
+        <p:spPr/>
+        <p:txBody>
+          <a:bodyPr/>
+          <a:lstStyle/>
+          <a:p>
+            <a:endParaRPr lang="en-US" dirty="0"/>
+          </a:p>
+        </p:txBody>
+      </p:sp>
+      <p:sp>
+        <p:nvSpPr>
+          <p:cNvPr id="7" name="Slide Number Placeholder 6"/>
+          <p:cNvSpPr>
+            <a:spLocks noGrp="1"/>
+          </p:cNvSpPr>
+          <p:nvPr>
+            <p:ph type="sldNum" sz="quarter" idx="12"/>
+          </p:nvPr>
+        </p:nvSpPr>
+        <p:spPr/>
+        <p:txBody>
+          <a:bodyPr/>
+          <a:lstStyle/>
+          <a:p>
+            <a:fld id="{D57F1E4F-1CFF-5643-939E-217C01CDF565}" type="slidenum">
               <a:rPr lang="en-US" smtClean="0"/>
-              <a:t>Second level</a:t>
-            </a:r>
-          </a:p>
-          <a:p>
-            <a:pPr lvl="2"/>
-            <a:r>
-              <a:rPr lang="en-US" smtClean="0"/>
-              <a:t>Third level</a:t>
-            </a:r>
-          </a:p>
-          <a:p>
-            <a:pPr lvl="3"/>
-            <a:r>
-              <a:rPr lang="en-US" smtClean="0"/>
-              <a:t>Fourth level</a:t>
-            </a:r>
-          </a:p>
-          <a:p>
-            <a:pPr lvl="4"/>
-            <a:r>
-              <a:rPr lang="en-US" smtClean="0"/>
-              <a:t>Fifth level</a:t>
-            </a:r>
-            <a:endParaRPr lang="en-US"/>
-          </a:p>
-        </p:txBody>
-      </p:sp>
-      <p:sp>
-        <p:nvSpPr>
-          <p:cNvPr id="5" name="Date Placeholder 4"/>
-          <p:cNvSpPr>
-            <a:spLocks noGrp="1"/>
-          </p:cNvSpPr>
-          <p:nvPr>
-            <p:ph type="dt" sz="half" idx="10"/>
-          </p:nvPr>
-        </p:nvSpPr>
-        <p:spPr/>
-        <p:txBody>
-          <a:bodyPr/>
-          <a:lstStyle/>
-          <a:p>
-            <a:fld id="{5BCAD085-E8A6-8845-BD4E-CB4CCA059FC4}" type="datetimeFigureOut">
-              <a:rPr lang="en-US" smtClean="0"/>
-              <a:t>1/27/13</a:t>
-            </a:fld>
-            <a:endParaRPr lang="en-US"/>
-          </a:p>
-        </p:txBody>
-      </p:sp>
-      <p:sp>
-        <p:nvSpPr>
-          <p:cNvPr id="6" name="Footer Placeholder 5"/>
-          <p:cNvSpPr>
-            <a:spLocks noGrp="1"/>
-          </p:cNvSpPr>
-          <p:nvPr>
-            <p:ph type="ftr" sz="quarter" idx="11"/>
-          </p:nvPr>
-        </p:nvSpPr>
-        <p:spPr/>
-        <p:txBody>
-          <a:bodyPr/>
-          <a:lstStyle/>
-          <a:p>
-            <a:endParaRPr lang="en-US"/>
-          </a:p>
-        </p:txBody>
-      </p:sp>
-      <p:sp>
-        <p:nvSpPr>
-          <p:cNvPr id="7" name="Slide Number Placeholder 6"/>
-          <p:cNvSpPr>
-            <a:spLocks noGrp="1"/>
-          </p:cNvSpPr>
-          <p:nvPr>
-            <p:ph type="sldNum" sz="quarter" idx="12"/>
-          </p:nvPr>
-        </p:nvSpPr>
-        <p:spPr/>
-        <p:txBody>
-          <a:bodyPr/>
-          <a:lstStyle/>
-          <a:p>
-            <a:fld id="{C1FF6DA9-008F-8B48-92A6-B652298478BF}" type="slidenum">
-              <a:rPr lang="en-US" smtClean="0"/>
+              <a:pPr/>
               <a:t>‹#›</a:t>
             </a:fld>
-            <a:endParaRPr lang="en-US"/>
+            <a:endParaRPr lang="en-US" dirty="0"/>
           </a:p>
         </p:txBody>
       </p:sp>
     </p:spTree>
     <p:extLst>
       <p:ext uri="{BB962C8B-B14F-4D97-AF65-F5344CB8AC3E}">
-        <p14:creationId xmlns:p14="http://schemas.microsoft.com/office/powerpoint/2010/main" val="2782244947"/>
+        <p14:creationId xmlns:p14="http://schemas.microsoft.com/office/powerpoint/2010/main" val="3727893041"/>
       </p:ext>
     </p:extLst>
   </p:cSld>
@@ -1422,6 +3982,66 @@
           <a:chExt cx="0" cy="0"/>
         </a:xfrm>
       </p:grpSpPr>
+      <p:pic>
+        <p:nvPicPr>
+          <p:cNvPr id="20" name="Picture 19" descr="Slate-V2-HD-compPhotoInset.png"/>
+          <p:cNvPicPr>
+            <a:picLocks noChangeAspect="1"/>
+          </p:cNvPicPr>
+          <p:nvPr/>
+        </p:nvPicPr>
+        <p:blipFill>
+          <a:blip r:embed="rId2">
+            <a:extLst>
+              <a:ext uri="{28A0092B-C50C-407E-A947-70E740481C1C}">
+                <a14:useLocalDpi xmlns:a14="http://schemas.microsoft.com/office/drawing/2010/main" val="0"/>
+              </a:ext>
+            </a:extLst>
+          </a:blip>
+          <a:stretch>
+            <a:fillRect/>
+          </a:stretch>
+        </p:blipFill>
+        <p:spPr>
+          <a:xfrm>
+            <a:off x="913795" y="1734506"/>
+            <a:ext cx="5089072" cy="4148769"/>
+          </a:xfrm>
+          <a:prstGeom prst="rect">
+            <a:avLst/>
+          </a:prstGeom>
+        </p:spPr>
+      </p:pic>
+      <p:pic>
+        <p:nvPicPr>
+          <p:cNvPr id="21" name="Picture 20" descr="Slate-V2-HD-compPhotoInset.png"/>
+          <p:cNvPicPr>
+            <a:picLocks noChangeAspect="1"/>
+          </p:cNvPicPr>
+          <p:nvPr/>
+        </p:nvPicPr>
+        <p:blipFill>
+          <a:blip r:embed="rId2">
+            <a:extLst>
+              <a:ext uri="{28A0092B-C50C-407E-A947-70E740481C1C}">
+                <a14:useLocalDpi xmlns:a14="http://schemas.microsoft.com/office/drawing/2010/main" val="0"/>
+              </a:ext>
+            </a:extLst>
+          </a:blip>
+          <a:stretch>
+            <a:fillRect/>
+          </a:stretch>
+        </p:blipFill>
+        <p:spPr>
+          <a:xfrm>
+            <a:off x="6178485" y="1734506"/>
+            <a:ext cx="5089072" cy="4148769"/>
+          </a:xfrm>
+          <a:prstGeom prst="rect">
+            <a:avLst/>
+          </a:prstGeom>
+        </p:spPr>
+      </p:pic>
       <p:sp>
         <p:nvSpPr>
           <p:cNvPr id="2" name="Title 1"/>
@@ -1442,10 +4062,10 @@
           </a:lstStyle>
           <a:p>
             <a:r>
-              <a:rPr lang="en-US" smtClean="0"/>
+              <a:rPr lang="en-US"/>
               <a:t>Click to edit Master title style</a:t>
             </a:r>
-            <a:endParaRPr lang="en-US"/>
+            <a:endParaRPr lang="en-US" dirty="0"/>
           </a:p>
         </p:txBody>
       </p:sp>
@@ -1461,16 +4081,18 @@
         </p:nvSpPr>
         <p:spPr>
           <a:xfrm>
-            <a:off x="457200" y="1535113"/>
-            <a:ext cx="4040188" cy="639762"/>
+            <a:off x="1005872" y="1835254"/>
+            <a:ext cx="4876344" cy="544884"/>
           </a:xfrm>
         </p:spPr>
         <p:txBody>
-          <a:bodyPr anchor="b"/>
+          <a:bodyPr anchor="b">
+            <a:noAutofit/>
+          </a:bodyPr>
           <a:lstStyle>
-            <a:lvl1pPr marL="0" indent="0">
-              <a:buNone/>
-              <a:defRPr sz="2400" b="1"/>
+            <a:lvl1pPr marL="0" indent="0" algn="ctr">
+              <a:buNone/>
+              <a:defRPr sz="2400" b="0"/>
             </a:lvl1pPr>
             <a:lvl2pPr marL="457200" indent="0">
               <a:buNone/>
@@ -1508,8 +4130,8 @@
           <a:p>
             <a:pPr lvl="0"/>
             <a:r>
-              <a:rPr lang="en-US" smtClean="0"/>
-              <a:t>Click to edit Master text styles</a:t>
+              <a:rPr lang="en-US"/>
+              <a:t>Edit Master text styles</a:t>
             </a:r>
           </a:p>
         </p:txBody>
@@ -1526,76 +4148,66 @@
         </p:nvSpPr>
         <p:spPr>
           <a:xfrm>
-            <a:off x="457200" y="2174875"/>
-            <a:ext cx="4040188" cy="3951288"/>
+            <a:off x="1005872" y="2380137"/>
+            <a:ext cx="4876344" cy="3411063"/>
           </a:xfrm>
         </p:spPr>
         <p:txBody>
-          <a:bodyPr/>
+          <a:bodyPr anchor="t">
+            <a:normAutofit/>
+          </a:bodyPr>
           <a:lstStyle>
             <a:lvl1pPr>
-              <a:defRPr sz="2400"/>
+              <a:defRPr sz="1800"/>
             </a:lvl1pPr>
             <a:lvl2pPr>
-              <a:defRPr sz="2000"/>
+              <a:defRPr sz="1600"/>
             </a:lvl2pPr>
             <a:lvl3pPr>
-              <a:defRPr sz="1800"/>
+              <a:defRPr sz="1400"/>
             </a:lvl3pPr>
             <a:lvl4pPr>
-              <a:defRPr sz="1600"/>
+              <a:defRPr sz="1200"/>
             </a:lvl4pPr>
             <a:lvl5pPr>
-              <a:defRPr sz="1600"/>
+              <a:defRPr sz="1200"/>
             </a:lvl5pPr>
-            <a:lvl6pPr>
-              <a:defRPr sz="1600"/>
-            </a:lvl6pPr>
-            <a:lvl7pPr>
-              <a:defRPr sz="1600"/>
-            </a:lvl7pPr>
-            <a:lvl8pPr>
-              <a:defRPr sz="1600"/>
-            </a:lvl8pPr>
-            <a:lvl9pPr>
-              <a:defRPr sz="1600"/>
-            </a:lvl9pPr>
           </a:lstStyle>
           <a:p>
             <a:pPr lvl="0"/>
             <a:r>
-              <a:rPr lang="en-US" smtClean="0"/>
-              <a:t>Click to edit Master text styles</a:t>
+              <a:rPr lang="en-US"/>
+              <a:t>Edit Master text styles</a:t>
             </a:r>
           </a:p>
           <a:p>
             <a:pPr lvl="1"/>
             <a:r>
-              <a:rPr lang="en-US" smtClean="0"/>
+              <a:rPr lang="en-US"/>
               <a:t>Second level</a:t>
             </a:r>
           </a:p>
           <a:p>
             <a:pPr lvl="2"/>
             <a:r>
-              <a:rPr lang="en-US" smtClean="0"/>
+              <a:rPr lang="en-US"/>
               <a:t>Third level</a:t>
             </a:r>
           </a:p>
           <a:p>
             <a:pPr lvl="3"/>
             <a:r>
-              <a:rPr lang="en-US" smtClean="0"/>
+              <a:rPr lang="en-US"/>
               <a:t>Fourth level</a:t>
             </a:r>
           </a:p>
           <a:p>
             <a:pPr lvl="4"/>
             <a:r>
-              <a:rPr lang="en-US" smtClean="0"/>
+              <a:rPr lang="en-US"/>
               <a:t>Fifth level</a:t>
             </a:r>
-            <a:endParaRPr lang="en-US"/>
+            <a:endParaRPr lang="en-US" dirty="0"/>
           </a:p>
         </p:txBody>
       </p:sp>
@@ -1611,16 +4223,18 @@
         </p:nvSpPr>
         <p:spPr>
           <a:xfrm>
-            <a:off x="4645025" y="1535113"/>
-            <a:ext cx="4041775" cy="639762"/>
+            <a:off x="6294967" y="1835254"/>
+            <a:ext cx="4895330" cy="544883"/>
           </a:xfrm>
         </p:spPr>
         <p:txBody>
-          <a:bodyPr anchor="b"/>
+          <a:bodyPr anchor="b">
+            <a:noAutofit/>
+          </a:bodyPr>
           <a:lstStyle>
-            <a:lvl1pPr marL="0" indent="0">
-              <a:buNone/>
-              <a:defRPr sz="2400" b="1"/>
+            <a:lvl1pPr marL="0" indent="0" algn="ctr">
+              <a:buNone/>
+              <a:defRPr sz="2400" b="0"/>
             </a:lvl1pPr>
             <a:lvl2pPr marL="457200" indent="0">
               <a:buNone/>
@@ -1658,8 +4272,8 @@
           <a:p>
             <a:pPr lvl="0"/>
             <a:r>
-              <a:rPr lang="en-US" smtClean="0"/>
-              <a:t>Click to edit Master text styles</a:t>
+              <a:rPr lang="en-US"/>
+              <a:t>Edit Master text styles</a:t>
             </a:r>
           </a:p>
         </p:txBody>
@@ -1676,148 +4290,140 @@
         </p:nvSpPr>
         <p:spPr>
           <a:xfrm>
-            <a:off x="4645025" y="2174875"/>
-            <a:ext cx="4041775" cy="3951288"/>
+            <a:off x="6294967" y="2380137"/>
+            <a:ext cx="4895330" cy="3411063"/>
           </a:xfrm>
         </p:spPr>
         <p:txBody>
-          <a:bodyPr/>
+          <a:bodyPr anchor="t">
+            <a:normAutofit/>
+          </a:bodyPr>
           <a:lstStyle>
             <a:lvl1pPr>
-              <a:defRPr sz="2400"/>
+              <a:defRPr sz="1800"/>
             </a:lvl1pPr>
             <a:lvl2pPr>
-              <a:defRPr sz="2000"/>
+              <a:defRPr sz="1600"/>
             </a:lvl2pPr>
             <a:lvl3pPr>
-              <a:defRPr sz="1800"/>
+              <a:defRPr sz="1400"/>
             </a:lvl3pPr>
             <a:lvl4pPr>
-              <a:defRPr sz="1600"/>
+              <a:defRPr sz="1200"/>
             </a:lvl4pPr>
             <a:lvl5pPr>
-              <a:defRPr sz="1600"/>
+              <a:defRPr sz="1200"/>
             </a:lvl5pPr>
-            <a:lvl6pPr>
-              <a:defRPr sz="1600"/>
-            </a:lvl6pPr>
-            <a:lvl7pPr>
-              <a:defRPr sz="1600"/>
-            </a:lvl7pPr>
-            <a:lvl8pPr>
-              <a:defRPr sz="1600"/>
-            </a:lvl8pPr>
-            <a:lvl9pPr>
-              <a:defRPr sz="1600"/>
-            </a:lvl9pPr>
           </a:lstStyle>
           <a:p>
             <a:pPr lvl="0"/>
             <a:r>
+              <a:rPr lang="en-US"/>
+              <a:t>Edit Master text styles</a:t>
+            </a:r>
+          </a:p>
+          <a:p>
+            <a:pPr lvl="1"/>
+            <a:r>
+              <a:rPr lang="en-US"/>
+              <a:t>Second level</a:t>
+            </a:r>
+          </a:p>
+          <a:p>
+            <a:pPr lvl="2"/>
+            <a:r>
+              <a:rPr lang="en-US"/>
+              <a:t>Third level</a:t>
+            </a:r>
+          </a:p>
+          <a:p>
+            <a:pPr lvl="3"/>
+            <a:r>
+              <a:rPr lang="en-US"/>
+              <a:t>Fourth level</a:t>
+            </a:r>
+          </a:p>
+          <a:p>
+            <a:pPr lvl="4"/>
+            <a:r>
+              <a:rPr lang="en-US"/>
+              <a:t>Fifth level</a:t>
+            </a:r>
+            <a:endParaRPr lang="en-US" dirty="0"/>
+          </a:p>
+        </p:txBody>
+      </p:sp>
+      <p:sp>
+        <p:nvSpPr>
+          <p:cNvPr id="7" name="Date Placeholder 6"/>
+          <p:cNvSpPr>
+            <a:spLocks noGrp="1"/>
+          </p:cNvSpPr>
+          <p:nvPr>
+            <p:ph type="dt" sz="half" idx="10"/>
+          </p:nvPr>
+        </p:nvSpPr>
+        <p:spPr/>
+        <p:txBody>
+          <a:bodyPr/>
+          <a:lstStyle/>
+          <a:p>
+            <a:fld id="{B61BEF0D-F0BB-DE4B-95CE-6DB70DBA9567}" type="datetimeFigureOut">
               <a:rPr lang="en-US" smtClean="0"/>
-              <a:t>Click to edit Master text styles</a:t>
-            </a:r>
-          </a:p>
-          <a:p>
-            <a:pPr lvl="1"/>
-            <a:r>
+              <a:pPr/>
+              <a:t>11/8/2023</a:t>
+            </a:fld>
+            <a:endParaRPr lang="en-US" dirty="0"/>
+          </a:p>
+        </p:txBody>
+      </p:sp>
+      <p:sp>
+        <p:nvSpPr>
+          <p:cNvPr id="8" name="Footer Placeholder 7"/>
+          <p:cNvSpPr>
+            <a:spLocks noGrp="1"/>
+          </p:cNvSpPr>
+          <p:nvPr>
+            <p:ph type="ftr" sz="quarter" idx="11"/>
+          </p:nvPr>
+        </p:nvSpPr>
+        <p:spPr/>
+        <p:txBody>
+          <a:bodyPr/>
+          <a:lstStyle/>
+          <a:p>
+            <a:endParaRPr lang="en-US" dirty="0"/>
+          </a:p>
+        </p:txBody>
+      </p:sp>
+      <p:sp>
+        <p:nvSpPr>
+          <p:cNvPr id="9" name="Slide Number Placeholder 8"/>
+          <p:cNvSpPr>
+            <a:spLocks noGrp="1"/>
+          </p:cNvSpPr>
+          <p:nvPr>
+            <p:ph type="sldNum" sz="quarter" idx="12"/>
+          </p:nvPr>
+        </p:nvSpPr>
+        <p:spPr/>
+        <p:txBody>
+          <a:bodyPr/>
+          <a:lstStyle/>
+          <a:p>
+            <a:fld id="{D57F1E4F-1CFF-5643-939E-217C01CDF565}" type="slidenum">
               <a:rPr lang="en-US" smtClean="0"/>
-              <a:t>Second level</a:t>
-            </a:r>
-          </a:p>
-          <a:p>
-            <a:pPr lvl="2"/>
-            <a:r>
-              <a:rPr lang="en-US" smtClean="0"/>
-              <a:t>Third level</a:t>
-            </a:r>
-          </a:p>
-          <a:p>
-            <a:pPr lvl="3"/>
-            <a:r>
-              <a:rPr lang="en-US" smtClean="0"/>
-              <a:t>Fourth level</a:t>
-            </a:r>
-          </a:p>
-          <a:p>
-            <a:pPr lvl="4"/>
-            <a:r>
-              <a:rPr lang="en-US" smtClean="0"/>
-              <a:t>Fifth level</a:t>
-            </a:r>
-            <a:endParaRPr lang="en-US"/>
-          </a:p>
-        </p:txBody>
-      </p:sp>
-      <p:sp>
-        <p:nvSpPr>
-          <p:cNvPr id="7" name="Date Placeholder 6"/>
-          <p:cNvSpPr>
-            <a:spLocks noGrp="1"/>
-          </p:cNvSpPr>
-          <p:nvPr>
-            <p:ph type="dt" sz="half" idx="10"/>
-          </p:nvPr>
-        </p:nvSpPr>
-        <p:spPr/>
-        <p:txBody>
-          <a:bodyPr/>
-          <a:lstStyle/>
-          <a:p>
-            <a:fld id="{5BCAD085-E8A6-8845-BD4E-CB4CCA059FC4}" type="datetimeFigureOut">
-              <a:rPr lang="en-US" smtClean="0"/>
-              <a:t>1/27/13</a:t>
-            </a:fld>
-            <a:endParaRPr lang="en-US"/>
-          </a:p>
-        </p:txBody>
-      </p:sp>
-      <p:sp>
-        <p:nvSpPr>
-          <p:cNvPr id="8" name="Footer Placeholder 7"/>
-          <p:cNvSpPr>
-            <a:spLocks noGrp="1"/>
-          </p:cNvSpPr>
-          <p:nvPr>
-            <p:ph type="ftr" sz="quarter" idx="11"/>
-          </p:nvPr>
-        </p:nvSpPr>
-        <p:spPr/>
-        <p:txBody>
-          <a:bodyPr/>
-          <a:lstStyle/>
-          <a:p>
-            <a:endParaRPr lang="en-US"/>
-          </a:p>
-        </p:txBody>
-      </p:sp>
-      <p:sp>
-        <p:nvSpPr>
-          <p:cNvPr id="9" name="Slide Number Placeholder 8"/>
-          <p:cNvSpPr>
-            <a:spLocks noGrp="1"/>
-          </p:cNvSpPr>
-          <p:nvPr>
-            <p:ph type="sldNum" sz="quarter" idx="12"/>
-          </p:nvPr>
-        </p:nvSpPr>
-        <p:spPr/>
-        <p:txBody>
-          <a:bodyPr/>
-          <a:lstStyle/>
-          <a:p>
-            <a:fld id="{C1FF6DA9-008F-8B48-92A6-B652298478BF}" type="slidenum">
-              <a:rPr lang="en-US" smtClean="0"/>
+              <a:pPr/>
               <a:t>‹#›</a:t>
             </a:fld>
-            <a:endParaRPr lang="en-US"/>
+            <a:endParaRPr lang="en-US" dirty="0"/>
           </a:p>
         </p:txBody>
       </p:sp>
     </p:spTree>
     <p:extLst>
       <p:ext uri="{BB962C8B-B14F-4D97-AF65-F5344CB8AC3E}">
-        <p14:creationId xmlns:p14="http://schemas.microsoft.com/office/powerpoint/2010/main" val="990158736"/>
+        <p14:creationId xmlns:p14="http://schemas.microsoft.com/office/powerpoint/2010/main" val="4035530798"/>
       </p:ext>
     </p:extLst>
   </p:cSld>
@@ -1860,21 +4466,45 @@
           <a:lstStyle/>
           <a:p>
             <a:r>
+              <a:rPr lang="en-US"/>
+              <a:t>Click to edit Master title style</a:t>
+            </a:r>
+            <a:endParaRPr lang="en-US" dirty="0"/>
+          </a:p>
+        </p:txBody>
+      </p:sp>
+      <p:sp>
+        <p:nvSpPr>
+          <p:cNvPr id="3" name="Date Placeholder 2"/>
+          <p:cNvSpPr>
+            <a:spLocks noGrp="1"/>
+          </p:cNvSpPr>
+          <p:nvPr>
+            <p:ph type="dt" sz="half" idx="10"/>
+          </p:nvPr>
+        </p:nvSpPr>
+        <p:spPr/>
+        <p:txBody>
+          <a:bodyPr/>
+          <a:lstStyle/>
+          <a:p>
+            <a:fld id="{B61BEF0D-F0BB-DE4B-95CE-6DB70DBA9567}" type="datetimeFigureOut">
               <a:rPr lang="en-US" smtClean="0"/>
-              <a:t>Click to edit Master title style</a:t>
-            </a:r>
-            <a:endParaRPr lang="en-US"/>
-          </a:p>
-        </p:txBody>
-      </p:sp>
-      <p:sp>
-        <p:nvSpPr>
-          <p:cNvPr id="3" name="Date Placeholder 2"/>
-          <p:cNvSpPr>
-            <a:spLocks noGrp="1"/>
-          </p:cNvSpPr>
-          <p:nvPr>
-            <p:ph type="dt" sz="half" idx="10"/>
+              <a:pPr/>
+              <a:t>11/8/2023</a:t>
+            </a:fld>
+            <a:endParaRPr lang="en-US" dirty="0"/>
+          </a:p>
+        </p:txBody>
+      </p:sp>
+      <p:sp>
+        <p:nvSpPr>
+          <p:cNvPr id="4" name="Footer Placeholder 3"/>
+          <p:cNvSpPr>
+            <a:spLocks noGrp="1"/>
+          </p:cNvSpPr>
+          <p:nvPr>
+            <p:ph type="ftr" sz="quarter" idx="11"/>
           </p:nvPr>
         </p:nvSpPr>
         <p:spPr/>
@@ -1882,60 +4512,38 @@
           <a:bodyPr/>
           <a:lstStyle/>
           <a:p>
-            <a:fld id="{5BCAD085-E8A6-8845-BD4E-CB4CCA059FC4}" type="datetimeFigureOut">
+            <a:endParaRPr lang="en-US" dirty="0"/>
+          </a:p>
+        </p:txBody>
+      </p:sp>
+      <p:sp>
+        <p:nvSpPr>
+          <p:cNvPr id="5" name="Slide Number Placeholder 4"/>
+          <p:cNvSpPr>
+            <a:spLocks noGrp="1"/>
+          </p:cNvSpPr>
+          <p:nvPr>
+            <p:ph type="sldNum" sz="quarter" idx="12"/>
+          </p:nvPr>
+        </p:nvSpPr>
+        <p:spPr/>
+        <p:txBody>
+          <a:bodyPr/>
+          <a:lstStyle/>
+          <a:p>
+            <a:fld id="{D57F1E4F-1CFF-5643-939E-217C01CDF565}" type="slidenum">
               <a:rPr lang="en-US" smtClean="0"/>
-              <a:t>1/27/13</a:t>
-            </a:fld>
-            <a:endParaRPr lang="en-US"/>
-          </a:p>
-        </p:txBody>
-      </p:sp>
-      <p:sp>
-        <p:nvSpPr>
-          <p:cNvPr id="4" name="Footer Placeholder 3"/>
-          <p:cNvSpPr>
-            <a:spLocks noGrp="1"/>
-          </p:cNvSpPr>
-          <p:nvPr>
-            <p:ph type="ftr" sz="quarter" idx="11"/>
-          </p:nvPr>
-        </p:nvSpPr>
-        <p:spPr/>
-        <p:txBody>
-          <a:bodyPr/>
-          <a:lstStyle/>
-          <a:p>
-            <a:endParaRPr lang="en-US"/>
-          </a:p>
-        </p:txBody>
-      </p:sp>
-      <p:sp>
-        <p:nvSpPr>
-          <p:cNvPr id="5" name="Slide Number Placeholder 4"/>
-          <p:cNvSpPr>
-            <a:spLocks noGrp="1"/>
-          </p:cNvSpPr>
-          <p:nvPr>
-            <p:ph type="sldNum" sz="quarter" idx="12"/>
-          </p:nvPr>
-        </p:nvSpPr>
-        <p:spPr/>
-        <p:txBody>
-          <a:bodyPr/>
-          <a:lstStyle/>
-          <a:p>
-            <a:fld id="{C1FF6DA9-008F-8B48-92A6-B652298478BF}" type="slidenum">
-              <a:rPr lang="en-US" smtClean="0"/>
+              <a:pPr/>
               <a:t>‹#›</a:t>
             </a:fld>
-            <a:endParaRPr lang="en-US"/>
+            <a:endParaRPr lang="en-US" dirty="0"/>
           </a:p>
         </p:txBody>
       </p:sp>
     </p:spTree>
     <p:extLst>
       <p:ext uri="{BB962C8B-B14F-4D97-AF65-F5344CB8AC3E}">
-        <p14:creationId xmlns:p14="http://schemas.microsoft.com/office/powerpoint/2010/main" val="727027711"/>
+        <p14:creationId xmlns:p14="http://schemas.microsoft.com/office/powerpoint/2010/main" val="2624404937"/>
       </p:ext>
     </p:extLst>
   </p:cSld>
@@ -1977,11 +4585,12 @@
           <a:bodyPr/>
           <a:lstStyle/>
           <a:p>
-            <a:fld id="{5BCAD085-E8A6-8845-BD4E-CB4CCA059FC4}" type="datetimeFigureOut">
+            <a:fld id="{B61BEF0D-F0BB-DE4B-95CE-6DB70DBA9567}" type="datetimeFigureOut">
               <a:rPr lang="en-US" smtClean="0"/>
-              <a:t>1/27/13</a:t>
+              <a:pPr/>
+              <a:t>11/8/2023</a:t>
             </a:fld>
-            <a:endParaRPr lang="en-US"/>
+            <a:endParaRPr lang="en-US" dirty="0"/>
           </a:p>
         </p:txBody>
       </p:sp>
@@ -2000,7 +4609,7 @@
           <a:bodyPr/>
           <a:lstStyle/>
           <a:p>
-            <a:endParaRPr lang="en-US"/>
+            <a:endParaRPr lang="en-US" dirty="0"/>
           </a:p>
         </p:txBody>
       </p:sp>
@@ -2019,18 +4628,19 @@
           <a:bodyPr/>
           <a:lstStyle/>
           <a:p>
-            <a:fld id="{C1FF6DA9-008F-8B48-92A6-B652298478BF}" type="slidenum">
+            <a:fld id="{D57F1E4F-1CFF-5643-939E-217C01CDF565}" type="slidenum">
               <a:rPr lang="en-US" smtClean="0"/>
+              <a:pPr/>
               <a:t>‹#›</a:t>
             </a:fld>
-            <a:endParaRPr lang="en-US"/>
+            <a:endParaRPr lang="en-US" dirty="0"/>
           </a:p>
         </p:txBody>
       </p:sp>
     </p:spTree>
     <p:extLst>
       <p:ext uri="{BB962C8B-B14F-4D97-AF65-F5344CB8AC3E}">
-        <p14:creationId xmlns:p14="http://schemas.microsoft.com/office/powerpoint/2010/main" val="1212999818"/>
+        <p14:creationId xmlns:p14="http://schemas.microsoft.com/office/powerpoint/2010/main" val="256185195"/>
       </p:ext>
     </p:extLst>
   </p:cSld>
@@ -2069,23 +4679,25 @@
         </p:nvSpPr>
         <p:spPr>
           <a:xfrm>
-            <a:off x="457200" y="273050"/>
-            <a:ext cx="3008313" cy="1162050"/>
+            <a:off x="913795" y="609600"/>
+            <a:ext cx="3706889" cy="1821918"/>
           </a:xfrm>
         </p:spPr>
         <p:txBody>
-          <a:bodyPr anchor="b"/>
+          <a:bodyPr anchor="b">
+            <a:normAutofit/>
+          </a:bodyPr>
           <a:lstStyle>
-            <a:lvl1pPr algn="l">
-              <a:defRPr sz="2000" b="1"/>
+            <a:lvl1pPr algn="ctr">
+              <a:defRPr sz="2400" b="0"/>
             </a:lvl1pPr>
           </a:lstStyle>
           <a:p>
             <a:r>
-              <a:rPr lang="en-US" smtClean="0"/>
+              <a:rPr lang="en-US"/>
               <a:t>Click to edit Master title style</a:t>
             </a:r>
-            <a:endParaRPr lang="en-US"/>
+            <a:endParaRPr lang="en-US" dirty="0"/>
           </a:p>
         </p:txBody>
       </p:sp>
@@ -2101,76 +4713,50 @@
         </p:nvSpPr>
         <p:spPr>
           <a:xfrm>
-            <a:off x="3575050" y="273050"/>
-            <a:ext cx="5111750" cy="5853113"/>
+            <a:off x="4855633" y="609600"/>
+            <a:ext cx="6411924" cy="5181600"/>
           </a:xfrm>
         </p:spPr>
         <p:txBody>
-          <a:bodyPr/>
-          <a:lstStyle>
-            <a:lvl1pPr>
-              <a:defRPr sz="3200"/>
-            </a:lvl1pPr>
-            <a:lvl2pPr>
-              <a:defRPr sz="2800"/>
-            </a:lvl2pPr>
-            <a:lvl3pPr>
-              <a:defRPr sz="2400"/>
-            </a:lvl3pPr>
-            <a:lvl4pPr>
-              <a:defRPr sz="2000"/>
-            </a:lvl4pPr>
-            <a:lvl5pPr>
-              <a:defRPr sz="2000"/>
-            </a:lvl5pPr>
-            <a:lvl6pPr>
-              <a:defRPr sz="2000"/>
-            </a:lvl6pPr>
-            <a:lvl7pPr>
-              <a:defRPr sz="2000"/>
-            </a:lvl7pPr>
-            <a:lvl8pPr>
-              <a:defRPr sz="2000"/>
-            </a:lvl8pPr>
-            <a:lvl9pPr>
-              <a:defRPr sz="2000"/>
-            </a:lvl9pPr>
-          </a:lstStyle>
+          <a:bodyPr>
+            <a:normAutofit/>
+          </a:bodyPr>
+          <a:lstStyle/>
           <a:p>
             <a:pPr lvl="0"/>
             <a:r>
-              <a:rPr lang="en-US" smtClean="0"/>
-              <a:t>Click to edit Master text styles</a:t>
+              <a:rPr lang="en-US"/>
+              <a:t>Edit Master text styles</a:t>
             </a:r>
           </a:p>
           <a:p>
             <a:pPr lvl="1"/>
             <a:r>
-              <a:rPr lang="en-US" smtClean="0"/>
+              <a:rPr lang="en-US"/>
               <a:t>Second level</a:t>
             </a:r>
           </a:p>
           <a:p>
             <a:pPr lvl="2"/>
             <a:r>
-              <a:rPr lang="en-US" smtClean="0"/>
+              <a:rPr lang="en-US"/>
               <a:t>Third level</a:t>
             </a:r>
           </a:p>
           <a:p>
             <a:pPr lvl="3"/>
             <a:r>
-              <a:rPr lang="en-US" smtClean="0"/>
+              <a:rPr lang="en-US"/>
               <a:t>Fourth level</a:t>
             </a:r>
           </a:p>
           <a:p>
             <a:pPr lvl="4"/>
             <a:r>
-              <a:rPr lang="en-US" smtClean="0"/>
+              <a:rPr lang="en-US"/>
               <a:t>Fifth level</a:t>
             </a:r>
-            <a:endParaRPr lang="en-US"/>
+            <a:endParaRPr lang="en-US" dirty="0"/>
           </a:p>
         </p:txBody>
       </p:sp>
@@ -2186,16 +4772,18 @@
         </p:nvSpPr>
         <p:spPr>
           <a:xfrm>
-            <a:off x="457200" y="1435100"/>
-            <a:ext cx="3008313" cy="4691063"/>
+            <a:off x="913795" y="2431518"/>
+            <a:ext cx="3706889" cy="3359681"/>
           </a:xfrm>
         </p:spPr>
         <p:txBody>
-          <a:bodyPr/>
+          <a:bodyPr anchor="t">
+            <a:normAutofit/>
+          </a:bodyPr>
           <a:lstStyle>
-            <a:lvl1pPr marL="0" indent="0">
-              <a:buNone/>
-              <a:defRPr sz="1400"/>
+            <a:lvl1pPr marL="0" indent="0" algn="ctr">
+              <a:buNone/>
+              <a:defRPr sz="1600"/>
             </a:lvl1pPr>
             <a:lvl2pPr marL="457200" indent="0">
               <a:buNone/>
@@ -2233,20 +4821,44 @@
           <a:p>
             <a:pPr lvl="0"/>
             <a:r>
+              <a:rPr lang="en-US"/>
+              <a:t>Edit Master text styles</a:t>
+            </a:r>
+          </a:p>
+        </p:txBody>
+      </p:sp>
+      <p:sp>
+        <p:nvSpPr>
+          <p:cNvPr id="5" name="Date Placeholder 4"/>
+          <p:cNvSpPr>
+            <a:spLocks noGrp="1"/>
+          </p:cNvSpPr>
+          <p:nvPr>
+            <p:ph type="dt" sz="half" idx="10"/>
+          </p:nvPr>
+        </p:nvSpPr>
+        <p:spPr/>
+        <p:txBody>
+          <a:bodyPr/>
+          <a:lstStyle/>
+          <a:p>
+            <a:fld id="{B61BEF0D-F0BB-DE4B-95CE-6DB70DBA9567}" type="datetimeFigureOut">
               <a:rPr lang="en-US" smtClean="0"/>
-              <a:t>Click to edit Master text styles</a:t>
-            </a:r>
-          </a:p>
-        </p:txBody>
-      </p:sp>
-      <p:sp>
-        <p:nvSpPr>
-          <p:cNvPr id="5" name="Date Placeholder 4"/>
-          <p:cNvSpPr>
-            <a:spLocks noGrp="1"/>
-          </p:cNvSpPr>
-          <p:nvPr>
-            <p:ph type="dt" sz="half" idx="10"/>
+              <a:pPr/>
+              <a:t>11/8/2023</a:t>
+            </a:fld>
+            <a:endParaRPr lang="en-US" dirty="0"/>
+          </a:p>
+        </p:txBody>
+      </p:sp>
+      <p:sp>
+        <p:nvSpPr>
+          <p:cNvPr id="6" name="Footer Placeholder 5"/>
+          <p:cNvSpPr>
+            <a:spLocks noGrp="1"/>
+          </p:cNvSpPr>
+          <p:nvPr>
+            <p:ph type="ftr" sz="quarter" idx="11"/>
           </p:nvPr>
         </p:nvSpPr>
         <p:spPr/>
@@ -2254,60 +4866,38 @@
           <a:bodyPr/>
           <a:lstStyle/>
           <a:p>
-            <a:fld id="{5BCAD085-E8A6-8845-BD4E-CB4CCA059FC4}" type="datetimeFigureOut">
+            <a:endParaRPr lang="en-US" dirty="0"/>
+          </a:p>
+        </p:txBody>
+      </p:sp>
+      <p:sp>
+        <p:nvSpPr>
+          <p:cNvPr id="7" name="Slide Number Placeholder 6"/>
+          <p:cNvSpPr>
+            <a:spLocks noGrp="1"/>
+          </p:cNvSpPr>
+          <p:nvPr>
+            <p:ph type="sldNum" sz="quarter" idx="12"/>
+          </p:nvPr>
+        </p:nvSpPr>
+        <p:spPr/>
+        <p:txBody>
+          <a:bodyPr/>
+          <a:lstStyle/>
+          <a:p>
+            <a:fld id="{D57F1E4F-1CFF-5643-939E-217C01CDF565}" type="slidenum">
               <a:rPr lang="en-US" smtClean="0"/>
-              <a:t>1/27/13</a:t>
-            </a:fld>
-            <a:endParaRPr lang="en-US"/>
-          </a:p>
-        </p:txBody>
-      </p:sp>
-      <p:sp>
-        <p:nvSpPr>
-          <p:cNvPr id="6" name="Footer Placeholder 5"/>
-          <p:cNvSpPr>
-            <a:spLocks noGrp="1"/>
-          </p:cNvSpPr>
-          <p:nvPr>
-            <p:ph type="ftr" sz="quarter" idx="11"/>
-          </p:nvPr>
-        </p:nvSpPr>
-        <p:spPr/>
-        <p:txBody>
-          <a:bodyPr/>
-          <a:lstStyle/>
-          <a:p>
-            <a:endParaRPr lang="en-US"/>
-          </a:p>
-        </p:txBody>
-      </p:sp>
-      <p:sp>
-        <p:nvSpPr>
-          <p:cNvPr id="7" name="Slide Number Placeholder 6"/>
-          <p:cNvSpPr>
-            <a:spLocks noGrp="1"/>
-          </p:cNvSpPr>
-          <p:nvPr>
-            <p:ph type="sldNum" sz="quarter" idx="12"/>
-          </p:nvPr>
-        </p:nvSpPr>
-        <p:spPr/>
-        <p:txBody>
-          <a:bodyPr/>
-          <a:lstStyle/>
-          <a:p>
-            <a:fld id="{C1FF6DA9-008F-8B48-92A6-B652298478BF}" type="slidenum">
-              <a:rPr lang="en-US" smtClean="0"/>
+              <a:pPr/>
               <a:t>‹#›</a:t>
             </a:fld>
-            <a:endParaRPr lang="en-US"/>
+            <a:endParaRPr lang="en-US" dirty="0"/>
           </a:p>
         </p:txBody>
       </p:sp>
     </p:spTree>
     <p:extLst>
       <p:ext uri="{BB962C8B-B14F-4D97-AF65-F5344CB8AC3E}">
-        <p14:creationId xmlns:p14="http://schemas.microsoft.com/office/powerpoint/2010/main" val="1840726560"/>
+        <p14:creationId xmlns:p14="http://schemas.microsoft.com/office/powerpoint/2010/main" val="2664256635"/>
       </p:ext>
     </p:extLst>
   </p:cSld>
@@ -2334,35 +4924,67 @@
           <a:chExt cx="0" cy="0"/>
         </a:xfrm>
       </p:grpSpPr>
-      <p:sp>
-        <p:nvSpPr>
-          <p:cNvPr id="2" name="Title 1"/>
-          <p:cNvSpPr>
-            <a:spLocks noGrp="1"/>
-          </p:cNvSpPr>
-          <p:nvPr>
-            <p:ph type="title"/>
-          </p:nvPr>
-        </p:nvSpPr>
+      <p:pic>
+        <p:nvPicPr>
+          <p:cNvPr id="22" name="Picture 21" descr="Slate-V2-HD-vertPhotoInset.png"/>
+          <p:cNvPicPr>
+            <a:picLocks noChangeAspect="1"/>
+          </p:cNvPicPr>
+          <p:nvPr/>
+        </p:nvPicPr>
+        <p:blipFill>
+          <a:blip r:embed="rId2">
+            <a:extLst>
+              <a:ext uri="{28A0092B-C50C-407E-A947-70E740481C1C}">
+                <a14:useLocalDpi xmlns:a14="http://schemas.microsoft.com/office/drawing/2010/main" val="0"/>
+              </a:ext>
+            </a:extLst>
+          </a:blip>
+          <a:stretch>
+            <a:fillRect/>
+          </a:stretch>
+        </p:blipFill>
         <p:spPr>
           <a:xfrm>
-            <a:off x="1792288" y="4800600"/>
-            <a:ext cx="5486400" cy="566738"/>
+            <a:off x="7293665" y="609600"/>
+            <a:ext cx="3584166" cy="5204832"/>
+          </a:xfrm>
+          <a:prstGeom prst="rect">
+            <a:avLst/>
+          </a:prstGeom>
+        </p:spPr>
+      </p:pic>
+      <p:sp>
+        <p:nvSpPr>
+          <p:cNvPr id="2" name="Title 1"/>
+          <p:cNvSpPr>
+            <a:spLocks noGrp="1"/>
+          </p:cNvSpPr>
+          <p:nvPr>
+            <p:ph type="title"/>
+          </p:nvPr>
+        </p:nvSpPr>
+        <p:spPr>
+          <a:xfrm>
+            <a:off x="913795" y="609923"/>
+            <a:ext cx="5934949" cy="1829338"/>
           </a:xfrm>
         </p:spPr>
         <p:txBody>
-          <a:bodyPr anchor="b"/>
+          <a:bodyPr anchor="b">
+            <a:noAutofit/>
+          </a:bodyPr>
           <a:lstStyle>
-            <a:lvl1pPr algn="l">
-              <a:defRPr sz="2000" b="1"/>
+            <a:lvl1pPr algn="ctr">
+              <a:defRPr sz="3200" b="0"/>
             </a:lvl1pPr>
           </a:lstStyle>
           <a:p>
             <a:r>
-              <a:rPr lang="en-US" smtClean="0"/>
+              <a:rPr lang="en-US"/>
               <a:t>Click to edit Master title style</a:t>
             </a:r>
-            <a:endParaRPr lang="en-US"/>
+            <a:endParaRPr lang="en-US" dirty="0"/>
           </a:p>
         </p:txBody>
       </p:sp>
@@ -2370,7 +4992,7 @@
         <p:nvSpPr>
           <p:cNvPr id="3" name="Picture Placeholder 2"/>
           <p:cNvSpPr>
-            <a:spLocks noGrp="1"/>
+            <a:spLocks noGrp="1" noChangeAspect="1"/>
           </p:cNvSpPr>
           <p:nvPr>
             <p:ph type="pic" idx="1"/>
@@ -2378,77 +5000,92 @@
         </p:nvSpPr>
         <p:spPr>
           <a:xfrm>
-            <a:off x="1792288" y="612775"/>
-            <a:ext cx="5486400" cy="4114800"/>
+            <a:off x="7442551" y="763702"/>
+            <a:ext cx="3275751" cy="4912822"/>
+          </a:xfrm>
+          <a:effectLst>
+            <a:outerShdw blurRad="38100" dist="25400" dir="4440000">
+              <a:srgbClr val="000000">
+                <a:alpha val="36000"/>
+              </a:srgbClr>
+            </a:outerShdw>
+          </a:effectLst>
+        </p:spPr>
+        <p:txBody>
+          <a:bodyPr anchor="t">
+            <a:normAutofit/>
+          </a:bodyPr>
+          <a:lstStyle>
+            <a:lvl1pPr marL="0" indent="0" algn="ctr">
+              <a:buNone/>
+              <a:defRPr sz="1600"/>
+            </a:lvl1pPr>
+            <a:lvl2pPr marL="457200" indent="0">
+              <a:buNone/>
+              <a:defRPr sz="1600"/>
+            </a:lvl2pPr>
+            <a:lvl3pPr marL="914400" indent="0">
+              <a:buNone/>
+              <a:defRPr sz="1600"/>
+            </a:lvl3pPr>
+            <a:lvl4pPr marL="1371600" indent="0">
+              <a:buNone/>
+              <a:defRPr sz="1600"/>
+            </a:lvl4pPr>
+            <a:lvl5pPr marL="1828800" indent="0">
+              <a:buNone/>
+              <a:defRPr sz="1600"/>
+            </a:lvl5pPr>
+            <a:lvl6pPr marL="2286000" indent="0">
+              <a:buNone/>
+              <a:defRPr sz="1600"/>
+            </a:lvl6pPr>
+            <a:lvl7pPr marL="2743200" indent="0">
+              <a:buNone/>
+              <a:defRPr sz="1600"/>
+            </a:lvl7pPr>
+            <a:lvl8pPr marL="3200400" indent="0">
+              <a:buNone/>
+              <a:defRPr sz="1600"/>
+            </a:lvl8pPr>
+            <a:lvl9pPr marL="3657600" indent="0">
+              <a:buNone/>
+              <a:defRPr sz="1600"/>
+            </a:lvl9pPr>
+          </a:lstStyle>
+          <a:p>
+            <a:r>
+              <a:rPr lang="en-US"/>
+              <a:t>Click icon to add picture</a:t>
+            </a:r>
+            <a:endParaRPr lang="en-US" dirty="0"/>
+          </a:p>
+        </p:txBody>
+      </p:sp>
+      <p:sp>
+        <p:nvSpPr>
+          <p:cNvPr id="4" name="Text Placeholder 3"/>
+          <p:cNvSpPr>
+            <a:spLocks noGrp="1"/>
+          </p:cNvSpPr>
+          <p:nvPr>
+            <p:ph type="body" sz="half" idx="2"/>
+          </p:nvPr>
+        </p:nvSpPr>
+        <p:spPr>
+          <a:xfrm>
+            <a:off x="913795" y="2439261"/>
+            <a:ext cx="5934949" cy="3376134"/>
           </a:xfrm>
         </p:spPr>
         <p:txBody>
-          <a:bodyPr/>
+          <a:bodyPr anchor="t">
+            <a:normAutofit/>
+          </a:bodyPr>
           <a:lstStyle>
-            <a:lvl1pPr marL="0" indent="0">
-              <a:buNone/>
-              <a:defRPr sz="3200"/>
-            </a:lvl1pPr>
-            <a:lvl2pPr marL="457200" indent="0">
-              <a:buNone/>
-              <a:defRPr sz="2800"/>
-            </a:lvl2pPr>
-            <a:lvl3pPr marL="914400" indent="0">
-              <a:buNone/>
-              <a:defRPr sz="2400"/>
-            </a:lvl3pPr>
-            <a:lvl4pPr marL="1371600" indent="0">
-              <a:buNone/>
-              <a:defRPr sz="2000"/>
-            </a:lvl4pPr>
-            <a:lvl5pPr marL="1828800" indent="0">
-              <a:buNone/>
-              <a:defRPr sz="2000"/>
-            </a:lvl5pPr>
-            <a:lvl6pPr marL="2286000" indent="0">
-              <a:buNone/>
-              <a:defRPr sz="2000"/>
-            </a:lvl6pPr>
-            <a:lvl7pPr marL="2743200" indent="0">
-              <a:buNone/>
-              <a:defRPr sz="2000"/>
-            </a:lvl7pPr>
-            <a:lvl8pPr marL="3200400" indent="0">
-              <a:buNone/>
-              <a:defRPr sz="2000"/>
-            </a:lvl8pPr>
-            <a:lvl9pPr marL="3657600" indent="0">
-              <a:buNone/>
-              <a:defRPr sz="2000"/>
-            </a:lvl9pPr>
-          </a:lstStyle>
-          <a:p>
-            <a:endParaRPr lang="en-US"/>
-          </a:p>
-        </p:txBody>
-      </p:sp>
-      <p:sp>
-        <p:nvSpPr>
-          <p:cNvPr id="4" name="Text Placeholder 3"/>
-          <p:cNvSpPr>
-            <a:spLocks noGrp="1"/>
-          </p:cNvSpPr>
-          <p:nvPr>
-            <p:ph type="body" sz="half" idx="2"/>
-          </p:nvPr>
-        </p:nvSpPr>
-        <p:spPr>
-          <a:xfrm>
-            <a:off x="1792288" y="5367338"/>
-            <a:ext cx="5486400" cy="804862"/>
-          </a:xfrm>
-        </p:spPr>
-        <p:txBody>
-          <a:bodyPr/>
-          <a:lstStyle>
-            <a:lvl1pPr marL="0" indent="0">
-              <a:buNone/>
-              <a:defRPr sz="1400"/>
+            <a:lvl1pPr marL="0" indent="0" algn="ctr">
+              <a:buNone/>
+              <a:defRPr sz="1600"/>
             </a:lvl1pPr>
             <a:lvl2pPr marL="457200" indent="0">
               <a:buNone/>
@@ -2486,20 +5123,44 @@
           <a:p>
             <a:pPr lvl="0"/>
             <a:r>
+              <a:rPr lang="en-US"/>
+              <a:t>Edit Master text styles</a:t>
+            </a:r>
+          </a:p>
+        </p:txBody>
+      </p:sp>
+      <p:sp>
+        <p:nvSpPr>
+          <p:cNvPr id="5" name="Date Placeholder 4"/>
+          <p:cNvSpPr>
+            <a:spLocks noGrp="1"/>
+          </p:cNvSpPr>
+          <p:nvPr>
+            <p:ph type="dt" sz="half" idx="10"/>
+          </p:nvPr>
+        </p:nvSpPr>
+        <p:spPr/>
+        <p:txBody>
+          <a:bodyPr/>
+          <a:lstStyle/>
+          <a:p>
+            <a:fld id="{B61BEF0D-F0BB-DE4B-95CE-6DB70DBA9567}" type="datetimeFigureOut">
               <a:rPr lang="en-US" smtClean="0"/>
-              <a:t>Click to edit Master text styles</a:t>
-            </a:r>
-          </a:p>
-        </p:txBody>
-      </p:sp>
-      <p:sp>
-        <p:nvSpPr>
-          <p:cNvPr id="5" name="Date Placeholder 4"/>
-          <p:cNvSpPr>
-            <a:spLocks noGrp="1"/>
-          </p:cNvSpPr>
-          <p:nvPr>
-            <p:ph type="dt" sz="half" idx="10"/>
+              <a:pPr/>
+              <a:t>11/8/2023</a:t>
+            </a:fld>
+            <a:endParaRPr lang="en-US" dirty="0"/>
+          </a:p>
+        </p:txBody>
+      </p:sp>
+      <p:sp>
+        <p:nvSpPr>
+          <p:cNvPr id="6" name="Footer Placeholder 5"/>
+          <p:cNvSpPr>
+            <a:spLocks noGrp="1"/>
+          </p:cNvSpPr>
+          <p:nvPr>
+            <p:ph type="ftr" sz="quarter" idx="11"/>
           </p:nvPr>
         </p:nvSpPr>
         <p:spPr/>
@@ -2507,60 +5168,38 @@
           <a:bodyPr/>
           <a:lstStyle/>
           <a:p>
-            <a:fld id="{5BCAD085-E8A6-8845-BD4E-CB4CCA059FC4}" type="datetimeFigureOut">
+            <a:endParaRPr lang="en-US" dirty="0"/>
+          </a:p>
+        </p:txBody>
+      </p:sp>
+      <p:sp>
+        <p:nvSpPr>
+          <p:cNvPr id="7" name="Slide Number Placeholder 6"/>
+          <p:cNvSpPr>
+            <a:spLocks noGrp="1"/>
+          </p:cNvSpPr>
+          <p:nvPr>
+            <p:ph type="sldNum" sz="quarter" idx="12"/>
+          </p:nvPr>
+        </p:nvSpPr>
+        <p:spPr/>
+        <p:txBody>
+          <a:bodyPr/>
+          <a:lstStyle/>
+          <a:p>
+            <a:fld id="{D57F1E4F-1CFF-5643-939E-217C01CDF565}" type="slidenum">
               <a:rPr lang="en-US" smtClean="0"/>
-              <a:t>1/27/13</a:t>
-            </a:fld>
-            <a:endParaRPr lang="en-US"/>
-          </a:p>
-        </p:txBody>
-      </p:sp>
-      <p:sp>
-        <p:nvSpPr>
-          <p:cNvPr id="6" name="Footer Placeholder 5"/>
-          <p:cNvSpPr>
-            <a:spLocks noGrp="1"/>
-          </p:cNvSpPr>
-          <p:nvPr>
-            <p:ph type="ftr" sz="quarter" idx="11"/>
-          </p:nvPr>
-        </p:nvSpPr>
-        <p:spPr/>
-        <p:txBody>
-          <a:bodyPr/>
-          <a:lstStyle/>
-          <a:p>
-            <a:endParaRPr lang="en-US"/>
-          </a:p>
-        </p:txBody>
-      </p:sp>
-      <p:sp>
-        <p:nvSpPr>
-          <p:cNvPr id="7" name="Slide Number Placeholder 6"/>
-          <p:cNvSpPr>
-            <a:spLocks noGrp="1"/>
-          </p:cNvSpPr>
-          <p:nvPr>
-            <p:ph type="sldNum" sz="quarter" idx="12"/>
-          </p:nvPr>
-        </p:nvSpPr>
-        <p:spPr/>
-        <p:txBody>
-          <a:bodyPr/>
-          <a:lstStyle/>
-          <a:p>
-            <a:fld id="{C1FF6DA9-008F-8B48-92A6-B652298478BF}" type="slidenum">
-              <a:rPr lang="en-US" smtClean="0"/>
+              <a:pPr/>
               <a:t>‹#›</a:t>
             </a:fld>
-            <a:endParaRPr lang="en-US"/>
+            <a:endParaRPr lang="en-US" dirty="0"/>
           </a:p>
         </p:txBody>
       </p:sp>
     </p:spTree>
     <p:extLst>
       <p:ext uri="{BB962C8B-B14F-4D97-AF65-F5344CB8AC3E}">
-        <p14:creationId xmlns:p14="http://schemas.microsoft.com/office/powerpoint/2010/main" val="3889236939"/>
+        <p14:creationId xmlns:p14="http://schemas.microsoft.com/office/powerpoint/2010/main" val="1672202738"/>
       </p:ext>
     </p:extLst>
   </p:cSld>
@@ -2574,8 +5213,8 @@
 <p:sldMaster xmlns:a="http://schemas.openxmlformats.org/drawingml/2006/main" xmlns:r="http://schemas.openxmlformats.org/officeDocument/2006/relationships" xmlns:p="http://schemas.openxmlformats.org/presentationml/2006/main">
   <p:cSld>
     <p:bg>
-      <p:bgRef idx="1001">
-        <a:schemeClr val="bg1"/>
+      <p:bgRef idx="1003">
+        <a:schemeClr val="bg2"/>
       </p:bgRef>
     </p:bg>
     <p:spTree>
@@ -2604,103 +5243,210 @@
         </p:nvSpPr>
         <p:spPr>
           <a:xfrm>
-            <a:off x="457200" y="274638"/>
-            <a:ext cx="8229600" cy="1143000"/>
+            <a:off x="913795" y="609600"/>
+            <a:ext cx="10353762" cy="970450"/>
+          </a:xfrm>
+          <a:prstGeom prst="rect">
+            <a:avLst/>
+          </a:prstGeom>
+          <a:effectLst>
+            <a:outerShdw blurRad="25400" dir="17880000">
+              <a:srgbClr val="000000">
+                <a:alpha val="46000"/>
+              </a:srgbClr>
+            </a:outerShdw>
+          </a:effectLst>
+        </p:spPr>
+        <p:txBody>
+          <a:bodyPr vert="horz" lIns="91440" tIns="45720" rIns="91440" bIns="45720" rtlCol="0" anchor="ctr">
+            <a:normAutofit/>
+          </a:bodyPr>
+          <a:lstStyle/>
+          <a:p>
+            <a:r>
+              <a:rPr lang="en-US"/>
+              <a:t>Click to edit Master title style</a:t>
+            </a:r>
+            <a:endParaRPr lang="en-US" dirty="0"/>
+          </a:p>
+        </p:txBody>
+      </p:sp>
+      <p:sp>
+        <p:nvSpPr>
+          <p:cNvPr id="3" name="Text Placeholder 2"/>
+          <p:cNvSpPr>
+            <a:spLocks noGrp="1"/>
+          </p:cNvSpPr>
+          <p:nvPr>
+            <p:ph type="body" idx="1"/>
+          </p:nvPr>
+        </p:nvSpPr>
+        <p:spPr>
+          <a:xfrm>
+            <a:off x="913795" y="1732449"/>
+            <a:ext cx="10353762" cy="4058751"/>
+          </a:xfrm>
+          <a:prstGeom prst="rect">
+            <a:avLst/>
+          </a:prstGeom>
+          <a:effectLst>
+            <a:outerShdw blurRad="25400" dir="17880000">
+              <a:srgbClr val="000000">
+                <a:alpha val="46000"/>
+              </a:srgbClr>
+            </a:outerShdw>
+          </a:effectLst>
+        </p:spPr>
+        <p:txBody>
+          <a:bodyPr vert="horz" lIns="91440" tIns="45720" rIns="91440" bIns="45720" rtlCol="0" anchor="t">
+            <a:normAutofit/>
+          </a:bodyPr>
+          <a:lstStyle/>
+          <a:p>
+            <a:pPr lvl="0"/>
+            <a:r>
+              <a:rPr lang="en-US"/>
+              <a:t>Edit Master text styles</a:t>
+            </a:r>
+          </a:p>
+          <a:p>
+            <a:pPr lvl="1"/>
+            <a:r>
+              <a:rPr lang="en-US"/>
+              <a:t>Second level</a:t>
+            </a:r>
+          </a:p>
+          <a:p>
+            <a:pPr lvl="2"/>
+            <a:r>
+              <a:rPr lang="en-US"/>
+              <a:t>Third level</a:t>
+            </a:r>
+          </a:p>
+          <a:p>
+            <a:pPr lvl="3"/>
+            <a:r>
+              <a:rPr lang="en-US"/>
+              <a:t>Fourth level</a:t>
+            </a:r>
+          </a:p>
+          <a:p>
+            <a:pPr lvl="4"/>
+            <a:r>
+              <a:rPr lang="en-US"/>
+              <a:t>Fifth level</a:t>
+            </a:r>
+            <a:endParaRPr lang="en-US" dirty="0"/>
+          </a:p>
+        </p:txBody>
+      </p:sp>
+      <p:sp>
+        <p:nvSpPr>
+          <p:cNvPr id="4" name="Date Placeholder 3"/>
+          <p:cNvSpPr>
+            <a:spLocks noGrp="1"/>
+          </p:cNvSpPr>
+          <p:nvPr>
+            <p:ph type="dt" sz="half" idx="2"/>
+          </p:nvPr>
+        </p:nvSpPr>
+        <p:spPr>
+          <a:xfrm>
+            <a:off x="7678736" y="5883275"/>
+            <a:ext cx="2743200" cy="365125"/>
           </a:xfrm>
           <a:prstGeom prst="rect">
             <a:avLst/>
           </a:prstGeom>
         </p:spPr>
         <p:txBody>
-          <a:bodyPr vert="horz" lIns="91440" tIns="45720" rIns="91440" bIns="45720" rtlCol="0" anchor="ctr">
-            <a:normAutofit/>
-          </a:bodyPr>
-          <a:lstStyle/>
-          <a:p>
-            <a:r>
+          <a:bodyPr vert="horz" lIns="91440" tIns="45720" rIns="91440" bIns="45720" rtlCol="0" anchor="ctr"/>
+          <a:lstStyle>
+            <a:lvl1pPr algn="r">
+              <a:defRPr sz="1000">
+                <a:solidFill>
+                  <a:schemeClr val="tx1">
+                    <a:lumMod val="95000"/>
+                  </a:schemeClr>
+                </a:solidFill>
+                <a:effectLst>
+                  <a:outerShdw blurRad="50800" dist="38100" dir="2700000" algn="tl" rotWithShape="0">
+                    <a:schemeClr val="bg1">
+                      <a:alpha val="43000"/>
+                    </a:schemeClr>
+                  </a:outerShdw>
+                </a:effectLst>
+              </a:defRPr>
+            </a:lvl1pPr>
+          </a:lstStyle>
+          <a:p>
+            <a:fld id="{B61BEF0D-F0BB-DE4B-95CE-6DB70DBA9567}" type="datetimeFigureOut">
               <a:rPr lang="en-US" smtClean="0"/>
-              <a:t>Click to edit Master title style</a:t>
-            </a:r>
-            <a:endParaRPr lang="en-US"/>
-          </a:p>
-        </p:txBody>
-      </p:sp>
-      <p:sp>
-        <p:nvSpPr>
-          <p:cNvPr id="3" name="Text Placeholder 2"/>
-          <p:cNvSpPr>
-            <a:spLocks noGrp="1"/>
-          </p:cNvSpPr>
-          <p:nvPr>
-            <p:ph type="body" idx="1"/>
+              <a:pPr/>
+              <a:t>11/8/2023</a:t>
+            </a:fld>
+            <a:endParaRPr lang="en-US" dirty="0"/>
+          </a:p>
+        </p:txBody>
+      </p:sp>
+      <p:sp>
+        <p:nvSpPr>
+          <p:cNvPr id="5" name="Footer Placeholder 4"/>
+          <p:cNvSpPr>
+            <a:spLocks noGrp="1"/>
+          </p:cNvSpPr>
+          <p:nvPr>
+            <p:ph type="ftr" sz="quarter" idx="3"/>
           </p:nvPr>
         </p:nvSpPr>
         <p:spPr>
           <a:xfrm>
-            <a:off x="457200" y="1600200"/>
-            <a:ext cx="8229600" cy="4525963"/>
+            <a:off x="913795" y="5883275"/>
+            <a:ext cx="6672865" cy="365125"/>
           </a:xfrm>
           <a:prstGeom prst="rect">
             <a:avLst/>
           </a:prstGeom>
         </p:spPr>
         <p:txBody>
-          <a:bodyPr vert="horz" lIns="91440" tIns="45720" rIns="91440" bIns="45720" rtlCol="0">
-            <a:normAutofit/>
-          </a:bodyPr>
-          <a:lstStyle/>
-          <a:p>
-            <a:pPr lvl="0"/>
-            <a:r>
-              <a:rPr lang="en-US" smtClean="0"/>
-              <a:t>Click to edit Master text styles</a:t>
-            </a:r>
-          </a:p>
-          <a:p>
-            <a:pPr lvl="1"/>
-            <a:r>
-              <a:rPr lang="en-US" smtClean="0"/>
-              <a:t>Second level</a:t>
-            </a:r>
-          </a:p>
-          <a:p>
-            <a:pPr lvl="2"/>
-            <a:r>
-              <a:rPr lang="en-US" smtClean="0"/>
-              <a:t>Third level</a:t>
-            </a:r>
-          </a:p>
-          <a:p>
-            <a:pPr lvl="3"/>
-            <a:r>
-              <a:rPr lang="en-US" smtClean="0"/>
-              <a:t>Fourth level</a:t>
-            </a:r>
-          </a:p>
-          <a:p>
-            <a:pPr lvl="4"/>
-            <a:r>
-              <a:rPr lang="en-US" smtClean="0"/>
-              <a:t>Fifth level</a:t>
-            </a:r>
-            <a:endParaRPr lang="en-US"/>
-          </a:p>
-        </p:txBody>
-      </p:sp>
-      <p:sp>
-        <p:nvSpPr>
-          <p:cNvPr id="4" name="Date Placeholder 3"/>
-          <p:cNvSpPr>
-            <a:spLocks noGrp="1"/>
-          </p:cNvSpPr>
-          <p:nvPr>
-            <p:ph type="dt" sz="half" idx="2"/>
+          <a:bodyPr vert="horz" lIns="91440" tIns="45720" rIns="91440" bIns="45720" rtlCol="0" anchor="ctr"/>
+          <a:lstStyle>
+            <a:lvl1pPr algn="l">
+              <a:defRPr sz="1000">
+                <a:solidFill>
+                  <a:schemeClr val="tx1">
+                    <a:lumMod val="95000"/>
+                  </a:schemeClr>
+                </a:solidFill>
+                <a:effectLst>
+                  <a:outerShdw blurRad="50800" dist="38100" dir="2700000" algn="tl" rotWithShape="0">
+                    <a:schemeClr val="bg1">
+                      <a:alpha val="43000"/>
+                    </a:schemeClr>
+                  </a:outerShdw>
+                </a:effectLst>
+              </a:defRPr>
+            </a:lvl1pPr>
+          </a:lstStyle>
+          <a:p>
+            <a:endParaRPr lang="en-US" dirty="0"/>
+          </a:p>
+        </p:txBody>
+      </p:sp>
+      <p:sp>
+        <p:nvSpPr>
+          <p:cNvPr id="6" name="Slide Number Placeholder 5"/>
+          <p:cNvSpPr>
+            <a:spLocks noGrp="1"/>
+          </p:cNvSpPr>
+          <p:nvPr>
+            <p:ph type="sldNum" sz="quarter" idx="4"/>
           </p:nvPr>
         </p:nvSpPr>
         <p:spPr>
           <a:xfrm>
-            <a:off x="457200" y="6356350"/>
-            <a:ext cx="2133600" cy="365125"/>
+            <a:off x="10514011" y="5883275"/>
+            <a:ext cx="753545" cy="365125"/>
           </a:xfrm>
           <a:prstGeom prst="rect">
             <a:avLst/>
@@ -2709,123 +5455,59 @@
         <p:txBody>
           <a:bodyPr vert="horz" lIns="91440" tIns="45720" rIns="91440" bIns="45720" rtlCol="0" anchor="ctr"/>
           <a:lstStyle>
-            <a:lvl1pPr algn="l">
-              <a:defRPr sz="1200">
+            <a:lvl1pPr algn="r">
+              <a:defRPr sz="1000">
                 <a:solidFill>
                   <a:schemeClr val="tx1">
-                    <a:tint val="75000"/>
+                    <a:lumMod val="95000"/>
                   </a:schemeClr>
                 </a:solidFill>
+                <a:effectLst>
+                  <a:outerShdw blurRad="50800" dist="38100" dir="2700000" algn="tl" rotWithShape="0">
+                    <a:schemeClr val="bg1">
+                      <a:alpha val="43000"/>
+                    </a:schemeClr>
+                  </a:outerShdw>
+                </a:effectLst>
               </a:defRPr>
             </a:lvl1pPr>
           </a:lstStyle>
           <a:p>
-            <a:fld id="{5BCAD085-E8A6-8845-BD4E-CB4CCA059FC4}" type="datetimeFigureOut">
+            <a:fld id="{D57F1E4F-1CFF-5643-939E-217C01CDF565}" type="slidenum">
               <a:rPr lang="en-US" smtClean="0"/>
-              <a:t>1/27/13</a:t>
-            </a:fld>
-            <a:endParaRPr lang="en-US"/>
-          </a:p>
-        </p:txBody>
-      </p:sp>
-      <p:sp>
-        <p:nvSpPr>
-          <p:cNvPr id="5" name="Footer Placeholder 4"/>
-          <p:cNvSpPr>
-            <a:spLocks noGrp="1"/>
-          </p:cNvSpPr>
-          <p:nvPr>
-            <p:ph type="ftr" sz="quarter" idx="3"/>
-          </p:nvPr>
-        </p:nvSpPr>
-        <p:spPr>
-          <a:xfrm>
-            <a:off x="3124200" y="6356350"/>
-            <a:ext cx="2895600" cy="365125"/>
-          </a:xfrm>
-          <a:prstGeom prst="rect">
-            <a:avLst/>
-          </a:prstGeom>
-        </p:spPr>
-        <p:txBody>
-          <a:bodyPr vert="horz" lIns="91440" tIns="45720" rIns="91440" bIns="45720" rtlCol="0" anchor="ctr"/>
-          <a:lstStyle>
-            <a:lvl1pPr algn="ctr">
-              <a:defRPr sz="1200">
-                <a:solidFill>
-                  <a:schemeClr val="tx1">
-                    <a:tint val="75000"/>
-                  </a:schemeClr>
-                </a:solidFill>
-              </a:defRPr>
-            </a:lvl1pPr>
-          </a:lstStyle>
-          <a:p>
-            <a:endParaRPr lang="en-US"/>
-          </a:p>
-        </p:txBody>
-      </p:sp>
-      <p:sp>
-        <p:nvSpPr>
-          <p:cNvPr id="6" name="Slide Number Placeholder 5"/>
-          <p:cNvSpPr>
-            <a:spLocks noGrp="1"/>
-          </p:cNvSpPr>
-          <p:nvPr>
-            <p:ph type="sldNum" sz="quarter" idx="4"/>
-          </p:nvPr>
-        </p:nvSpPr>
-        <p:spPr>
-          <a:xfrm>
-            <a:off x="6553200" y="6356350"/>
-            <a:ext cx="2133600" cy="365125"/>
-          </a:xfrm>
-          <a:prstGeom prst="rect">
-            <a:avLst/>
-          </a:prstGeom>
-        </p:spPr>
-        <p:txBody>
-          <a:bodyPr vert="horz" lIns="91440" tIns="45720" rIns="91440" bIns="45720" rtlCol="0" anchor="ctr"/>
-          <a:lstStyle>
-            <a:lvl1pPr algn="r">
-              <a:defRPr sz="1200">
-                <a:solidFill>
-                  <a:schemeClr val="tx1">
-                    <a:tint val="75000"/>
-                  </a:schemeClr>
-                </a:solidFill>
-              </a:defRPr>
-            </a:lvl1pPr>
-          </a:lstStyle>
-          <a:p>
-            <a:fld id="{C1FF6DA9-008F-8B48-92A6-B652298478BF}" type="slidenum">
-              <a:rPr lang="en-US" smtClean="0"/>
+              <a:pPr/>
               <a:t>‹#›</a:t>
             </a:fld>
-            <a:endParaRPr lang="en-US"/>
+            <a:endParaRPr lang="en-US" dirty="0"/>
           </a:p>
         </p:txBody>
       </p:sp>
     </p:spTree>
     <p:extLst>
       <p:ext uri="{BB962C8B-B14F-4D97-AF65-F5344CB8AC3E}">
-        <p14:creationId xmlns:p14="http://schemas.microsoft.com/office/powerpoint/2010/main" val="2209977519"/>
+        <p14:creationId xmlns:p14="http://schemas.microsoft.com/office/powerpoint/2010/main" val="2259534222"/>
       </p:ext>
     </p:extLst>
   </p:cSld>
-  <p:clrMap bg1="lt1" tx1="dk1" bg2="lt2" tx2="dk2" accent1="accent1" accent2="accent2" accent3="accent3" accent4="accent4" accent5="accent5" accent6="accent6" hlink="hlink" folHlink="folHlink"/>
+  <p:clrMap bg1="dk1" tx1="lt1" bg2="dk2" tx2="lt2" accent1="accent1" accent2="accent2" accent3="accent3" accent4="accent4" accent5="accent5" accent6="accent6" hlink="hlink" folHlink="folHlink"/>
   <p:sldLayoutIdLst>
-    <p:sldLayoutId id="2147483649" r:id="rId1"/>
-    <p:sldLayoutId id="2147483650" r:id="rId2"/>
-    <p:sldLayoutId id="2147483651" r:id="rId3"/>
-    <p:sldLayoutId id="2147483652" r:id="rId4"/>
-    <p:sldLayoutId id="2147483653" r:id="rId5"/>
-    <p:sldLayoutId id="2147483654" r:id="rId6"/>
-    <p:sldLayoutId id="2147483655" r:id="rId7"/>
-    <p:sldLayoutId id="2147483656" r:id="rId8"/>
-    <p:sldLayoutId id="2147483657" r:id="rId9"/>
-    <p:sldLayoutId id="2147483658" r:id="rId10"/>
-    <p:sldLayoutId id="2147483659" r:id="rId11"/>
+    <p:sldLayoutId id="2147483792" r:id="rId1"/>
+    <p:sldLayoutId id="2147483793" r:id="rId2"/>
+    <p:sldLayoutId id="2147483794" r:id="rId3"/>
+    <p:sldLayoutId id="2147483795" r:id="rId4"/>
+    <p:sldLayoutId id="2147483796" r:id="rId5"/>
+    <p:sldLayoutId id="2147483797" r:id="rId6"/>
+    <p:sldLayoutId id="2147483798" r:id="rId7"/>
+    <p:sldLayoutId id="2147483799" r:id="rId8"/>
+    <p:sldLayoutId id="2147483800" r:id="rId9"/>
+    <p:sldLayoutId id="2147483801" r:id="rId10"/>
+    <p:sldLayoutId id="2147483802" r:id="rId11"/>
+    <p:sldLayoutId id="2147483803" r:id="rId12"/>
+    <p:sldLayoutId id="2147483804" r:id="rId13"/>
+    <p:sldLayoutId id="2147483805" r:id="rId14"/>
+    <p:sldLayoutId id="2147483806" r:id="rId15"/>
+    <p:sldLayoutId id="2147483807" r:id="rId16"/>
+    <p:sldLayoutId id="2147483808" r:id="rId17"/>
   </p:sldLayoutIdLst>
   <p:txStyles>
     <p:titleStyle>
@@ -2834,147 +5516,426 @@
           <a:spcPct val="0"/>
         </a:spcBef>
         <a:buNone/>
-        <a:defRPr sz="4400" kern="1200">
+        <a:defRPr sz="4000" kern="1200">
+          <a:ln>
+            <a:solidFill>
+              <a:schemeClr val="bg1">
+                <a:lumMod val="75000"/>
+                <a:lumOff val="25000"/>
+                <a:alpha val="10000"/>
+              </a:schemeClr>
+            </a:solidFill>
+          </a:ln>
           <a:solidFill>
-            <a:schemeClr val="tx1"/>
+            <a:schemeClr val="tx2"/>
           </a:solidFill>
+          <a:effectLst>
+            <a:outerShdw blurRad="9525" dist="25400" dir="14640000" algn="tl" rotWithShape="0">
+              <a:schemeClr val="bg1">
+                <a:alpha val="30000"/>
+              </a:schemeClr>
+            </a:outerShdw>
+          </a:effectLst>
           <a:latin typeface="+mj-lt"/>
           <a:ea typeface="+mj-ea"/>
-          <a:cs typeface="+mj-cs"/>
+          <a:cs typeface="Trebuchet MS"/>
         </a:defRPr>
       </a:lvl1pPr>
+      <a:lvl2pPr eaLnBrk="1" hangingPunct="1">
+        <a:defRPr>
+          <a:solidFill>
+            <a:schemeClr val="tx2"/>
+          </a:solidFill>
+        </a:defRPr>
+      </a:lvl2pPr>
+      <a:lvl3pPr eaLnBrk="1" hangingPunct="1">
+        <a:defRPr>
+          <a:solidFill>
+            <a:schemeClr val="tx2"/>
+          </a:solidFill>
+        </a:defRPr>
+      </a:lvl3pPr>
+      <a:lvl4pPr eaLnBrk="1" hangingPunct="1">
+        <a:defRPr>
+          <a:solidFill>
+            <a:schemeClr val="tx2"/>
+          </a:solidFill>
+        </a:defRPr>
+      </a:lvl4pPr>
+      <a:lvl5pPr eaLnBrk="1" hangingPunct="1">
+        <a:defRPr>
+          <a:solidFill>
+            <a:schemeClr val="tx2"/>
+          </a:solidFill>
+        </a:defRPr>
+      </a:lvl5pPr>
+      <a:lvl6pPr eaLnBrk="1" hangingPunct="1">
+        <a:defRPr>
+          <a:solidFill>
+            <a:schemeClr val="tx2"/>
+          </a:solidFill>
+        </a:defRPr>
+      </a:lvl6pPr>
+      <a:lvl7pPr eaLnBrk="1" hangingPunct="1">
+        <a:defRPr>
+          <a:solidFill>
+            <a:schemeClr val="tx2"/>
+          </a:solidFill>
+        </a:defRPr>
+      </a:lvl7pPr>
+      <a:lvl8pPr eaLnBrk="1" hangingPunct="1">
+        <a:defRPr>
+          <a:solidFill>
+            <a:schemeClr val="tx2"/>
+          </a:solidFill>
+        </a:defRPr>
+      </a:lvl8pPr>
+      <a:lvl9pPr eaLnBrk="1" hangingPunct="1">
+        <a:defRPr>
+          <a:solidFill>
+            <a:schemeClr val="tx2"/>
+          </a:solidFill>
+        </a:defRPr>
+      </a:lvl9pPr>
     </p:titleStyle>
     <p:bodyStyle>
-      <a:lvl1pPr marL="342900" indent="-342900" algn="l" defTabSz="457200" rtl="0" eaLnBrk="1" latinLnBrk="0" hangingPunct="1">
+      <a:lvl1pPr marL="342900" indent="-306000" algn="l" defTabSz="457200" rtl="0" eaLnBrk="1" latinLnBrk="0" hangingPunct="1">
         <a:spcBef>
           <a:spcPct val="20000"/>
         </a:spcBef>
-        <a:buFont typeface="Arial"/>
-        <a:buChar char="•"/>
-        <a:defRPr sz="3200" kern="1200">
+        <a:spcAft>
+          <a:spcPts val="600"/>
+        </a:spcAft>
+        <a:buClr>
+          <a:schemeClr val="tx2"/>
+        </a:buClr>
+        <a:buSzPct val="70000"/>
+        <a:buFont typeface="Wingdings 2" charset="2"/>
+        <a:buChar char=""/>
+        <a:defRPr sz="2000" kern="1200">
+          <a:ln>
+            <a:solidFill>
+              <a:schemeClr val="bg1">
+                <a:lumMod val="75000"/>
+                <a:lumOff val="25000"/>
+                <a:alpha val="10000"/>
+              </a:schemeClr>
+            </a:solidFill>
+          </a:ln>
           <a:solidFill>
-            <a:schemeClr val="tx1"/>
+            <a:schemeClr val="tx2"/>
           </a:solidFill>
+          <a:effectLst>
+            <a:outerShdw blurRad="9525" dist="25400" dir="14640000" algn="tl" rotWithShape="0">
+              <a:schemeClr val="bg1">
+                <a:alpha val="30000"/>
+              </a:schemeClr>
+            </a:outerShdw>
+          </a:effectLst>
           <a:latin typeface="+mn-lt"/>
           <a:ea typeface="+mn-ea"/>
           <a:cs typeface="+mn-cs"/>
         </a:defRPr>
       </a:lvl1pPr>
-      <a:lvl2pPr marL="742950" indent="-285750" algn="l" defTabSz="457200" rtl="0" eaLnBrk="1" latinLnBrk="0" hangingPunct="1">
+      <a:lvl2pPr marL="720000" indent="-270000" algn="l" defTabSz="457200" rtl="0" eaLnBrk="1" latinLnBrk="0" hangingPunct="1">
         <a:spcBef>
           <a:spcPct val="20000"/>
         </a:spcBef>
-        <a:buFont typeface="Arial"/>
-        <a:buChar char="–"/>
-        <a:defRPr sz="2800" kern="1200">
+        <a:spcAft>
+          <a:spcPts val="600"/>
+        </a:spcAft>
+        <a:buClr>
+          <a:schemeClr val="tx2"/>
+        </a:buClr>
+        <a:buSzPct val="70000"/>
+        <a:buFont typeface="Wingdings 2" charset="2"/>
+        <a:buChar char=""/>
+        <a:defRPr sz="1800" kern="1200">
+          <a:ln>
+            <a:solidFill>
+              <a:schemeClr val="bg1">
+                <a:lumMod val="75000"/>
+                <a:lumOff val="25000"/>
+                <a:alpha val="10000"/>
+              </a:schemeClr>
+            </a:solidFill>
+          </a:ln>
           <a:solidFill>
-            <a:schemeClr val="tx1"/>
+            <a:schemeClr val="tx2"/>
           </a:solidFill>
+          <a:effectLst>
+            <a:outerShdw blurRad="9525" dist="25400" dir="14640000" algn="tl" rotWithShape="0">
+              <a:schemeClr val="bg1">
+                <a:alpha val="30000"/>
+              </a:schemeClr>
+            </a:outerShdw>
+          </a:effectLst>
           <a:latin typeface="+mn-lt"/>
           <a:ea typeface="+mn-ea"/>
           <a:cs typeface="+mn-cs"/>
         </a:defRPr>
       </a:lvl2pPr>
-      <a:lvl3pPr marL="1143000" indent="-228600" algn="l" defTabSz="457200" rtl="0" eaLnBrk="1" latinLnBrk="0" hangingPunct="1">
+      <a:lvl3pPr marL="1026000" indent="-216000" algn="l" defTabSz="457200" rtl="0" eaLnBrk="1" latinLnBrk="0" hangingPunct="1">
         <a:spcBef>
           <a:spcPct val="20000"/>
         </a:spcBef>
-        <a:buFont typeface="Arial"/>
-        <a:buChar char="•"/>
-        <a:defRPr sz="2400" kern="1200">
+        <a:spcAft>
+          <a:spcPts val="600"/>
+        </a:spcAft>
+        <a:buClr>
+          <a:schemeClr val="tx2"/>
+        </a:buClr>
+        <a:buSzPct val="70000"/>
+        <a:buFont typeface="Wingdings 2" charset="2"/>
+        <a:buChar char=""/>
+        <a:defRPr sz="1600" kern="1200">
+          <a:ln>
+            <a:solidFill>
+              <a:schemeClr val="bg1">
+                <a:lumMod val="75000"/>
+                <a:lumOff val="25000"/>
+                <a:alpha val="10000"/>
+              </a:schemeClr>
+            </a:solidFill>
+          </a:ln>
           <a:solidFill>
-            <a:schemeClr val="tx1"/>
+            <a:schemeClr val="tx2"/>
           </a:solidFill>
+          <a:effectLst>
+            <a:outerShdw blurRad="9525" dist="25400" dir="14640000" algn="tl" rotWithShape="0">
+              <a:schemeClr val="bg1">
+                <a:alpha val="30000"/>
+              </a:schemeClr>
+            </a:outerShdw>
+          </a:effectLst>
           <a:latin typeface="+mn-lt"/>
           <a:ea typeface="+mn-ea"/>
           <a:cs typeface="+mn-cs"/>
         </a:defRPr>
       </a:lvl3pPr>
-      <a:lvl4pPr marL="1600200" indent="-228600" algn="l" defTabSz="457200" rtl="0" eaLnBrk="1" latinLnBrk="0" hangingPunct="1">
+      <a:lvl4pPr marL="1386000" indent="-216000" algn="l" defTabSz="457200" rtl="0" eaLnBrk="1" latinLnBrk="0" hangingPunct="1">
         <a:spcBef>
           <a:spcPct val="20000"/>
         </a:spcBef>
-        <a:buFont typeface="Arial"/>
-        <a:buChar char="–"/>
-        <a:defRPr sz="2000" kern="1200">
+        <a:spcAft>
+          <a:spcPts val="600"/>
+        </a:spcAft>
+        <a:buClr>
+          <a:schemeClr val="tx2"/>
+        </a:buClr>
+        <a:buSzPct val="70000"/>
+        <a:buFont typeface="Wingdings 2" charset="2"/>
+        <a:buChar char=""/>
+        <a:defRPr sz="1400" kern="1200">
+          <a:ln>
+            <a:solidFill>
+              <a:schemeClr val="bg1">
+                <a:lumMod val="75000"/>
+                <a:lumOff val="25000"/>
+                <a:alpha val="10000"/>
+              </a:schemeClr>
+            </a:solidFill>
+          </a:ln>
           <a:solidFill>
-            <a:schemeClr val="tx1"/>
+            <a:schemeClr val="tx2"/>
           </a:solidFill>
+          <a:effectLst>
+            <a:outerShdw blurRad="9525" dist="25400" dir="14640000" algn="tl" rotWithShape="0">
+              <a:schemeClr val="bg1">
+                <a:alpha val="30000"/>
+              </a:schemeClr>
+            </a:outerShdw>
+          </a:effectLst>
           <a:latin typeface="+mn-lt"/>
           <a:ea typeface="+mn-ea"/>
           <a:cs typeface="+mn-cs"/>
         </a:defRPr>
       </a:lvl4pPr>
-      <a:lvl5pPr marL="2057400" indent="-228600" algn="l" defTabSz="457200" rtl="0" eaLnBrk="1" latinLnBrk="0" hangingPunct="1">
+      <a:lvl5pPr marL="1674000" indent="-216000" algn="l" defTabSz="457200" rtl="0" eaLnBrk="1" latinLnBrk="0" hangingPunct="1">
         <a:spcBef>
           <a:spcPct val="20000"/>
         </a:spcBef>
-        <a:buFont typeface="Arial"/>
-        <a:buChar char="»"/>
-        <a:defRPr sz="2000" kern="1200">
+        <a:spcAft>
+          <a:spcPts val="600"/>
+        </a:spcAft>
+        <a:buClr>
+          <a:schemeClr val="tx2"/>
+        </a:buClr>
+        <a:buSzPct val="70000"/>
+        <a:buFont typeface="Wingdings 2" charset="2"/>
+        <a:buChar char=""/>
+        <a:defRPr sz="1400" kern="1200">
+          <a:ln>
+            <a:solidFill>
+              <a:schemeClr val="bg1">
+                <a:lumMod val="75000"/>
+                <a:lumOff val="25000"/>
+                <a:alpha val="10000"/>
+              </a:schemeClr>
+            </a:solidFill>
+          </a:ln>
           <a:solidFill>
-            <a:schemeClr val="tx1"/>
+            <a:schemeClr val="tx2"/>
           </a:solidFill>
+          <a:effectLst>
+            <a:outerShdw blurRad="9525" dist="25400" dir="14640000" algn="tl" rotWithShape="0">
+              <a:schemeClr val="bg1">
+                <a:alpha val="30000"/>
+              </a:schemeClr>
+            </a:outerShdw>
+          </a:effectLst>
           <a:latin typeface="+mn-lt"/>
           <a:ea typeface="+mn-ea"/>
           <a:cs typeface="+mn-cs"/>
         </a:defRPr>
       </a:lvl5pPr>
-      <a:lvl6pPr marL="2514600" indent="-228600" algn="l" defTabSz="457200" rtl="0" eaLnBrk="1" latinLnBrk="0" hangingPunct="1">
+      <a:lvl6pPr marL="2014600" indent="-228600" algn="l" defTabSz="457200" rtl="0" eaLnBrk="1" latinLnBrk="0" hangingPunct="1">
         <a:spcBef>
           <a:spcPct val="20000"/>
         </a:spcBef>
-        <a:buFont typeface="Arial"/>
-        <a:buChar char="•"/>
-        <a:defRPr sz="2000" kern="1200">
+        <a:spcAft>
+          <a:spcPts val="600"/>
+        </a:spcAft>
+        <a:buClr>
+          <a:schemeClr val="tx2"/>
+        </a:buClr>
+        <a:buSzPct val="70000"/>
+        <a:buFont typeface="Wingdings 2" charset="2"/>
+        <a:buChar char=""/>
+        <a:defRPr sz="1400" kern="1200">
+          <a:ln>
+            <a:solidFill>
+              <a:schemeClr val="bg1">
+                <a:lumMod val="75000"/>
+                <a:lumOff val="25000"/>
+                <a:alpha val="10000"/>
+              </a:schemeClr>
+            </a:solidFill>
+          </a:ln>
           <a:solidFill>
-            <a:schemeClr val="tx1"/>
+            <a:schemeClr val="tx2"/>
           </a:solidFill>
+          <a:effectLst>
+            <a:outerShdw blurRad="9525" dist="25400" dir="14640000" algn="tl" rotWithShape="0">
+              <a:schemeClr val="bg1">
+                <a:alpha val="30000"/>
+              </a:schemeClr>
+            </a:outerShdw>
+          </a:effectLst>
           <a:latin typeface="+mn-lt"/>
           <a:ea typeface="+mn-ea"/>
           <a:cs typeface="+mn-cs"/>
         </a:defRPr>
       </a:lvl6pPr>
-      <a:lvl7pPr marL="2971800" indent="-228600" algn="l" defTabSz="457200" rtl="0" eaLnBrk="1" latinLnBrk="0" hangingPunct="1">
+      <a:lvl7pPr marL="2401800" indent="-228600" algn="l" defTabSz="457200" rtl="0" eaLnBrk="1" latinLnBrk="0" hangingPunct="1">
         <a:spcBef>
           <a:spcPct val="20000"/>
         </a:spcBef>
-        <a:buFont typeface="Arial"/>
-        <a:buChar char="•"/>
-        <a:defRPr sz="2000" kern="1200">
+        <a:spcAft>
+          <a:spcPts val="600"/>
+        </a:spcAft>
+        <a:buClr>
+          <a:schemeClr val="tx2"/>
+        </a:buClr>
+        <a:buSzPct val="70000"/>
+        <a:buFont typeface="Wingdings 2" charset="2"/>
+        <a:buChar char=""/>
+        <a:defRPr sz="1400" kern="1200">
+          <a:ln>
+            <a:solidFill>
+              <a:schemeClr val="bg1">
+                <a:lumMod val="75000"/>
+                <a:lumOff val="25000"/>
+                <a:alpha val="10000"/>
+              </a:schemeClr>
+            </a:solidFill>
+          </a:ln>
           <a:solidFill>
-            <a:schemeClr val="tx1"/>
+            <a:schemeClr val="tx2"/>
           </a:solidFill>
+          <a:effectLst>
+            <a:outerShdw blurRad="9525" dist="25400" dir="14640000" algn="tl" rotWithShape="0">
+              <a:schemeClr val="bg1">
+                <a:alpha val="30000"/>
+              </a:schemeClr>
+            </a:outerShdw>
+          </a:effectLst>
           <a:latin typeface="+mn-lt"/>
           <a:ea typeface="+mn-ea"/>
           <a:cs typeface="+mn-cs"/>
         </a:defRPr>
       </a:lvl7pPr>
-      <a:lvl8pPr marL="3429000" indent="-228600" algn="l" defTabSz="457200" rtl="0" eaLnBrk="1" latinLnBrk="0" hangingPunct="1">
+      <a:lvl8pPr marL="2789000" indent="-228600" algn="l" defTabSz="457200" rtl="0" eaLnBrk="1" latinLnBrk="0" hangingPunct="1">
         <a:spcBef>
           <a:spcPct val="20000"/>
         </a:spcBef>
-        <a:buFont typeface="Arial"/>
-        <a:buChar char="•"/>
-        <a:defRPr sz="2000" kern="1200">
+        <a:spcAft>
+          <a:spcPts val="600"/>
+        </a:spcAft>
+        <a:buClr>
+          <a:schemeClr val="tx2"/>
+        </a:buClr>
+        <a:buSzPct val="70000"/>
+        <a:buFont typeface="Wingdings 2" charset="2"/>
+        <a:buChar char=""/>
+        <a:defRPr sz="1400" kern="1200">
+          <a:ln>
+            <a:solidFill>
+              <a:schemeClr val="bg1">
+                <a:lumMod val="75000"/>
+                <a:lumOff val="25000"/>
+                <a:alpha val="10000"/>
+              </a:schemeClr>
+            </a:solidFill>
+          </a:ln>
           <a:solidFill>
-            <a:schemeClr val="tx1"/>
+            <a:schemeClr val="tx2"/>
           </a:solidFill>
+          <a:effectLst>
+            <a:outerShdw blurRad="9525" dist="25400" dir="14640000" algn="tl" rotWithShape="0">
+              <a:schemeClr val="bg1">
+                <a:alpha val="30000"/>
+              </a:schemeClr>
+            </a:outerShdw>
+          </a:effectLst>
           <a:latin typeface="+mn-lt"/>
           <a:ea typeface="+mn-ea"/>
           <a:cs typeface="+mn-cs"/>
         </a:defRPr>
       </a:lvl8pPr>
-      <a:lvl9pPr marL="3886200" indent="-228600" algn="l" defTabSz="457200" rtl="0" eaLnBrk="1" latinLnBrk="0" hangingPunct="1">
+      <a:lvl9pPr marL="3106200" indent="-228600" algn="l" defTabSz="457200" rtl="0" eaLnBrk="1" latinLnBrk="0" hangingPunct="1">
         <a:spcBef>
           <a:spcPct val="20000"/>
         </a:spcBef>
-        <a:buFont typeface="Arial"/>
-        <a:buChar char="•"/>
-        <a:defRPr sz="2000" kern="1200">
+        <a:spcAft>
+          <a:spcPts val="600"/>
+        </a:spcAft>
+        <a:buClr>
+          <a:schemeClr val="tx2"/>
+        </a:buClr>
+        <a:buSzPct val="70000"/>
+        <a:buFont typeface="Wingdings 2" charset="2"/>
+        <a:buChar char=""/>
+        <a:defRPr sz="1400" kern="1200">
+          <a:ln>
+            <a:solidFill>
+              <a:schemeClr val="bg1">
+                <a:lumMod val="75000"/>
+                <a:lumOff val="25000"/>
+                <a:alpha val="10000"/>
+              </a:schemeClr>
+            </a:solidFill>
+          </a:ln>
           <a:solidFill>
-            <a:schemeClr val="tx1"/>
+            <a:schemeClr val="tx2"/>
           </a:solidFill>
+          <a:effectLst>
+            <a:outerShdw blurRad="9525" dist="25400" dir="14640000" algn="tl" rotWithShape="0">
+              <a:schemeClr val="bg1">
+                <a:alpha val="30000"/>
+              </a:schemeClr>
+            </a:outerShdw>
+          </a:effectLst>
           <a:latin typeface="+mn-lt"/>
           <a:ea typeface="+mn-ea"/>
           <a:cs typeface="+mn-cs"/>
@@ -3106,7 +6067,7 @@
           <a:lstStyle/>
           <a:p>
             <a:r>
-              <a:t>Adventures with Thomas in Singapore</a:t>
+              <a:t>Exploring Singapore with Thomas the Tank Engine</a:t>
             </a:r>
           </a:p>
         </p:txBody>
@@ -3127,7 +6088,7 @@
           <a:lstStyle/>
           <a:p>
             <a:r>
-              <a:t>Fun and learning with our friend Thomas the Tank Engine</a:t>
+              <a:t>Day-wise itinerary Explained</a:t>
             </a:r>
           </a:p>
         </p:txBody>
@@ -3166,7 +6127,7 @@
           <a:lstStyle/>
           <a:p>
             <a:r>
-              <a:t>Day 1: Thomas Takes Us Around Singapore</a:t>
+              <a:t>Day 1: Kampong Glam and Little India</a:t>
             </a:r>
           </a:p>
         </p:txBody>
@@ -3187,55 +6148,47 @@
           <a:lstStyle/>
           <a:p>
             <a:pPr>
-              <a:defRPr sz="1500"/>
+              <a:defRPr sz="2600"/>
             </a:pPr>
           </a:p>
           <a:p>
             <a:pPr>
-              <a:defRPr sz="1500"/>
+              <a:defRPr sz="2600"/>
             </a:pPr>
             <a:r>
-              <a:t>Visit the Sultan mosque</a:t>
+              <a:t>Jummah at Sultan mosque</a:t>
             </a:r>
           </a:p>
           <a:p>
             <a:pPr>
-              <a:defRPr sz="1500"/>
+              <a:defRPr sz="2600"/>
             </a:pPr>
             <a:r>
-              <a:t>Explore Kampong glam</a:t>
+              <a:t>Visit Kampong glam &amp; Haji lane</a:t>
             </a:r>
           </a:p>
           <a:p>
             <a:pPr>
-              <a:defRPr sz="1500"/>
+              <a:defRPr sz="2600"/>
             </a:pPr>
             <a:r>
-              <a:t>A fun stroll in Haji Lane</a:t>
+              <a:t>Stroll around Abdul Gafar Mosque and Little India</a:t>
             </a:r>
           </a:p>
           <a:p>
             <a:pPr>
-              <a:defRPr sz="1500"/>
+              <a:defRPr sz="2600"/>
             </a:pPr>
             <a:r>
-              <a:t>Visit Abdul Gafoor Mosque</a:t>
+              <a:t>Explore the colorful streets &amp; traditional Indian goods</a:t>
             </a:r>
           </a:p>
           <a:p>
             <a:pPr>
-              <a:defRPr sz="1500"/>
+              <a:defRPr sz="2600"/>
             </a:pPr>
             <a:r>
-              <a:t>Discover Little India and visit Sri Veeramakaliamman Temple</a:t>
-            </a:r>
-          </a:p>
-          <a:p>
-            <a:pPr>
-              <a:defRPr sz="1500"/>
-            </a:pPr>
-            <a:r>
-              <a:t>Savor traditional Indian dinner in Little India</a:t>
+              <a:t>Enjoy a traditional Indian dinner at Little India</a:t>
             </a:r>
           </a:p>
         </p:txBody>
@@ -3274,7 +6227,7 @@
           <a:lstStyle/>
           <a:p>
             <a:r>
-              <a:t>Day 2: Exciting Experiences with Thomas</a:t>
+              <a:t>Day 2: Gardens By The Bay &amp; Marina Bay Sands</a:t>
             </a:r>
           </a:p>
         </p:txBody>
@@ -3295,71 +6248,123 @@
           <a:lstStyle/>
           <a:p>
             <a:pPr>
-              <a:defRPr sz="1500"/>
+              <a:defRPr sz="2600"/>
             </a:pPr>
           </a:p>
           <a:p>
             <a:pPr>
-              <a:defRPr sz="1500"/>
+              <a:defRPr sz="2600"/>
             </a:pPr>
             <a:r>
-              <a:t>Visit the Gardens by the Bay and walk on the OCBC Skyway</a:t>
+              <a:t>Visit Gardens by the Bay &amp; OCBC Skyway</a:t>
             </a:r>
           </a:p>
           <a:p>
             <a:pPr>
-              <a:defRPr sz="1500"/>
+              <a:defRPr sz="2600"/>
             </a:pPr>
             <a:r>
-              <a:t>Explore the ArtScience Museum</a:t>
+              <a:t>Explore ArtScience Museum &amp; Marina Bay Sands</a:t>
             </a:r>
           </a:p>
           <a:p>
             <a:pPr>
-              <a:defRPr sz="1500"/>
+              <a:defRPr sz="2600"/>
             </a:pPr>
             <a:r>
-              <a:t>Delicious lunch at Marina Bay Sands</a:t>
+              <a:t>Enjoy lunch at renowned restaurants</a:t>
             </a:r>
           </a:p>
           <a:p>
             <a:pPr>
-              <a:defRPr sz="1500"/>
+              <a:defRPr sz="2600"/>
             </a:pPr>
             <a:r>
-              <a:t>Walk along the Marina Bay Sands Boardwalk</a:t>
+              <a:t>Stroll along Marina Bay Sands Boardwalk</a:t>
             </a:r>
           </a:p>
           <a:p>
             <a:pPr>
-              <a:defRPr sz="1500"/>
+              <a:defRPr sz="2600"/>
             </a:pPr>
             <a:r>
-              <a:t>See the city from Sands SkyPark Observation Deck</a:t>
-            </a:r>
-          </a:p>
+              <a:t>Experience Spectra Light and Water Show</a:t>
+            </a:r>
+          </a:p>
+        </p:txBody>
+      </p:sp>
+    </p:spTree>
+  </p:cSld>
+  <p:clrMapOvr>
+    <a:masterClrMapping/>
+  </p:clrMapOvr>
+</p:sld>
+</file>
+
+<file path=ppt/slides/slide4.xml><?xml version="1.0" encoding="utf-8"?>
+<p:sld xmlns:a="http://schemas.openxmlformats.org/drawingml/2006/main" xmlns:p="http://schemas.openxmlformats.org/presentationml/2006/main" xmlns:r="http://schemas.openxmlformats.org/officeDocument/2006/relationships">
+  <p:cSld>
+    <p:spTree>
+      <p:nvGrpSpPr>
+        <p:cNvPr id="1" name=""/>
+        <p:cNvGrpSpPr/>
+        <p:nvPr/>
+      </p:nvGrpSpPr>
+      <p:grpSpPr/>
+      <p:sp>
+        <p:nvSpPr>
+          <p:cNvPr id="2" name="Title 1"/>
+          <p:cNvSpPr>
+            <a:spLocks noGrp="1"/>
+          </p:cNvSpPr>
+          <p:nvPr>
+            <p:ph type="title"/>
+          </p:nvPr>
+        </p:nvSpPr>
+        <p:spPr/>
+        <p:txBody>
+          <a:bodyPr/>
+          <a:lstStyle/>
+          <a:p>
+            <a:r>
+              <a:t>Day 3: Newton Circus &amp; Chijmes</a:t>
+            </a:r>
+          </a:p>
+        </p:txBody>
+      </p:sp>
+      <p:sp>
+        <p:nvSpPr>
+          <p:cNvPr id="3" name="Content Placeholder 2"/>
+          <p:cNvSpPr>
+            <a:spLocks noGrp="1"/>
+          </p:cNvSpPr>
+          <p:nvPr>
+            <p:ph idx="1"/>
+          </p:nvPr>
+        </p:nvSpPr>
+        <p:spPr/>
+        <p:txBody>
+          <a:bodyPr wrap="square"/>
+          <a:lstStyle/>
           <a:p>
             <a:pPr>
-              <a:defRPr sz="1500"/>
+              <a:defRPr sz="2600"/>
             </a:pPr>
-            <a:r>
-              <a:t>Shop at The Shoppes at Marina Bay Sands</a:t>
-            </a:r>
           </a:p>
           <a:p>
             <a:pPr>
-              <a:defRPr sz="1500"/>
+              <a:defRPr sz="2600"/>
             </a:pPr>
             <a:r>
-              <a:t>Watch the Spectra Light and Water Show</a:t>
+              <a:t>Explore Newton Circus &amp; try local food</a:t>
             </a:r>
           </a:p>
           <a:p>
             <a:pPr>
-              <a:defRPr sz="1500"/>
+              <a:defRPr sz="2600"/>
             </a:pPr>
             <a:r>
-              <a:t>Dine at fine restaurants in Marina Bay Sands</a:t>
+              <a:t>Visit Chijmes</a:t>
             </a:r>
           </a:p>
         </p:txBody>
@@ -3373,9 +6378,9 @@
 </file>
 
 <file path=ppt/theme/theme1.xml><?xml version="1.0" encoding="utf-8"?>
-<a:theme xmlns:a="http://schemas.openxmlformats.org/drawingml/2006/main" name="Office Theme">
+<a:theme xmlns:a="http://schemas.openxmlformats.org/drawingml/2006/main" name="Slate">
   <a:themeElements>
-    <a:clrScheme name="Office">
+    <a:clrScheme name="Slate">
       <a:dk1>
         <a:sysClr val="windowText" lastClr="000000"/>
       </a:dk1>
@@ -3383,52 +6388,52 @@
         <a:sysClr val="window" lastClr="FFFFFF"/>
       </a:lt1>
       <a:dk2>
-        <a:srgbClr val="1F497D"/>
+        <a:srgbClr val="212123"/>
       </a:dk2>
       <a:lt2>
-        <a:srgbClr val="EEECE1"/>
+        <a:srgbClr val="DADADA"/>
       </a:lt2>
       <a:accent1>
-        <a:srgbClr val="4F81BD"/>
+        <a:srgbClr val="BC451B"/>
       </a:accent1>
       <a:accent2>
-        <a:srgbClr val="C0504D"/>
+        <a:srgbClr val="D3BA68"/>
       </a:accent2>
       <a:accent3>
-        <a:srgbClr val="9BBB59"/>
+        <a:srgbClr val="BB8640"/>
       </a:accent3>
       <a:accent4>
-        <a:srgbClr val="8064A2"/>
+        <a:srgbClr val="AD9277"/>
       </a:accent4>
       <a:accent5>
-        <a:srgbClr val="4BACC6"/>
+        <a:srgbClr val="A55A43"/>
       </a:accent5>
       <a:accent6>
-        <a:srgbClr val="F79646"/>
+        <a:srgbClr val="AD9D7B"/>
       </a:accent6>
       <a:hlink>
-        <a:srgbClr val="0000FF"/>
+        <a:srgbClr val="E98052"/>
       </a:hlink>
       <a:folHlink>
-        <a:srgbClr val="800080"/>
+        <a:srgbClr val="F4B69B"/>
       </a:folHlink>
     </a:clrScheme>
-    <a:fontScheme name="Office">
+    <a:fontScheme name="Slate">
       <a:majorFont>
-        <a:latin typeface="Calibri"/>
+        <a:latin typeface="Calisto MT" panose="02040603050505030304"/>
         <a:ea typeface=""/>
         <a:cs typeface=""/>
         <a:font script="Jpan" typeface="ＭＳ Ｐゴシック"/>
-        <a:font script="Hang" typeface="맑은 고딕"/>
-        <a:font script="Hans" typeface="宋体"/>
-        <a:font script="Hant" typeface="新細明體"/>
-        <a:font script="Arab" typeface="Times New Roman"/>
-        <a:font script="Hebr" typeface="Times New Roman"/>
-        <a:font script="Thai" typeface="Angsana New"/>
+        <a:font script="Hang" typeface="돋움"/>
+        <a:font script="Hans" typeface="方正舒体"/>
+        <a:font script="Hant" typeface="微軟正黑體"/>
+        <a:font script="Arab" typeface="Arial"/>
+        <a:font script="Hebr" typeface="Arial"/>
+        <a:font script="Thai" typeface="Cordia New"/>
         <a:font script="Ethi" typeface="Nyala"/>
         <a:font script="Beng" typeface="Vrinda"/>
         <a:font script="Gujr" typeface="Shruti"/>
-        <a:font script="Khmr" typeface="MoolBoran"/>
+        <a:font script="Khmr" typeface="DaunPenh"/>
         <a:font script="Knda" typeface="Tunga"/>
         <a:font script="Guru" typeface="Raavi"/>
         <a:font script="Cans" typeface="Euphemia"/>
@@ -3445,18 +6450,18 @@
         <a:font script="Laoo" typeface="DokChampa"/>
         <a:font script="Sinh" typeface="Iskoola Pota"/>
         <a:font script="Mong" typeface="Mongolian Baiti"/>
-        <a:font script="Viet" typeface="Times New Roman"/>
+        <a:font script="Viet" typeface="Arial"/>
         <a:font script="Uigh" typeface="Microsoft Uighur"/>
         <a:font script="Geor" typeface="Sylfaen"/>
       </a:majorFont>
       <a:minorFont>
-        <a:latin typeface="Calibri"/>
+        <a:latin typeface="Calisto MT" panose="02040603050505030304"/>
         <a:ea typeface=""/>
         <a:cs typeface=""/>
         <a:font script="Jpan" typeface="ＭＳ Ｐゴシック"/>
-        <a:font script="Hang" typeface="맑은 고딕"/>
-        <a:font script="Hans" typeface="宋体"/>
-        <a:font script="Hant" typeface="新細明體"/>
+        <a:font script="Hang" typeface="돋움"/>
+        <a:font script="Hans" typeface="方正舒体"/>
+        <a:font script="Hant" typeface="微軟正黑體"/>
         <a:font script="Arab" typeface="Arial"/>
         <a:font script="Hebr" typeface="Arial"/>
         <a:font script="Thai" typeface="Cordia New"/>
@@ -3485,7 +6490,7 @@
         <a:font script="Geor" typeface="Sylfaen"/>
       </a:minorFont>
     </a:fontScheme>
-    <a:fmtScheme name="Office">
+    <a:fmtScheme name="Slate">
       <a:fillStyleLst>
         <a:solidFill>
           <a:schemeClr val="phClr"/>
@@ -3494,62 +6499,52 @@
           <a:gsLst>
             <a:gs pos="0">
               <a:schemeClr val="phClr">
-                <a:tint val="50000"/>
-                <a:satMod val="300000"/>
-              </a:schemeClr>
-            </a:gs>
-            <a:gs pos="35000">
-              <a:schemeClr val="phClr">
-                <a:tint val="37000"/>
-                <a:satMod val="300000"/>
+                <a:tint val="60000"/>
+                <a:lumMod val="110000"/>
               </a:schemeClr>
             </a:gs>
             <a:gs pos="100000">
               <a:schemeClr val="phClr">
-                <a:tint val="15000"/>
-                <a:satMod val="350000"/>
+                <a:tint val="88000"/>
               </a:schemeClr>
             </a:gs>
           </a:gsLst>
-          <a:lin ang="16200000" scaled="1"/>
+          <a:lin ang="5400000" scaled="0"/>
         </a:gradFill>
         <a:gradFill rotWithShape="1">
           <a:gsLst>
             <a:gs pos="0">
               <a:schemeClr val="phClr">
-                <a:tint val="100000"/>
-                <a:shade val="100000"/>
-                <a:satMod val="130000"/>
+                <a:tint val="96000"/>
+                <a:lumMod val="104000"/>
               </a:schemeClr>
             </a:gs>
             <a:gs pos="100000">
               <a:schemeClr val="phClr">
-                <a:tint val="50000"/>
-                <a:shade val="100000"/>
-                <a:satMod val="350000"/>
+                <a:shade val="90000"/>
+                <a:lumMod val="90000"/>
               </a:schemeClr>
             </a:gs>
           </a:gsLst>
-          <a:lin ang="16200000" scaled="0"/>
+          <a:lin ang="5400000" scaled="0"/>
         </a:gradFill>
       </a:fillStyleLst>
       <a:lnStyleLst>
-        <a:ln w="9525" cap="flat" cmpd="sng" algn="ctr">
+        <a:ln w="9525" cap="rnd" cmpd="sng" algn="ctr">
           <a:solidFill>
             <a:schemeClr val="phClr">
-              <a:shade val="95000"/>
-              <a:satMod val="105000"/>
+              <a:shade val="90000"/>
             </a:schemeClr>
           </a:solidFill>
           <a:prstDash val="solid"/>
         </a:ln>
-        <a:ln w="25400" cap="flat" cmpd="sng" algn="ctr">
+        <a:ln w="15875" cap="rnd" cmpd="sng" algn="ctr">
           <a:solidFill>
             <a:schemeClr val="phClr"/>
           </a:solidFill>
           <a:prstDash val="solid"/>
         </a:ln>
-        <a:ln w="38100" cap="flat" cmpd="sng" algn="ctr">
+        <a:ln w="25400" cap="rnd" cmpd="sng" algn="ctr">
           <a:solidFill>
             <a:schemeClr val="phClr"/>
           </a:solidFill>
@@ -3558,28 +6553,22 @@
       </a:lnStyleLst>
       <a:effectStyleLst>
         <a:effectStyle>
+          <a:effectLst/>
+        </a:effectStyle>
+        <a:effectStyle>
           <a:effectLst>
-            <a:outerShdw blurRad="40000" dist="20000" dir="5400000" rotWithShape="0">
+            <a:outerShdw blurRad="63500" dist="25400" dir="5400000" rotWithShape="0">
               <a:srgbClr val="000000">
-                <a:alpha val="38000"/>
+                <a:alpha val="60000"/>
               </a:srgbClr>
             </a:outerShdw>
           </a:effectLst>
         </a:effectStyle>
         <a:effectStyle>
           <a:effectLst>
-            <a:outerShdw blurRad="40000" dist="23000" dir="5400000" rotWithShape="0">
+            <a:outerShdw blurRad="76200" dist="38100" dir="5400000" rotWithShape="0">
               <a:srgbClr val="000000">
-                <a:alpha val="35000"/>
-              </a:srgbClr>
-            </a:outerShdw>
-          </a:effectLst>
-        </a:effectStyle>
-        <a:effectStyle>
-          <a:effectLst>
-            <a:outerShdw blurRad="40000" dist="23000" dir="5400000" rotWithShape="0">
-              <a:srgbClr val="000000">
-                <a:alpha val="35000"/>
+                <a:alpha val="75000"/>
               </a:srgbClr>
             </a:outerShdw>
           </a:effectLst>
@@ -3592,7 +6581,7 @@
             </a:lightRig>
           </a:scene3d>
           <a:sp3d>
-            <a:bevelT w="63500" h="25400"/>
+            <a:bevelT w="63500" h="25400" prst="hardEdge"/>
           </a:sp3d>
         </a:effectStyle>
       </a:effectStyleLst>
@@ -3600,94 +6589,32 @@
         <a:solidFill>
           <a:schemeClr val="phClr"/>
         </a:solidFill>
-        <a:gradFill rotWithShape="1">
-          <a:gsLst>
-            <a:gs pos="0">
+        <a:solidFill>
+          <a:schemeClr val="phClr"/>
+        </a:solidFill>
+        <a:blipFill rotWithShape="1">
+          <a:blip xmlns:r="http://schemas.openxmlformats.org/officeDocument/2006/relationships" r:embed="rId1">
+            <a:duotone>
               <a:schemeClr val="phClr">
-                <a:tint val="40000"/>
-                <a:satMod val="350000"/>
+                <a:shade val="80000"/>
+                <a:lumMod val="80000"/>
               </a:schemeClr>
-            </a:gs>
-            <a:gs pos="40000">
               <a:schemeClr val="phClr">
-                <a:tint val="45000"/>
-                <a:shade val="99000"/>
-                <a:satMod val="350000"/>
+                <a:tint val="98000"/>
               </a:schemeClr>
-            </a:gs>
-            <a:gs pos="100000">
-              <a:schemeClr val="phClr">
-                <a:shade val="20000"/>
-                <a:satMod val="255000"/>
-              </a:schemeClr>
-            </a:gs>
-          </a:gsLst>
-          <a:path path="circle">
-            <a:fillToRect l="50000" t="-80000" r="50000" b="180000"/>
-          </a:path>
-        </a:gradFill>
-        <a:gradFill rotWithShape="1">
-          <a:gsLst>
-            <a:gs pos="0">
-              <a:schemeClr val="phClr">
-                <a:tint val="80000"/>
-                <a:satMod val="300000"/>
-              </a:schemeClr>
-            </a:gs>
-            <a:gs pos="100000">
-              <a:schemeClr val="phClr">
-                <a:shade val="30000"/>
-                <a:satMod val="200000"/>
-              </a:schemeClr>
-            </a:gs>
-          </a:gsLst>
-          <a:path path="circle">
-            <a:fillToRect l="50000" t="50000" r="50000" b="50000"/>
-          </a:path>
-        </a:gradFill>
+            </a:duotone>
+          </a:blip>
+          <a:stretch/>
+        </a:blipFill>
       </a:bgFillStyleLst>
     </a:fmtScheme>
   </a:themeElements>
-  <a:objectDefaults>
-    <a:spDef>
-      <a:spPr/>
-      <a:bodyPr/>
-      <a:lstStyle/>
-      <a:style>
-        <a:lnRef idx="1">
-          <a:schemeClr val="accent1"/>
-        </a:lnRef>
-        <a:fillRef idx="3">
-          <a:schemeClr val="accent1"/>
-        </a:fillRef>
-        <a:effectRef idx="2">
-          <a:schemeClr val="accent1"/>
-        </a:effectRef>
-        <a:fontRef idx="minor">
-          <a:schemeClr val="lt1"/>
-        </a:fontRef>
-      </a:style>
-    </a:spDef>
-    <a:lnDef>
-      <a:spPr/>
-      <a:bodyPr/>
-      <a:lstStyle/>
-      <a:style>
-        <a:lnRef idx="2">
-          <a:schemeClr val="accent1"/>
-        </a:lnRef>
-        <a:fillRef idx="0">
-          <a:schemeClr val="accent1"/>
-        </a:fillRef>
-        <a:effectRef idx="1">
-          <a:schemeClr val="accent1"/>
-        </a:effectRef>
-        <a:fontRef idx="minor">
-          <a:schemeClr val="tx1"/>
-        </a:fontRef>
-      </a:style>
-    </a:lnDef>
-  </a:objectDefaults>
+  <a:objectDefaults/>
   <a:extraClrSchemeLst/>
+  <a:extLst>
+    <a:ext uri="{05A4C25C-085E-4340-85A3-A5531E510DB2}">
+      <thm15:themeFamily xmlns:thm15="http://schemas.microsoft.com/office/thememl/2012/main" name="Slate" id="{C3F70B94-7CE9-428E-ADC1-3269CC2C3385}" vid="{3F2DE9A5-64E6-437C-A389-CC4477E817E8}"/>
+    </a:ext>
+  </a:extLst>
 </a:theme>
 </file>